--- a/Doc/Zwischenbericht.pptx
+++ b/Doc/Zwischenbericht.pptx
@@ -5,10 +5,10 @@
     <p:sldMasterId id="2147483648" r:id="rId1"/>
   </p:sldMasterIdLst>
   <p:notesMasterIdLst>
-    <p:notesMasterId r:id="rId27"/>
+    <p:notesMasterId r:id="rId28"/>
   </p:notesMasterIdLst>
   <p:handoutMasterIdLst>
-    <p:handoutMasterId r:id="rId28"/>
+    <p:handoutMasterId r:id="rId29"/>
   </p:handoutMasterIdLst>
   <p:sldIdLst>
     <p:sldId id="295" r:id="rId2"/>
@@ -23,19 +23,20 @@
     <p:sldId id="309" r:id="rId11"/>
     <p:sldId id="285" r:id="rId12"/>
     <p:sldId id="314" r:id="rId13"/>
-    <p:sldId id="310" r:id="rId14"/>
-    <p:sldId id="312" r:id="rId15"/>
-    <p:sldId id="311" r:id="rId16"/>
-    <p:sldId id="313" r:id="rId17"/>
-    <p:sldId id="289" r:id="rId18"/>
-    <p:sldId id="273" r:id="rId19"/>
-    <p:sldId id="283" r:id="rId20"/>
-    <p:sldId id="282" r:id="rId21"/>
-    <p:sldId id="274" r:id="rId22"/>
-    <p:sldId id="287" r:id="rId23"/>
-    <p:sldId id="277" r:id="rId24"/>
-    <p:sldId id="279" r:id="rId25"/>
-    <p:sldId id="278" r:id="rId26"/>
+    <p:sldId id="315" r:id="rId14"/>
+    <p:sldId id="310" r:id="rId15"/>
+    <p:sldId id="312" r:id="rId16"/>
+    <p:sldId id="311" r:id="rId17"/>
+    <p:sldId id="313" r:id="rId18"/>
+    <p:sldId id="289" r:id="rId19"/>
+    <p:sldId id="273" r:id="rId20"/>
+    <p:sldId id="283" r:id="rId21"/>
+    <p:sldId id="282" r:id="rId22"/>
+    <p:sldId id="274" r:id="rId23"/>
+    <p:sldId id="287" r:id="rId24"/>
+    <p:sldId id="277" r:id="rId25"/>
+    <p:sldId id="279" r:id="rId26"/>
+    <p:sldId id="278" r:id="rId27"/>
   </p:sldIdLst>
   <p:sldSz cx="9144000" cy="6858000" type="screen4x3"/>
   <p:notesSz cx="6858000" cy="9734550"/>
@@ -134,13 +135,43 @@
       </a:defRPr>
     </a:lvl9pPr>
   </p:defaultTextStyle>
+  <p:extLst>
+    <p:ext uri="{EFAFB233-063F-42B5-8137-9DF3F51BA10A}">
+      <p15:sldGuideLst xmlns:p15="http://schemas.microsoft.com/office/powerpoint/2012/main">
+        <p15:guide id="1" orient="horz" pos="799">
+          <p15:clr>
+            <a:srgbClr val="A4A3A4"/>
+          </p15:clr>
+        </p15:guide>
+        <p15:guide id="2" pos="521">
+          <p15:clr>
+            <a:srgbClr val="A4A3A4"/>
+          </p15:clr>
+        </p15:guide>
+      </p15:sldGuideLst>
+    </p:ext>
+    <p:ext uri="{2D200454-40CA-4A62-9FC3-DE9A4176ACB9}">
+      <p15:notesGuideLst xmlns:p15="http://schemas.microsoft.com/office/powerpoint/2012/main">
+        <p15:guide id="1" orient="horz" pos="3062">
+          <p15:clr>
+            <a:srgbClr val="A4A3A4"/>
+          </p15:clr>
+        </p15:guide>
+        <p15:guide id="2" pos="2160">
+          <p15:clr>
+            <a:srgbClr val="A4A3A4"/>
+          </p15:clr>
+        </p15:guide>
+      </p15:notesGuideLst>
+    </p:ext>
+  </p:extLst>
 </p:presentation>
 </file>
 
 <file path=ppt/charts/chart1.xml><?xml version="1.0" encoding="utf-8"?>
 <c:chartSpace xmlns:c="http://schemas.openxmlformats.org/drawingml/2006/chart" xmlns:a="http://schemas.openxmlformats.org/drawingml/2006/main" xmlns:r="http://schemas.openxmlformats.org/officeDocument/2006/relationships">
   <c:date1904 val="0"/>
-  <c:lang val="de-CH"/>
+  <c:lang val="en-US"/>
   <c:roundedCorners val="0"/>
   <mc:AlternateContent xmlns:mc="http://schemas.openxmlformats.org/markup-compatibility/2006">
     <mc:Choice xmlns:c14="http://schemas.microsoft.com/office/drawing/2007/8/2/chart" Requires="c14">
@@ -348,16 +379,17 @@
           <c:showBubbleSize val="0"/>
         </c:dLbls>
         <c:gapWidth val="150"/>
-        <c:axId val="255343232"/>
-        <c:axId val="255377792"/>
+        <c:axId val="293554400"/>
+        <c:axId val="293556360"/>
       </c:barChart>
       <c:catAx>
-        <c:axId val="255343232"/>
+        <c:axId val="293554400"/>
         <c:scaling>
           <c:orientation val="minMax"/>
         </c:scaling>
         <c:delete val="0"/>
         <c:axPos val="b"/>
+        <c:numFmt formatCode="General" sourceLinked="0"/>
         <c:majorTickMark val="out"/>
         <c:minorTickMark val="none"/>
         <c:tickLblPos val="nextTo"/>
@@ -368,10 +400,10 @@
             <a:pPr>
               <a:defRPr sz="1700"/>
             </a:pPr>
-            <a:endParaRPr lang="de-DE"/>
+            <a:endParaRPr lang="en-US"/>
           </a:p>
         </c:txPr>
-        <c:crossAx val="255377792"/>
+        <c:crossAx val="293556360"/>
         <c:crosses val="autoZero"/>
         <c:auto val="1"/>
         <c:lblAlgn val="ctr"/>
@@ -379,7 +411,7 @@
         <c:noMultiLvlLbl val="0"/>
       </c:catAx>
       <c:valAx>
-        <c:axId val="255377792"/>
+        <c:axId val="293556360"/>
         <c:scaling>
           <c:orientation val="minMax"/>
         </c:scaling>
@@ -390,14 +422,13 @@
         <c:majorTickMark val="out"/>
         <c:minorTickMark val="none"/>
         <c:tickLblPos val="nextTo"/>
-        <c:crossAx val="255343232"/>
+        <c:crossAx val="293554400"/>
         <c:crosses val="autoZero"/>
         <c:crossBetween val="between"/>
       </c:valAx>
     </c:plotArea>
     <c:legend>
       <c:legendPos val="r"/>
-      <c:layout/>
       <c:overlay val="0"/>
       <c:txPr>
         <a:bodyPr/>
@@ -406,7 +437,7 @@
           <a:pPr>
             <a:defRPr sz="1700"/>
           </a:pPr>
-          <a:endParaRPr lang="de-DE"/>
+          <a:endParaRPr lang="en-US"/>
         </a:p>
       </c:txPr>
     </c:legend>
@@ -421,7 +452,7 @@
       <a:pPr>
         <a:defRPr sz="1800"/>
       </a:pPr>
-      <a:endParaRPr lang="de-DE"/>
+      <a:endParaRPr lang="en-US"/>
     </a:p>
   </c:txPr>
   <c:externalData r:id="rId1">
@@ -433,7 +464,7 @@
 <file path=ppt/charts/chart2.xml><?xml version="1.0" encoding="utf-8"?>
 <c:chartSpace xmlns:c="http://schemas.openxmlformats.org/drawingml/2006/chart" xmlns:a="http://schemas.openxmlformats.org/drawingml/2006/main" xmlns:r="http://schemas.openxmlformats.org/officeDocument/2006/relationships">
   <c:date1904 val="0"/>
-  <c:lang val="de-CH"/>
+  <c:lang val="en-US"/>
   <c:roundedCorners val="0"/>
   <mc:AlternateContent xmlns:mc="http://schemas.openxmlformats.org/markup-compatibility/2006">
     <mc:Choice xmlns:c14="http://schemas.microsoft.com/office/drawing/2007/8/2/chart" Requires="c14">
@@ -446,7 +477,6 @@
   <c:clrMapOvr bg1="lt1" tx1="dk1" bg2="lt2" tx2="dk2" accent1="accent1" accent2="accent2" accent3="accent3" accent4="accent4" accent5="accent5" accent6="accent6" hlink="hlink" folHlink="folHlink"/>
   <c:chart>
     <c:title>
-      <c:layout/>
       <c:overlay val="0"/>
       <c:txPr>
         <a:bodyPr/>
@@ -455,7 +485,7 @@
           <a:pPr>
             <a:defRPr sz="1700"/>
           </a:pPr>
-          <a:endParaRPr lang="de-DE"/>
+          <a:endParaRPr lang="en-US"/>
         </a:p>
       </c:txPr>
     </c:title>
@@ -593,7 +623,7 @@
           <a:pPr>
             <a:defRPr sz="1700"/>
           </a:pPr>
-          <a:endParaRPr lang="de-DE"/>
+          <a:endParaRPr lang="en-US"/>
         </a:p>
       </c:txPr>
     </c:legend>
@@ -608,7 +638,7 @@
       <a:pPr>
         <a:defRPr sz="1800"/>
       </a:pPr>
-      <a:endParaRPr lang="de-DE"/>
+      <a:endParaRPr lang="en-US"/>
     </a:p>
   </c:txPr>
   <c:externalData r:id="rId2">
@@ -620,7 +650,7 @@
 <file path=ppt/charts/chart3.xml><?xml version="1.0" encoding="utf-8"?>
 <c:chartSpace xmlns:c="http://schemas.openxmlformats.org/drawingml/2006/chart" xmlns:a="http://schemas.openxmlformats.org/drawingml/2006/main" xmlns:r="http://schemas.openxmlformats.org/officeDocument/2006/relationships">
   <c:date1904 val="0"/>
-  <c:lang val="de-CH"/>
+  <c:lang val="en-US"/>
   <c:roundedCorners val="0"/>
   <mc:AlternateContent xmlns:mc="http://schemas.openxmlformats.org/markup-compatibility/2006">
     <mc:Choice xmlns:c14="http://schemas.microsoft.com/office/drawing/2007/8/2/chart" Requires="c14">
@@ -834,16 +864,17 @@
           <c:showBubbleSize val="0"/>
         </c:dLbls>
         <c:gapWidth val="150"/>
-        <c:axId val="114853376"/>
-        <c:axId val="114854912"/>
+        <c:axId val="294343608"/>
+        <c:axId val="294342432"/>
       </c:barChart>
       <c:catAx>
-        <c:axId val="114853376"/>
+        <c:axId val="294343608"/>
         <c:scaling>
           <c:orientation val="minMax"/>
         </c:scaling>
         <c:delete val="0"/>
         <c:axPos val="b"/>
+        <c:numFmt formatCode="General" sourceLinked="0"/>
         <c:majorTickMark val="out"/>
         <c:minorTickMark val="none"/>
         <c:tickLblPos val="nextTo"/>
@@ -854,10 +885,10 @@
             <a:pPr>
               <a:defRPr sz="1700"/>
             </a:pPr>
-            <a:endParaRPr lang="de-DE"/>
+            <a:endParaRPr lang="en-US"/>
           </a:p>
         </c:txPr>
-        <c:crossAx val="114854912"/>
+        <c:crossAx val="294342432"/>
         <c:crosses val="autoZero"/>
         <c:auto val="1"/>
         <c:lblAlgn val="ctr"/>
@@ -865,7 +896,7 @@
         <c:noMultiLvlLbl val="0"/>
       </c:catAx>
       <c:valAx>
-        <c:axId val="114854912"/>
+        <c:axId val="294342432"/>
         <c:scaling>
           <c:orientation val="minMax"/>
         </c:scaling>
@@ -876,14 +907,13 @@
         <c:majorTickMark val="out"/>
         <c:minorTickMark val="none"/>
         <c:tickLblPos val="nextTo"/>
-        <c:crossAx val="114853376"/>
+        <c:crossAx val="294343608"/>
         <c:crosses val="autoZero"/>
         <c:crossBetween val="between"/>
       </c:valAx>
     </c:plotArea>
     <c:legend>
       <c:legendPos val="r"/>
-      <c:layout/>
       <c:overlay val="0"/>
       <c:txPr>
         <a:bodyPr/>
@@ -892,7 +922,7 @@
           <a:pPr>
             <a:defRPr sz="1700"/>
           </a:pPr>
-          <a:endParaRPr lang="de-DE"/>
+          <a:endParaRPr lang="en-US"/>
         </a:p>
       </c:txPr>
     </c:legend>
@@ -907,7 +937,7 @@
       <a:pPr>
         <a:defRPr sz="1800"/>
       </a:pPr>
-      <a:endParaRPr lang="de-DE"/>
+      <a:endParaRPr lang="en-US"/>
     </a:p>
   </c:txPr>
   <c:externalData r:id="rId2">
@@ -919,7 +949,7 @@
 <file path=ppt/charts/chart4.xml><?xml version="1.0" encoding="utf-8"?>
 <c:chartSpace xmlns:c="http://schemas.openxmlformats.org/drawingml/2006/chart" xmlns:a="http://schemas.openxmlformats.org/drawingml/2006/main" xmlns:r="http://schemas.openxmlformats.org/officeDocument/2006/relationships">
   <c:date1904 val="0"/>
-  <c:lang val="de-CH"/>
+  <c:lang val="en-US"/>
   <c:roundedCorners val="0"/>
   <mc:AlternateContent xmlns:mc="http://schemas.openxmlformats.org/markup-compatibility/2006">
     <mc:Choice xmlns:c14="http://schemas.microsoft.com/office/drawing/2007/8/2/chart" Requires="c14">
@@ -931,7 +961,6 @@
   </mc:AlternateContent>
   <c:chart>
     <c:title>
-      <c:layout/>
       <c:overlay val="0"/>
       <c:txPr>
         <a:bodyPr/>
@@ -940,7 +969,7 @@
           <a:pPr>
             <a:defRPr sz="1700"/>
           </a:pPr>
-          <a:endParaRPr lang="de-DE"/>
+          <a:endParaRPr lang="en-US"/>
         </a:p>
       </c:txPr>
     </c:title>
@@ -1078,7 +1107,7 @@
           <a:pPr>
             <a:defRPr sz="1700"/>
           </a:pPr>
-          <a:endParaRPr lang="de-DE"/>
+          <a:endParaRPr lang="en-US"/>
         </a:p>
       </c:txPr>
     </c:legend>
@@ -1093,7 +1122,7 @@
       <a:pPr>
         <a:defRPr sz="1800"/>
       </a:pPr>
-      <a:endParaRPr lang="de-DE"/>
+      <a:endParaRPr lang="en-US"/>
     </a:p>
   </c:txPr>
   <c:externalData r:id="rId1">
@@ -1250,7 +1279,7 @@
           <a:p>
             <a:fld id="{F8632770-F47B-49A8-A654-7D2712296F2E}" type="slidenum">
               <a:rPr lang="de-CH" smtClean="0"/>
-              <a:t>‹Nr.›</a:t>
+              <a:t>‹#›</a:t>
             </a:fld>
             <a:endParaRPr lang="de-CH"/>
           </a:p>
@@ -1510,7 +1539,7 @@
             <a:fld id="{030F1662-E304-472D-9055-62419893CD52}" type="slidenum">
               <a:rPr lang="de-CH" smtClean="0"/>
               <a:pPr/>
-              <a:t>‹Nr.›</a:t>
+              <a:t>‹#›</a:t>
             </a:fld>
             <a:endParaRPr lang="de-CH"/>
           </a:p>
@@ -1800,7 +1829,7 @@
             <a:fld id="{030F1662-E304-472D-9055-62419893CD52}" type="slidenum">
               <a:rPr lang="de-CH" smtClean="0"/>
               <a:pPr/>
-              <a:t>20</a:t>
+              <a:t>21</a:t>
             </a:fld>
             <a:endParaRPr lang="de-CH"/>
           </a:p>
@@ -2982,7 +3011,7 @@
             <a:fld id="{6CB3B594-2801-4864-9089-E42463258A4B}" type="slidenum">
               <a:rPr lang="de-CH" smtClean="0"/>
               <a:pPr/>
-              <a:t>‹Nr.›</a:t>
+              <a:t>‹#›</a:t>
             </a:fld>
             <a:endParaRPr lang="de-CH"/>
           </a:p>
@@ -3421,7 +3450,7 @@
             <a:fld id="{6CB3B594-2801-4864-9089-E42463258A4B}" type="slidenum">
               <a:rPr lang="de-CH" smtClean="0"/>
               <a:pPr/>
-              <a:t>‹Nr.›</a:t>
+              <a:t>‹#›</a:t>
             </a:fld>
             <a:endParaRPr lang="de-CH"/>
           </a:p>
@@ -3993,7 +4022,7 @@
             <a:fld id="{6CB3B594-2801-4864-9089-E42463258A4B}" type="slidenum">
               <a:rPr lang="de-CH" smtClean="0"/>
               <a:pPr/>
-              <a:t>‹Nr.›</a:t>
+              <a:t>‹#›</a:t>
             </a:fld>
             <a:endParaRPr lang="de-CH"/>
           </a:p>
@@ -4259,7 +4288,7 @@
             <a:fld id="{6CB3B594-2801-4864-9089-E42463258A4B}" type="slidenum">
               <a:rPr lang="de-CH" smtClean="0"/>
               <a:pPr/>
-              <a:t>‹Nr.›</a:t>
+              <a:t>‹#›</a:t>
             </a:fld>
             <a:endParaRPr lang="de-CH"/>
           </a:p>
@@ -4532,7 +4561,7 @@
             <a:fld id="{6CB3B594-2801-4864-9089-E42463258A4B}" type="slidenum">
               <a:rPr lang="de-CH" smtClean="0"/>
               <a:pPr/>
-              <a:t>‹Nr.›</a:t>
+              <a:t>‹#›</a:t>
             </a:fld>
             <a:endParaRPr lang="de-CH"/>
           </a:p>
@@ -4856,7 +4885,7 @@
             <a:fld id="{6CB3B594-2801-4864-9089-E42463258A4B}" type="slidenum">
               <a:rPr lang="de-CH" smtClean="0"/>
               <a:pPr/>
-              <a:t>‹Nr.›</a:t>
+              <a:t>‹#›</a:t>
             </a:fld>
             <a:endParaRPr lang="de-CH"/>
           </a:p>
@@ -5474,10 +5503,6 @@
               <a:rPr lang="de-CH" dirty="0" smtClean="0"/>
               <a:t>Zwischenbericht</a:t>
             </a:r>
-            <a:r>
-              <a:rPr lang="de-CH" dirty="0" smtClean="0"/>
-              <a:t/>
-            </a:r>
             <a:br>
               <a:rPr lang="de-CH" dirty="0" smtClean="0"/>
             </a:br>
@@ -5512,20 +5537,11 @@
               <a:rPr lang="de-CH" dirty="0" smtClean="0"/>
               <a:t>, J. Schmid</a:t>
             </a:r>
-            <a:endParaRPr lang="de-CH" dirty="0" smtClean="0"/>
           </a:p>
           <a:p>
             <a:r>
               <a:rPr lang="de-CH" dirty="0" smtClean="0"/>
-              <a:t>Rapperswil</a:t>
-            </a:r>
-            <a:r>
-              <a:rPr lang="de-CH" dirty="0" smtClean="0"/>
-              <a:t>, </a:t>
-            </a:r>
-            <a:r>
-              <a:rPr lang="de-CH" dirty="0" smtClean="0"/>
-              <a:t>4. April 2013</a:t>
+              <a:t>Rapperswil, 4. April 2013</a:t>
             </a:r>
             <a:endParaRPr lang="de-CH" dirty="0"/>
           </a:p>
@@ -6305,18 +6321,12 @@
               </a:rPr>
               <a:t>Pen Tracking</a:t>
             </a:r>
-            <a:endParaRPr lang="de-CH" dirty="0" smtClean="0">
-              <a:solidFill>
-                <a:srgbClr val="C6C7C8"/>
-              </a:solidFill>
-            </a:endParaRPr>
           </a:p>
           <a:p>
             <a:r>
               <a:rPr lang="de-CH" dirty="0" smtClean="0"/>
               <a:t>Kalibrierung</a:t>
             </a:r>
-            <a:endParaRPr lang="de-CH" dirty="0" smtClean="0"/>
           </a:p>
           <a:p>
             <a:r>
@@ -6470,7 +6480,11 @@
           <a:bodyPr/>
           <a:lstStyle/>
           <a:p>
-            <a:endParaRPr lang="de-CH"/>
+            <a:r>
+              <a:rPr lang="de-CH" dirty="0" smtClean="0"/>
+              <a:t>Kalibrierung </a:t>
+            </a:r>
+            <a:endParaRPr lang="de-CH" dirty="0"/>
           </a:p>
         </p:txBody>
       </p:sp>
@@ -6489,7 +6503,74 @@
           <a:bodyPr/>
           <a:lstStyle/>
           <a:p>
-            <a:endParaRPr lang="de-CH"/>
+            <a:r>
+              <a:rPr lang="de-CH" dirty="0" smtClean="0"/>
+              <a:t>Erster Ansatz: Ecken selber detektieren. Akzeptable Ergebnisse, kein Verbesserungspotential</a:t>
+            </a:r>
+          </a:p>
+          <a:p>
+            <a:r>
+              <a:rPr lang="de-CH" dirty="0" err="1" smtClean="0"/>
+              <a:t>Aforge</a:t>
+            </a:r>
+            <a:r>
+              <a:rPr lang="de-CH" dirty="0" smtClean="0"/>
+              <a:t>:</a:t>
+            </a:r>
+          </a:p>
+          <a:p>
+            <a:pPr lvl="1"/>
+            <a:r>
+              <a:rPr lang="de-CH" dirty="0" smtClean="0"/>
+              <a:t>Erkennung funktioniert sehr gut, viele Parameter zum Einstellen.</a:t>
+            </a:r>
+          </a:p>
+          <a:p>
+            <a:pPr lvl="1"/>
+            <a:r>
+              <a:rPr lang="de-CH" dirty="0" smtClean="0"/>
+              <a:t>Differenzbild hatte Probleme mit Belichtungskorrektur, statisches Bild war zu anfällig auf Helligkeitsunterschiede der Wand.</a:t>
+            </a:r>
+          </a:p>
+          <a:p>
+            <a:pPr lvl="1"/>
+            <a:r>
+              <a:rPr lang="de-CH" dirty="0" smtClean="0"/>
+              <a:t>Lösung: Differenzbilder von Mustern mit gleicher Helligkeit.</a:t>
+            </a:r>
+            <a:r>
+              <a:rPr lang="de-CH" dirty="0"/>
+              <a:t> </a:t>
+            </a:r>
+          </a:p>
+          <a:p>
+            <a:r>
+              <a:rPr lang="de-CH" dirty="0"/>
+              <a:t>Performance: Gewisse Probleme, da Bitmaps sehr </a:t>
+            </a:r>
+            <a:r>
+              <a:rPr lang="de-CH" dirty="0" err="1"/>
+              <a:t>inperformant</a:t>
+            </a:r>
+            <a:r>
+              <a:rPr lang="de-CH" dirty="0"/>
+              <a:t> sind</a:t>
+            </a:r>
+            <a:r>
+              <a:rPr lang="de-CH" dirty="0" smtClean="0"/>
+              <a:t>.</a:t>
+            </a:r>
+          </a:p>
+          <a:p>
+            <a:r>
+              <a:rPr lang="de-CH" dirty="0" smtClean="0"/>
+              <a:t>Ausblick: Erkennung weiterer Punkte zur Verbesserung der Erkennung.</a:t>
+            </a:r>
+            <a:endParaRPr lang="de-CH" dirty="0"/>
+          </a:p>
+          <a:p>
+            <a:pPr lvl="1"/>
+            <a:endParaRPr lang="de-CH" dirty="0" smtClean="0"/>
           </a:p>
         </p:txBody>
       </p:sp>
@@ -6605,6 +6686,266 @@
           <a:lstStyle/>
           <a:p>
             <a:r>
+              <a:rPr lang="de-CH" dirty="0" smtClean="0"/>
+              <a:t>Kalibrierung </a:t>
+            </a:r>
+            <a:endParaRPr lang="de-CH" dirty="0"/>
+          </a:p>
+        </p:txBody>
+      </p:sp>
+      <p:pic>
+        <p:nvPicPr>
+          <p:cNvPr id="7" name="Content Placeholder 6"/>
+          <p:cNvPicPr>
+            <a:picLocks noGrp="1" noChangeAspect="1"/>
+          </p:cNvPicPr>
+          <p:nvPr>
+            <p:ph sz="quarter" idx="13"/>
+          </p:nvPr>
+        </p:nvPicPr>
+        <p:blipFill>
+          <a:blip r:embed="rId2">
+            <a:extLst>
+              <a:ext uri="{28A0092B-C50C-407E-A947-70E740481C1C}">
+                <a14:useLocalDpi xmlns:a14="http://schemas.microsoft.com/office/drawing/2010/main" val="0"/>
+              </a:ext>
+            </a:extLst>
+          </a:blip>
+          <a:stretch>
+            <a:fillRect/>
+          </a:stretch>
+        </p:blipFill>
+        <p:spPr>
+          <a:xfrm>
+            <a:off x="2301950" y="3473420"/>
+            <a:ext cx="4530269" cy="3397701"/>
+          </a:xfrm>
+        </p:spPr>
+      </p:pic>
+      <p:sp>
+        <p:nvSpPr>
+          <p:cNvPr id="4" name="Fußzeilenplatzhalter 3"/>
+          <p:cNvSpPr>
+            <a:spLocks noGrp="1"/>
+          </p:cNvSpPr>
+          <p:nvPr>
+            <p:ph type="ftr" sz="quarter" idx="3"/>
+          </p:nvPr>
+        </p:nvSpPr>
+        <p:spPr/>
+        <p:txBody>
+          <a:bodyPr/>
+          <a:lstStyle/>
+          <a:p>
+            <a:r>
+              <a:rPr lang="de-CH" smtClean="0"/>
+              <a:t>Zwischenbericht, BA PresWriter, Rapperswil, 9.4.2013</a:t>
+            </a:r>
+            <a:endParaRPr lang="de-CH" dirty="0"/>
+          </a:p>
+        </p:txBody>
+      </p:sp>
+      <p:sp>
+        <p:nvSpPr>
+          <p:cNvPr id="5" name="Foliennummernplatzhalter 4"/>
+          <p:cNvSpPr>
+            <a:spLocks noGrp="1"/>
+          </p:cNvSpPr>
+          <p:nvPr>
+            <p:ph type="sldNum" sz="quarter" idx="4"/>
+          </p:nvPr>
+        </p:nvSpPr>
+        <p:spPr/>
+        <p:txBody>
+          <a:bodyPr/>
+          <a:lstStyle/>
+          <a:p>
+            <a:fld id="{6CB3B594-2801-4864-9089-E42463258A4B}" type="slidenum">
+              <a:rPr lang="de-CH" smtClean="0"/>
+              <a:pPr/>
+              <a:t>13</a:t>
+            </a:fld>
+            <a:endParaRPr lang="de-CH"/>
+          </a:p>
+        </p:txBody>
+      </p:sp>
+      <p:pic>
+        <p:nvPicPr>
+          <p:cNvPr id="10" name="Picture 9"/>
+          <p:cNvPicPr>
+            <a:picLocks noChangeAspect="1"/>
+          </p:cNvPicPr>
+          <p:nvPr/>
+        </p:nvPicPr>
+        <p:blipFill>
+          <a:blip r:embed="rId3">
+            <a:extLst>
+              <a:ext uri="{28A0092B-C50C-407E-A947-70E740481C1C}">
+                <a14:useLocalDpi xmlns:a14="http://schemas.microsoft.com/office/drawing/2010/main" val="0"/>
+              </a:ext>
+            </a:extLst>
+          </a:blip>
+          <a:stretch>
+            <a:fillRect/>
+          </a:stretch>
+        </p:blipFill>
+        <p:spPr>
+          <a:xfrm>
+            <a:off x="-18869" y="706440"/>
+            <a:ext cx="3727912" cy="2795933"/>
+          </a:xfrm>
+          <a:prstGeom prst="rect">
+            <a:avLst/>
+          </a:prstGeom>
+        </p:spPr>
+      </p:pic>
+      <p:pic>
+        <p:nvPicPr>
+          <p:cNvPr id="11" name="Picture 10"/>
+          <p:cNvPicPr>
+            <a:picLocks noChangeAspect="1"/>
+          </p:cNvPicPr>
+          <p:nvPr/>
+        </p:nvPicPr>
+        <p:blipFill>
+          <a:blip r:embed="rId4">
+            <a:extLst>
+              <a:ext uri="{28A0092B-C50C-407E-A947-70E740481C1C}">
+                <a14:useLocalDpi xmlns:a14="http://schemas.microsoft.com/office/drawing/2010/main" val="0"/>
+              </a:ext>
+            </a:extLst>
+          </a:blip>
+          <a:stretch>
+            <a:fillRect/>
+          </a:stretch>
+        </p:blipFill>
+        <p:spPr>
+          <a:xfrm>
+            <a:off x="5436096" y="706440"/>
+            <a:ext cx="3707904" cy="2780928"/>
+          </a:xfrm>
+          <a:prstGeom prst="rect">
+            <a:avLst/>
+          </a:prstGeom>
+        </p:spPr>
+      </p:pic>
+      <p:sp>
+        <p:nvSpPr>
+          <p:cNvPr id="12" name="Rectangle 11"/>
+          <p:cNvSpPr/>
+          <p:nvPr/>
+        </p:nvSpPr>
+        <p:spPr>
+          <a:xfrm>
+            <a:off x="4364820" y="1844824"/>
+            <a:ext cx="415499" cy="923330"/>
+          </a:xfrm>
+          <a:prstGeom prst="rect">
+            <a:avLst/>
+          </a:prstGeom>
+          <a:noFill/>
+        </p:spPr>
+        <p:txBody>
+          <a:bodyPr wrap="none" lIns="91440" tIns="45720" rIns="91440" bIns="45720">
+            <a:spAutoFit/>
+          </a:bodyPr>
+          <a:lstStyle/>
+          <a:p>
+            <a:pPr algn="ctr"/>
+            <a:r>
+              <a:rPr lang="de-CH" sz="5400" dirty="0">
+                <a:ln w="0"/>
+                <a:effectLst>
+                  <a:outerShdw blurRad="38100" dist="19050" dir="2700000" algn="tl" rotWithShape="0">
+                    <a:schemeClr val="dk1">
+                      <a:alpha val="40000"/>
+                    </a:schemeClr>
+                  </a:outerShdw>
+                </a:effectLst>
+              </a:rPr>
+              <a:t>-</a:t>
+            </a:r>
+            <a:endParaRPr lang="en-US" sz="5400" b="0" cap="none" spc="0" dirty="0">
+              <a:ln w="0"/>
+              <a:solidFill>
+                <a:schemeClr val="tx1"/>
+              </a:solidFill>
+              <a:effectLst>
+                <a:outerShdw blurRad="38100" dist="19050" dir="2700000" algn="tl" rotWithShape="0">
+                  <a:schemeClr val="dk1">
+                    <a:alpha val="40000"/>
+                  </a:schemeClr>
+                </a:outerShdw>
+              </a:effectLst>
+            </a:endParaRPr>
+          </a:p>
+        </p:txBody>
+      </p:sp>
+      <p:sp>
+        <p:nvSpPr>
+          <p:cNvPr id="13" name="Picture Placeholder 12"/>
+          <p:cNvSpPr>
+            <a:spLocks noGrp="1"/>
+          </p:cNvSpPr>
+          <p:nvPr>
+            <p:ph type="pic" sz="quarter" idx="14"/>
+          </p:nvPr>
+        </p:nvSpPr>
+        <p:spPr/>
+      </p:sp>
+    </p:spTree>
+    <p:extLst>
+      <p:ext uri="{BB962C8B-B14F-4D97-AF65-F5344CB8AC3E}">
+        <p14:creationId xmlns:p14="http://schemas.microsoft.com/office/powerpoint/2010/main" val="615697625"/>
+      </p:ext>
+    </p:extLst>
+  </p:cSld>
+  <p:clrMapOvr>
+    <a:masterClrMapping/>
+  </p:clrMapOvr>
+  <p:timing>
+    <p:tnLst>
+      <p:par>
+        <p:cTn id="1" dur="indefinite" restart="never" nodeType="tmRoot"/>
+      </p:par>
+    </p:tnLst>
+  </p:timing>
+</p:sld>
+</file>
+
+<file path=ppt/slides/slide14.xml><?xml version="1.0" encoding="utf-8"?>
+<p:sld xmlns:a="http://schemas.openxmlformats.org/drawingml/2006/main" xmlns:r="http://schemas.openxmlformats.org/officeDocument/2006/relationships" xmlns:p="http://schemas.openxmlformats.org/presentationml/2006/main">
+  <p:cSld>
+    <p:spTree>
+      <p:nvGrpSpPr>
+        <p:cNvPr id="1" name=""/>
+        <p:cNvGrpSpPr/>
+        <p:nvPr/>
+      </p:nvGrpSpPr>
+      <p:grpSpPr>
+        <a:xfrm>
+          <a:off x="0" y="0"/>
+          <a:ext cx="0" cy="0"/>
+          <a:chOff x="0" y="0"/>
+          <a:chExt cx="0" cy="0"/>
+        </a:xfrm>
+      </p:grpSpPr>
+      <p:sp>
+        <p:nvSpPr>
+          <p:cNvPr id="2" name="Titel 1"/>
+          <p:cNvSpPr>
+            <a:spLocks noGrp="1"/>
+          </p:cNvSpPr>
+          <p:nvPr>
+            <p:ph type="title"/>
+          </p:nvPr>
+        </p:nvSpPr>
+        <p:spPr/>
+        <p:txBody>
+          <a:bodyPr/>
+          <a:lstStyle/>
+          <a:p>
+            <a:r>
               <a:rPr lang="de-CH" smtClean="0"/>
               <a:t>Inhaltsverzeichnis</a:t>
             </a:r>
@@ -6635,11 +6976,6 @@
               </a:rPr>
               <a:t>Pen Tracking</a:t>
             </a:r>
-            <a:endParaRPr lang="de-CH" dirty="0" smtClean="0">
-              <a:solidFill>
-                <a:srgbClr val="C6C7C8"/>
-              </a:solidFill>
-            </a:endParaRPr>
           </a:p>
           <a:p>
             <a:r>
@@ -6729,7 +7065,7 @@
             <a:fld id="{6CB3B594-2801-4864-9089-E42463258A4B}" type="slidenum">
               <a:rPr lang="de-CH" smtClean="0"/>
               <a:pPr/>
-              <a:t>13</a:t>
+              <a:t>14</a:t>
             </a:fld>
             <a:endParaRPr lang="de-CH"/>
           </a:p>
@@ -6767,7 +7103,7 @@
 </p:sld>
 </file>
 
-<file path=ppt/slides/slide14.xml><?xml version="1.0" encoding="utf-8"?>
+<file path=ppt/slides/slide15.xml><?xml version="1.0" encoding="utf-8"?>
 <p:sld xmlns:a="http://schemas.openxmlformats.org/drawingml/2006/main" xmlns:r="http://schemas.openxmlformats.org/officeDocument/2006/relationships" xmlns:p="http://schemas.openxmlformats.org/presentationml/2006/main">
   <p:cSld>
     <p:spTree>
@@ -6878,7 +7214,7 @@
             <a:fld id="{6CB3B594-2801-4864-9089-E42463258A4B}" type="slidenum">
               <a:rPr lang="de-CH" smtClean="0"/>
               <a:pPr/>
-              <a:t>14</a:t>
+              <a:t>15</a:t>
             </a:fld>
             <a:endParaRPr lang="de-CH"/>
           </a:p>
@@ -6888,203 +7224,6 @@
     <p:extLst>
       <p:ext uri="{BB962C8B-B14F-4D97-AF65-F5344CB8AC3E}">
         <p14:creationId xmlns:p14="http://schemas.microsoft.com/office/powerpoint/2010/main" val="482159279"/>
-      </p:ext>
-    </p:extLst>
-  </p:cSld>
-  <p:clrMapOvr>
-    <a:masterClrMapping/>
-  </p:clrMapOvr>
-  <p:timing>
-    <p:tnLst>
-      <p:par>
-        <p:cTn id="1" dur="indefinite" restart="never" nodeType="tmRoot"/>
-      </p:par>
-    </p:tnLst>
-  </p:timing>
-</p:sld>
-</file>
-
-<file path=ppt/slides/slide15.xml><?xml version="1.0" encoding="utf-8"?>
-<p:sld xmlns:a="http://schemas.openxmlformats.org/drawingml/2006/main" xmlns:r="http://schemas.openxmlformats.org/officeDocument/2006/relationships" xmlns:p="http://schemas.openxmlformats.org/presentationml/2006/main">
-  <p:cSld>
-    <p:spTree>
-      <p:nvGrpSpPr>
-        <p:cNvPr id="1" name=""/>
-        <p:cNvGrpSpPr/>
-        <p:nvPr/>
-      </p:nvGrpSpPr>
-      <p:grpSpPr>
-        <a:xfrm>
-          <a:off x="0" y="0"/>
-          <a:ext cx="0" cy="0"/>
-          <a:chOff x="0" y="0"/>
-          <a:chExt cx="0" cy="0"/>
-        </a:xfrm>
-      </p:grpSpPr>
-      <p:sp>
-        <p:nvSpPr>
-          <p:cNvPr id="2" name="Titel 1"/>
-          <p:cNvSpPr>
-            <a:spLocks noGrp="1"/>
-          </p:cNvSpPr>
-          <p:nvPr>
-            <p:ph type="title"/>
-          </p:nvPr>
-        </p:nvSpPr>
-        <p:spPr/>
-        <p:txBody>
-          <a:bodyPr/>
-          <a:lstStyle/>
-          <a:p>
-            <a:r>
-              <a:rPr lang="de-CH" smtClean="0"/>
-              <a:t>Inhaltsverzeichnis</a:t>
-            </a:r>
-            <a:endParaRPr lang="de-CH" dirty="0"/>
-          </a:p>
-        </p:txBody>
-      </p:sp>
-      <p:sp>
-        <p:nvSpPr>
-          <p:cNvPr id="3" name="Inhaltsplatzhalter 2"/>
-          <p:cNvSpPr>
-            <a:spLocks noGrp="1"/>
-          </p:cNvSpPr>
-          <p:nvPr>
-            <p:ph sz="quarter" idx="13"/>
-          </p:nvPr>
-        </p:nvSpPr>
-        <p:spPr/>
-        <p:txBody>
-          <a:bodyPr/>
-          <a:lstStyle/>
-          <a:p>
-            <a:r>
-              <a:rPr lang="de-CH" dirty="0" smtClean="0">
-                <a:solidFill>
-                  <a:srgbClr val="C6C7C8"/>
-                </a:solidFill>
-              </a:rPr>
-              <a:t>Pen Tracking</a:t>
-            </a:r>
-            <a:endParaRPr lang="de-CH" dirty="0" smtClean="0">
-              <a:solidFill>
-                <a:srgbClr val="C6C7C8"/>
-              </a:solidFill>
-            </a:endParaRPr>
-          </a:p>
-          <a:p>
-            <a:r>
-              <a:rPr lang="de-CH" dirty="0" smtClean="0">
-                <a:solidFill>
-                  <a:srgbClr val="C6C7C8"/>
-                </a:solidFill>
-              </a:rPr>
-              <a:t>Kalibrierung</a:t>
-            </a:r>
-          </a:p>
-          <a:p>
-            <a:r>
-              <a:rPr lang="de-CH" dirty="0" smtClean="0">
-                <a:solidFill>
-                  <a:srgbClr val="C6C7C8"/>
-                </a:solidFill>
-              </a:rPr>
-              <a:t>Architektur</a:t>
-            </a:r>
-          </a:p>
-          <a:p>
-            <a:r>
-              <a:rPr lang="de-CH" dirty="0" smtClean="0"/>
-              <a:t>Ausblick</a:t>
-            </a:r>
-            <a:endParaRPr lang="de-CH" dirty="0">
-              <a:solidFill>
-                <a:srgbClr val="C6C7C8"/>
-              </a:solidFill>
-            </a:endParaRPr>
-          </a:p>
-          <a:p>
-            <a:endParaRPr lang="de-CH" dirty="0">
-              <a:solidFill>
-                <a:srgbClr val="C6C7C8"/>
-              </a:solidFill>
-            </a:endParaRPr>
-          </a:p>
-          <a:p>
-            <a:endParaRPr lang="de-CH" dirty="0" smtClean="0"/>
-          </a:p>
-          <a:p>
-            <a:endParaRPr lang="de-CH" dirty="0" smtClean="0"/>
-          </a:p>
-          <a:p>
-            <a:endParaRPr lang="de-CH" dirty="0"/>
-          </a:p>
-        </p:txBody>
-      </p:sp>
-      <p:sp>
-        <p:nvSpPr>
-          <p:cNvPr id="4" name="Fußzeilenplatzhalter 3"/>
-          <p:cNvSpPr>
-            <a:spLocks noGrp="1"/>
-          </p:cNvSpPr>
-          <p:nvPr>
-            <p:ph type="ftr" sz="quarter" idx="3"/>
-          </p:nvPr>
-        </p:nvSpPr>
-        <p:spPr/>
-        <p:txBody>
-          <a:bodyPr/>
-          <a:lstStyle/>
-          <a:p>
-            <a:r>
-              <a:rPr lang="de-CH" smtClean="0"/>
-              <a:t>Zwischenbericht, BA PresWriter, Rapperswil, 9.4.2013</a:t>
-            </a:r>
-            <a:endParaRPr lang="de-CH" dirty="0"/>
-          </a:p>
-        </p:txBody>
-      </p:sp>
-      <p:sp>
-        <p:nvSpPr>
-          <p:cNvPr id="5" name="Foliennummernplatzhalter 4"/>
-          <p:cNvSpPr>
-            <a:spLocks noGrp="1"/>
-          </p:cNvSpPr>
-          <p:nvPr>
-            <p:ph type="sldNum" sz="quarter" idx="4"/>
-          </p:nvPr>
-        </p:nvSpPr>
-        <p:spPr/>
-        <p:txBody>
-          <a:bodyPr/>
-          <a:lstStyle/>
-          <a:p>
-            <a:fld id="{6CB3B594-2801-4864-9089-E42463258A4B}" type="slidenum">
-              <a:rPr lang="de-CH" smtClean="0"/>
-              <a:pPr/>
-              <a:t>15</a:t>
-            </a:fld>
-            <a:endParaRPr lang="de-CH"/>
-          </a:p>
-        </p:txBody>
-      </p:sp>
-      <p:sp>
-        <p:nvSpPr>
-          <p:cNvPr id="10" name="Bildplatzhalter 9"/>
-          <p:cNvSpPr>
-            <a:spLocks noGrp="1"/>
-          </p:cNvSpPr>
-          <p:nvPr>
-            <p:ph type="pic" sz="quarter" idx="14"/>
-          </p:nvPr>
-        </p:nvSpPr>
-        <p:spPr/>
-      </p:sp>
-    </p:spTree>
-    <p:extLst>
-      <p:ext uri="{BB962C8B-B14F-4D97-AF65-F5344CB8AC3E}">
-        <p14:creationId xmlns:p14="http://schemas.microsoft.com/office/powerpoint/2010/main" val="1361955012"/>
       </p:ext>
     </p:extLst>
   </p:cSld>
@@ -7134,63 +7273,82 @@
           <a:lstStyle/>
           <a:p>
             <a:r>
+              <a:rPr lang="de-CH" smtClean="0"/>
+              <a:t>Inhaltsverzeichnis</a:t>
+            </a:r>
+            <a:endParaRPr lang="de-CH" dirty="0"/>
+          </a:p>
+        </p:txBody>
+      </p:sp>
+      <p:sp>
+        <p:nvSpPr>
+          <p:cNvPr id="3" name="Inhaltsplatzhalter 2"/>
+          <p:cNvSpPr>
+            <a:spLocks noGrp="1"/>
+          </p:cNvSpPr>
+          <p:nvPr>
+            <p:ph sz="quarter" idx="13"/>
+          </p:nvPr>
+        </p:nvSpPr>
+        <p:spPr/>
+        <p:txBody>
+          <a:bodyPr/>
+          <a:lstStyle/>
+          <a:p>
+            <a:r>
+              <a:rPr lang="de-CH" dirty="0" smtClean="0">
+                <a:solidFill>
+                  <a:srgbClr val="C6C7C8"/>
+                </a:solidFill>
+              </a:rPr>
+              <a:t>Pen Tracking</a:t>
+            </a:r>
+          </a:p>
+          <a:p>
+            <a:r>
+              <a:rPr lang="de-CH" dirty="0" smtClean="0">
+                <a:solidFill>
+                  <a:srgbClr val="C6C7C8"/>
+                </a:solidFill>
+              </a:rPr>
+              <a:t>Kalibrierung</a:t>
+            </a:r>
+          </a:p>
+          <a:p>
+            <a:r>
+              <a:rPr lang="de-CH" dirty="0" smtClean="0">
+                <a:solidFill>
+                  <a:srgbClr val="C6C7C8"/>
+                </a:solidFill>
+              </a:rPr>
+              <a:t>Architektur</a:t>
+            </a:r>
+          </a:p>
+          <a:p>
+            <a:r>
               <a:rPr lang="de-CH" dirty="0" smtClean="0"/>
               <a:t>Ausblick</a:t>
             </a:r>
-            <a:endParaRPr lang="de-CH" dirty="0"/>
-          </a:p>
-        </p:txBody>
-      </p:sp>
-      <p:sp>
-        <p:nvSpPr>
-          <p:cNvPr id="3" name="Inhaltsplatzhalter 2"/>
-          <p:cNvSpPr>
-            <a:spLocks noGrp="1"/>
-          </p:cNvSpPr>
-          <p:nvPr>
-            <p:ph sz="quarter" idx="13"/>
-          </p:nvPr>
-        </p:nvSpPr>
-        <p:spPr/>
-        <p:txBody>
-          <a:bodyPr/>
-          <a:lstStyle/>
-          <a:p>
-            <a:r>
-              <a:rPr lang="de-CH" dirty="0" smtClean="0"/>
-              <a:t>Erkennen einer Hand</a:t>
-            </a:r>
-          </a:p>
-          <a:p>
-            <a:pPr lvl="1"/>
-            <a:r>
-              <a:rPr lang="de-CH" dirty="0" smtClean="0"/>
-              <a:t>Mittels </a:t>
-            </a:r>
-            <a:r>
-              <a:rPr lang="de-CH" dirty="0" err="1" smtClean="0"/>
-              <a:t>Korrellationskoeffizienten</a:t>
-            </a:r>
+            <a:endParaRPr lang="de-CH" dirty="0">
+              <a:solidFill>
+                <a:srgbClr val="C6C7C8"/>
+              </a:solidFill>
+            </a:endParaRPr>
+          </a:p>
+          <a:p>
+            <a:endParaRPr lang="de-CH" dirty="0">
+              <a:solidFill>
+                <a:srgbClr val="C6C7C8"/>
+              </a:solidFill>
+            </a:endParaRPr>
+          </a:p>
+          <a:p>
             <a:endParaRPr lang="de-CH" dirty="0" smtClean="0"/>
           </a:p>
           <a:p>
-            <a:pPr lvl="1"/>
-            <a:r>
-              <a:rPr lang="de-CH" dirty="0" err="1" smtClean="0"/>
-              <a:t>AForge</a:t>
-            </a:r>
-            <a:r>
-              <a:rPr lang="de-CH" dirty="0" smtClean="0"/>
-              <a:t> oder doch </a:t>
-            </a:r>
-            <a:r>
-              <a:rPr lang="de-CH" dirty="0" err="1" smtClean="0"/>
-              <a:t>OpenCV</a:t>
-            </a:r>
-            <a:r>
-              <a:rPr lang="de-CH" dirty="0" smtClean="0"/>
-              <a:t>?</a:t>
-            </a:r>
+            <a:endParaRPr lang="de-CH" dirty="0" smtClean="0"/>
+          </a:p>
+          <a:p>
             <a:endParaRPr lang="de-CH" dirty="0"/>
           </a:p>
         </p:txBody>
@@ -7237,6 +7395,179 @@
               <a:rPr lang="de-CH" smtClean="0"/>
               <a:pPr/>
               <a:t>16</a:t>
+            </a:fld>
+            <a:endParaRPr lang="de-CH"/>
+          </a:p>
+        </p:txBody>
+      </p:sp>
+      <p:sp>
+        <p:nvSpPr>
+          <p:cNvPr id="10" name="Bildplatzhalter 9"/>
+          <p:cNvSpPr>
+            <a:spLocks noGrp="1"/>
+          </p:cNvSpPr>
+          <p:nvPr>
+            <p:ph type="pic" sz="quarter" idx="14"/>
+          </p:nvPr>
+        </p:nvSpPr>
+        <p:spPr/>
+      </p:sp>
+    </p:spTree>
+    <p:extLst>
+      <p:ext uri="{BB962C8B-B14F-4D97-AF65-F5344CB8AC3E}">
+        <p14:creationId xmlns:p14="http://schemas.microsoft.com/office/powerpoint/2010/main" val="1361955012"/>
+      </p:ext>
+    </p:extLst>
+  </p:cSld>
+  <p:clrMapOvr>
+    <a:masterClrMapping/>
+  </p:clrMapOvr>
+  <p:timing>
+    <p:tnLst>
+      <p:par>
+        <p:cTn id="1" dur="indefinite" restart="never" nodeType="tmRoot"/>
+      </p:par>
+    </p:tnLst>
+  </p:timing>
+</p:sld>
+</file>
+
+<file path=ppt/slides/slide17.xml><?xml version="1.0" encoding="utf-8"?>
+<p:sld xmlns:a="http://schemas.openxmlformats.org/drawingml/2006/main" xmlns:r="http://schemas.openxmlformats.org/officeDocument/2006/relationships" xmlns:p="http://schemas.openxmlformats.org/presentationml/2006/main">
+  <p:cSld>
+    <p:spTree>
+      <p:nvGrpSpPr>
+        <p:cNvPr id="1" name=""/>
+        <p:cNvGrpSpPr/>
+        <p:nvPr/>
+      </p:nvGrpSpPr>
+      <p:grpSpPr>
+        <a:xfrm>
+          <a:off x="0" y="0"/>
+          <a:ext cx="0" cy="0"/>
+          <a:chOff x="0" y="0"/>
+          <a:chExt cx="0" cy="0"/>
+        </a:xfrm>
+      </p:grpSpPr>
+      <p:sp>
+        <p:nvSpPr>
+          <p:cNvPr id="2" name="Titel 1"/>
+          <p:cNvSpPr>
+            <a:spLocks noGrp="1"/>
+          </p:cNvSpPr>
+          <p:nvPr>
+            <p:ph type="title"/>
+          </p:nvPr>
+        </p:nvSpPr>
+        <p:spPr/>
+        <p:txBody>
+          <a:bodyPr/>
+          <a:lstStyle/>
+          <a:p>
+            <a:r>
+              <a:rPr lang="de-CH" dirty="0" smtClean="0"/>
+              <a:t>Ausblick</a:t>
+            </a:r>
+            <a:endParaRPr lang="de-CH" dirty="0"/>
+          </a:p>
+        </p:txBody>
+      </p:sp>
+      <p:sp>
+        <p:nvSpPr>
+          <p:cNvPr id="3" name="Inhaltsplatzhalter 2"/>
+          <p:cNvSpPr>
+            <a:spLocks noGrp="1"/>
+          </p:cNvSpPr>
+          <p:nvPr>
+            <p:ph sz="quarter" idx="13"/>
+          </p:nvPr>
+        </p:nvSpPr>
+        <p:spPr/>
+        <p:txBody>
+          <a:bodyPr/>
+          <a:lstStyle/>
+          <a:p>
+            <a:r>
+              <a:rPr lang="de-CH" dirty="0" smtClean="0"/>
+              <a:t>Erkennen einer Hand</a:t>
+            </a:r>
+          </a:p>
+          <a:p>
+            <a:pPr lvl="1"/>
+            <a:r>
+              <a:rPr lang="de-CH" dirty="0" smtClean="0"/>
+              <a:t>Mittels </a:t>
+            </a:r>
+            <a:r>
+              <a:rPr lang="de-CH" dirty="0" err="1" smtClean="0"/>
+              <a:t>Korrellationskoeffizienten</a:t>
+            </a:r>
+            <a:endParaRPr lang="de-CH" dirty="0" smtClean="0"/>
+          </a:p>
+          <a:p>
+            <a:pPr lvl="1"/>
+            <a:r>
+              <a:rPr lang="de-CH" dirty="0" err="1" smtClean="0"/>
+              <a:t>AForge</a:t>
+            </a:r>
+            <a:r>
+              <a:rPr lang="de-CH" dirty="0" smtClean="0"/>
+              <a:t> oder doch </a:t>
+            </a:r>
+            <a:r>
+              <a:rPr lang="de-CH" dirty="0" err="1" smtClean="0"/>
+              <a:t>OpenCV</a:t>
+            </a:r>
+            <a:r>
+              <a:rPr lang="de-CH" dirty="0" smtClean="0"/>
+              <a:t>?</a:t>
+            </a:r>
+            <a:endParaRPr lang="de-CH" dirty="0"/>
+          </a:p>
+        </p:txBody>
+      </p:sp>
+      <p:sp>
+        <p:nvSpPr>
+          <p:cNvPr id="4" name="Fußzeilenplatzhalter 3"/>
+          <p:cNvSpPr>
+            <a:spLocks noGrp="1"/>
+          </p:cNvSpPr>
+          <p:nvPr>
+            <p:ph type="ftr" sz="quarter" idx="3"/>
+          </p:nvPr>
+        </p:nvSpPr>
+        <p:spPr/>
+        <p:txBody>
+          <a:bodyPr/>
+          <a:lstStyle/>
+          <a:p>
+            <a:r>
+              <a:rPr lang="de-CH" smtClean="0"/>
+              <a:t>Zwischenbericht, BA PresWriter, Rapperswil, 9.4.2013</a:t>
+            </a:r>
+            <a:endParaRPr lang="de-CH" dirty="0"/>
+          </a:p>
+        </p:txBody>
+      </p:sp>
+      <p:sp>
+        <p:nvSpPr>
+          <p:cNvPr id="5" name="Foliennummernplatzhalter 4"/>
+          <p:cNvSpPr>
+            <a:spLocks noGrp="1"/>
+          </p:cNvSpPr>
+          <p:nvPr>
+            <p:ph type="sldNum" sz="quarter" idx="4"/>
+          </p:nvPr>
+        </p:nvSpPr>
+        <p:spPr/>
+        <p:txBody>
+          <a:bodyPr/>
+          <a:lstStyle/>
+          <a:p>
+            <a:fld id="{6CB3B594-2801-4864-9089-E42463258A4B}" type="slidenum">
+              <a:rPr lang="de-CH" smtClean="0"/>
+              <a:pPr/>
+              <a:t>17</a:t>
             </a:fld>
             <a:endParaRPr lang="de-CH"/>
           </a:p>
@@ -7274,7 +7605,7 @@
 </p:sld>
 </file>
 
-<file path=ppt/slides/slide17.xml><?xml version="1.0" encoding="utf-8"?>
+<file path=ppt/slides/slide18.xml><?xml version="1.0" encoding="utf-8"?>
 <p:sld xmlns:a="http://schemas.openxmlformats.org/drawingml/2006/main" xmlns:r="http://schemas.openxmlformats.org/officeDocument/2006/relationships" xmlns:p="http://schemas.openxmlformats.org/presentationml/2006/main">
   <p:cSld>
     <p:spTree>
@@ -7558,7 +7889,7 @@
             <a:fld id="{6CB3B594-2801-4864-9089-E42463258A4B}" type="slidenum">
               <a:rPr lang="de-CH" smtClean="0"/>
               <a:pPr/>
-              <a:t>17</a:t>
+              <a:t>18</a:t>
             </a:fld>
             <a:endParaRPr lang="de-CH"/>
           </a:p>
@@ -7580,149 +7911,6 @@
     <p:extLst>
       <p:ext uri="{BB962C8B-B14F-4D97-AF65-F5344CB8AC3E}">
         <p14:creationId xmlns:p14="http://schemas.microsoft.com/office/powerpoint/2010/main" val="2281220421"/>
-      </p:ext>
-    </p:extLst>
-  </p:cSld>
-  <p:clrMapOvr>
-    <a:masterClrMapping/>
-  </p:clrMapOvr>
-  <p:timing>
-    <p:tnLst>
-      <p:par>
-        <p:cTn id="1" dur="indefinite" restart="never" nodeType="tmRoot"/>
-      </p:par>
-    </p:tnLst>
-  </p:timing>
-</p:sld>
-</file>
-
-<file path=ppt/slides/slide18.xml><?xml version="1.0" encoding="utf-8"?>
-<p:sld xmlns:a="http://schemas.openxmlformats.org/drawingml/2006/main" xmlns:r="http://schemas.openxmlformats.org/officeDocument/2006/relationships" xmlns:p="http://schemas.openxmlformats.org/presentationml/2006/main">
-  <p:cSld>
-    <p:spTree>
-      <p:nvGrpSpPr>
-        <p:cNvPr id="1" name=""/>
-        <p:cNvGrpSpPr/>
-        <p:nvPr/>
-      </p:nvGrpSpPr>
-      <p:grpSpPr>
-        <a:xfrm>
-          <a:off x="0" y="0"/>
-          <a:ext cx="0" cy="0"/>
-          <a:chOff x="0" y="0"/>
-          <a:chExt cx="0" cy="0"/>
-        </a:xfrm>
-      </p:grpSpPr>
-      <p:sp>
-        <p:nvSpPr>
-          <p:cNvPr id="2" name="Titel 1"/>
-          <p:cNvSpPr>
-            <a:spLocks noGrp="1"/>
-          </p:cNvSpPr>
-          <p:nvPr>
-            <p:ph type="title"/>
-          </p:nvPr>
-        </p:nvSpPr>
-        <p:spPr/>
-        <p:txBody>
-          <a:bodyPr/>
-          <a:lstStyle/>
-          <a:p>
-            <a:r>
-              <a:rPr lang="de-CH" smtClean="0"/>
-              <a:t>Beispiel Säulendiagramm</a:t>
-            </a:r>
-            <a:endParaRPr lang="de-CH" dirty="0"/>
-          </a:p>
-        </p:txBody>
-      </p:sp>
-      <p:sp>
-        <p:nvSpPr>
-          <p:cNvPr id="3" name="Fußzeilenplatzhalter 2"/>
-          <p:cNvSpPr>
-            <a:spLocks noGrp="1"/>
-          </p:cNvSpPr>
-          <p:nvPr>
-            <p:ph type="ftr" sz="quarter" idx="3"/>
-          </p:nvPr>
-        </p:nvSpPr>
-        <p:spPr/>
-        <p:txBody>
-          <a:bodyPr/>
-          <a:lstStyle/>
-          <a:p>
-            <a:r>
-              <a:rPr lang="de-CH" smtClean="0"/>
-              <a:t>Zwischenbericht, BA PresWriter, Rapperswil, 9.4.2013</a:t>
-            </a:r>
-            <a:endParaRPr lang="de-CH" dirty="0"/>
-          </a:p>
-        </p:txBody>
-      </p:sp>
-      <p:sp>
-        <p:nvSpPr>
-          <p:cNvPr id="4" name="Foliennummernplatzhalter 3"/>
-          <p:cNvSpPr>
-            <a:spLocks noGrp="1"/>
-          </p:cNvSpPr>
-          <p:nvPr>
-            <p:ph type="sldNum" sz="quarter" idx="4"/>
-          </p:nvPr>
-        </p:nvSpPr>
-        <p:spPr/>
-        <p:txBody>
-          <a:bodyPr/>
-          <a:lstStyle/>
-          <a:p>
-            <a:fld id="{6CB3B594-2801-4864-9089-E42463258A4B}" type="slidenum">
-              <a:rPr lang="de-CH" smtClean="0"/>
-              <a:pPr/>
-              <a:t>18</a:t>
-            </a:fld>
-            <a:endParaRPr lang="de-CH"/>
-          </a:p>
-        </p:txBody>
-      </p:sp>
-      <p:sp>
-        <p:nvSpPr>
-          <p:cNvPr id="9" name="Bildplatzhalter 8"/>
-          <p:cNvSpPr>
-            <a:spLocks noGrp="1"/>
-          </p:cNvSpPr>
-          <p:nvPr>
-            <p:ph type="pic" sz="quarter" idx="14"/>
-          </p:nvPr>
-        </p:nvSpPr>
-        <p:spPr/>
-      </p:sp>
-      <p:graphicFrame>
-        <p:nvGraphicFramePr>
-          <p:cNvPr id="5" name="Inhaltsplatzhalter 5"/>
-          <p:cNvGraphicFramePr>
-            <a:graphicFrameLocks/>
-          </p:cNvGraphicFramePr>
-          <p:nvPr>
-            <p:extLst>
-              <p:ext uri="{D42A27DB-BD31-4B8C-83A1-F6EECF244321}">
-                <p14:modId xmlns:p14="http://schemas.microsoft.com/office/powerpoint/2010/main" val="1014412296"/>
-              </p:ext>
-            </p:extLst>
-          </p:nvPr>
-        </p:nvGraphicFramePr>
-        <p:xfrm>
-          <a:off x="756000" y="1167185"/>
-          <a:ext cx="7920000" cy="4600575"/>
-        </p:xfrm>
-        <a:graphic>
-          <a:graphicData uri="http://schemas.openxmlformats.org/drawingml/2006/chart">
-            <c:chart xmlns:c="http://schemas.openxmlformats.org/drawingml/2006/chart" xmlns:r="http://schemas.openxmlformats.org/officeDocument/2006/relationships" r:id="rId2"/>
-          </a:graphicData>
-        </a:graphic>
-      </p:graphicFrame>
-    </p:spTree>
-    <p:extLst>
-      <p:ext uri="{BB962C8B-B14F-4D97-AF65-F5344CB8AC3E}">
-        <p14:creationId xmlns:p14="http://schemas.microsoft.com/office/powerpoint/2010/main" val="109960708"/>
       </p:ext>
     </p:extLst>
   </p:cSld>
@@ -7773,7 +7961,7 @@
           <a:p>
             <a:r>
               <a:rPr lang="de-CH" smtClean="0"/>
-              <a:t>Beispiel Kreisdiagramm</a:t>
+              <a:t>Beispiel Säulendiagramm</a:t>
             </a:r>
             <a:endParaRPr lang="de-CH" dirty="0"/>
           </a:p>
@@ -7847,14 +8035,14 @@
           <p:nvPr>
             <p:extLst>
               <p:ext uri="{D42A27DB-BD31-4B8C-83A1-F6EECF244321}">
-                <p14:modId xmlns:p14="http://schemas.microsoft.com/office/powerpoint/2010/main" val="2275138260"/>
+                <p14:modId xmlns:p14="http://schemas.microsoft.com/office/powerpoint/2010/main" val="1014412296"/>
               </p:ext>
             </p:extLst>
           </p:nvPr>
         </p:nvGraphicFramePr>
         <p:xfrm>
-          <a:off x="468313" y="1123200"/>
-          <a:ext cx="8207375" cy="4824412"/>
+          <a:off x="756000" y="1167185"/>
+          <a:ext cx="7920000" cy="4600575"/>
         </p:xfrm>
         <a:graphic>
           <a:graphicData uri="http://schemas.openxmlformats.org/drawingml/2006/chart">
@@ -7865,7 +8053,7 @@
     </p:spTree>
     <p:extLst>
       <p:ext uri="{BB962C8B-B14F-4D97-AF65-F5344CB8AC3E}">
-        <p14:creationId xmlns:p14="http://schemas.microsoft.com/office/powerpoint/2010/main" val="4122765240"/>
+        <p14:creationId xmlns:p14="http://schemas.microsoft.com/office/powerpoint/2010/main" val="109960708"/>
       </p:ext>
     </p:extLst>
   </p:cSld>
@@ -7941,7 +8129,6 @@
               <a:rPr lang="de-CH" dirty="0" smtClean="0"/>
               <a:t>Pen Tracking</a:t>
             </a:r>
-            <a:endParaRPr lang="de-CH" dirty="0" smtClean="0"/>
           </a:p>
           <a:p>
             <a:r>
@@ -8097,7 +8284,7 @@
           <a:p>
             <a:r>
               <a:rPr lang="de-CH" smtClean="0"/>
-              <a:t>Beispiel Säulendiagramm mit anderen Farben</a:t>
+              <a:t>Beispiel Kreisdiagramm</a:t>
             </a:r>
             <a:endParaRPr lang="de-CH" dirty="0"/>
           </a:p>
@@ -8171,25 +8358,25 @@
           <p:nvPr>
             <p:extLst>
               <p:ext uri="{D42A27DB-BD31-4B8C-83A1-F6EECF244321}">
-                <p14:modId xmlns:p14="http://schemas.microsoft.com/office/powerpoint/2010/main" val="2163125786"/>
+                <p14:modId xmlns:p14="http://schemas.microsoft.com/office/powerpoint/2010/main" val="2275138260"/>
               </p:ext>
             </p:extLst>
           </p:nvPr>
         </p:nvGraphicFramePr>
         <p:xfrm>
-          <a:off x="756000" y="1166400"/>
-          <a:ext cx="7920000" cy="4608000"/>
+          <a:off x="468313" y="1123200"/>
+          <a:ext cx="8207375" cy="4824412"/>
         </p:xfrm>
         <a:graphic>
           <a:graphicData uri="http://schemas.openxmlformats.org/drawingml/2006/chart">
-            <c:chart xmlns:c="http://schemas.openxmlformats.org/drawingml/2006/chart" xmlns:r="http://schemas.openxmlformats.org/officeDocument/2006/relationships" r:id="rId3"/>
+            <c:chart xmlns:c="http://schemas.openxmlformats.org/drawingml/2006/chart" xmlns:r="http://schemas.openxmlformats.org/officeDocument/2006/relationships" r:id="rId2"/>
           </a:graphicData>
         </a:graphic>
       </p:graphicFrame>
     </p:spTree>
     <p:extLst>
       <p:ext uri="{BB962C8B-B14F-4D97-AF65-F5344CB8AC3E}">
-        <p14:creationId xmlns:p14="http://schemas.microsoft.com/office/powerpoint/2010/main" val="2452232191"/>
+        <p14:creationId xmlns:p14="http://schemas.microsoft.com/office/powerpoint/2010/main" val="4122765240"/>
       </p:ext>
     </p:extLst>
   </p:cSld>
@@ -8240,7 +8427,7 @@
           <a:p>
             <a:r>
               <a:rPr lang="de-CH" smtClean="0"/>
-              <a:t>Beispiel Kreisdiagramm mit anderen Farben</a:t>
+              <a:t>Beispiel Säulendiagramm mit anderen Farben</a:t>
             </a:r>
             <a:endParaRPr lang="de-CH" dirty="0"/>
           </a:p>
@@ -8314,25 +8501,25 @@
           <p:nvPr>
             <p:extLst>
               <p:ext uri="{D42A27DB-BD31-4B8C-83A1-F6EECF244321}">
-                <p14:modId xmlns:p14="http://schemas.microsoft.com/office/powerpoint/2010/main" val="2982491978"/>
+                <p14:modId xmlns:p14="http://schemas.microsoft.com/office/powerpoint/2010/main" val="2163125786"/>
               </p:ext>
             </p:extLst>
           </p:nvPr>
         </p:nvGraphicFramePr>
         <p:xfrm>
-          <a:off x="468313" y="1124744"/>
-          <a:ext cx="8207375" cy="4824412"/>
+          <a:off x="756000" y="1166400"/>
+          <a:ext cx="7920000" cy="4608000"/>
         </p:xfrm>
         <a:graphic>
           <a:graphicData uri="http://schemas.openxmlformats.org/drawingml/2006/chart">
-            <c:chart xmlns:c="http://schemas.openxmlformats.org/drawingml/2006/chart" xmlns:r="http://schemas.openxmlformats.org/officeDocument/2006/relationships" r:id="rId2"/>
+            <c:chart xmlns:c="http://schemas.openxmlformats.org/drawingml/2006/chart" xmlns:r="http://schemas.openxmlformats.org/officeDocument/2006/relationships" r:id="rId3"/>
           </a:graphicData>
         </a:graphic>
       </p:graphicFrame>
     </p:spTree>
     <p:extLst>
       <p:ext uri="{BB962C8B-B14F-4D97-AF65-F5344CB8AC3E}">
-        <p14:creationId xmlns:p14="http://schemas.microsoft.com/office/powerpoint/2010/main" val="1043672304"/>
+        <p14:creationId xmlns:p14="http://schemas.microsoft.com/office/powerpoint/2010/main" val="2452232191"/>
       </p:ext>
     </p:extLst>
   </p:cSld>
@@ -8383,7 +8570,7 @@
           <a:p>
             <a:r>
               <a:rPr lang="de-CH" smtClean="0"/>
-              <a:t>Inhaltsverzeichnis</a:t>
+              <a:t>Beispiel Kreisdiagramm mit anderen Farben</a:t>
             </a:r>
             <a:endParaRPr lang="de-CH" dirty="0"/>
           </a:p>
@@ -8391,12 +8578,12 @@
       </p:sp>
       <p:sp>
         <p:nvSpPr>
-          <p:cNvPr id="3" name="Inhaltsplatzhalter 2"/>
-          <p:cNvSpPr>
-            <a:spLocks noGrp="1"/>
-          </p:cNvSpPr>
-          <p:nvPr>
-            <p:ph sz="quarter" idx="13"/>
+          <p:cNvPr id="3" name="Fußzeilenplatzhalter 2"/>
+          <p:cNvSpPr>
+            <a:spLocks noGrp="1"/>
+          </p:cNvSpPr>
+          <p:nvPr>
+            <p:ph type="ftr" sz="quarter" idx="3"/>
           </p:nvPr>
         </p:nvSpPr>
         <p:spPr/>
@@ -8405,67 +8592,6 @@
           <a:lstStyle/>
           <a:p>
             <a:r>
-              <a:rPr lang="de-CH" dirty="0" smtClean="0">
-                <a:solidFill>
-                  <a:srgbClr val="C6C7C8"/>
-                </a:solidFill>
-              </a:rPr>
-              <a:t>Textfolien</a:t>
-            </a:r>
-          </a:p>
-          <a:p>
-            <a:r>
-              <a:rPr lang="de-CH" dirty="0" smtClean="0">
-                <a:solidFill>
-                  <a:srgbClr val="C6C7C8"/>
-                </a:solidFill>
-              </a:rPr>
-              <a:t>Folien mit Bild und Tabelle</a:t>
-            </a:r>
-          </a:p>
-          <a:p>
-            <a:r>
-              <a:rPr lang="de-CH" dirty="0" smtClean="0">
-                <a:solidFill>
-                  <a:srgbClr val="C6C7C8"/>
-                </a:solidFill>
-              </a:rPr>
-              <a:t>Folien mit Diagrammen</a:t>
-            </a:r>
-          </a:p>
-          <a:p>
-            <a:r>
-              <a:rPr lang="de-CH" dirty="0" smtClean="0"/>
-              <a:t>Hausfarben und Anleitung zur Bedienung der Vorlage</a:t>
-            </a:r>
-          </a:p>
-          <a:p>
-            <a:endParaRPr lang="de-CH" dirty="0" smtClean="0"/>
-          </a:p>
-          <a:p>
-            <a:endParaRPr lang="de-CH" dirty="0" smtClean="0"/>
-          </a:p>
-          <a:p>
-            <a:endParaRPr lang="de-CH" dirty="0"/>
-          </a:p>
-        </p:txBody>
-      </p:sp>
-      <p:sp>
-        <p:nvSpPr>
-          <p:cNvPr id="4" name="Fußzeilenplatzhalter 3"/>
-          <p:cNvSpPr>
-            <a:spLocks noGrp="1"/>
-          </p:cNvSpPr>
-          <p:nvPr>
-            <p:ph type="ftr" sz="quarter" idx="3"/>
-          </p:nvPr>
-        </p:nvSpPr>
-        <p:spPr/>
-        <p:txBody>
-          <a:bodyPr/>
-          <a:lstStyle/>
-          <a:p>
-            <a:r>
               <a:rPr lang="de-CH" smtClean="0"/>
               <a:t>Zwischenbericht, BA PresWriter, Rapperswil, 9.4.2013</a:t>
             </a:r>
@@ -8475,7 +8601,7 @@
       </p:sp>
       <p:sp>
         <p:nvSpPr>
-          <p:cNvPr id="5" name="Foliennummernplatzhalter 4"/>
+          <p:cNvPr id="4" name="Foliennummernplatzhalter 3"/>
           <p:cNvSpPr>
             <a:spLocks noGrp="1"/>
           </p:cNvSpPr>
@@ -8499,7 +8625,7 @@
       </p:sp>
       <p:sp>
         <p:nvSpPr>
-          <p:cNvPr id="10" name="Bildplatzhalter 9"/>
+          <p:cNvPr id="9" name="Bildplatzhalter 8"/>
           <p:cNvSpPr>
             <a:spLocks noGrp="1"/>
           </p:cNvSpPr>
@@ -8509,10 +8635,34 @@
         </p:nvSpPr>
         <p:spPr/>
       </p:sp>
+      <p:graphicFrame>
+        <p:nvGraphicFramePr>
+          <p:cNvPr id="5" name="Inhaltsplatzhalter 5"/>
+          <p:cNvGraphicFramePr>
+            <a:graphicFrameLocks/>
+          </p:cNvGraphicFramePr>
+          <p:nvPr>
+            <p:extLst>
+              <p:ext uri="{D42A27DB-BD31-4B8C-83A1-F6EECF244321}">
+                <p14:modId xmlns:p14="http://schemas.microsoft.com/office/powerpoint/2010/main" val="2982491978"/>
+              </p:ext>
+            </p:extLst>
+          </p:nvPr>
+        </p:nvGraphicFramePr>
+        <p:xfrm>
+          <a:off x="468313" y="1124744"/>
+          <a:ext cx="8207375" cy="4824412"/>
+        </p:xfrm>
+        <a:graphic>
+          <a:graphicData uri="http://schemas.openxmlformats.org/drawingml/2006/chart">
+            <c:chart xmlns:c="http://schemas.openxmlformats.org/drawingml/2006/chart" xmlns:r="http://schemas.openxmlformats.org/officeDocument/2006/relationships" r:id="rId2"/>
+          </a:graphicData>
+        </a:graphic>
+      </p:graphicFrame>
     </p:spTree>
     <p:extLst>
       <p:ext uri="{BB962C8B-B14F-4D97-AF65-F5344CB8AC3E}">
-        <p14:creationId xmlns:p14="http://schemas.microsoft.com/office/powerpoint/2010/main" val="1235909534"/>
+        <p14:creationId xmlns:p14="http://schemas.microsoft.com/office/powerpoint/2010/main" val="1043672304"/>
       </p:ext>
     </p:extLst>
   </p:cSld>
@@ -8562,8 +8712,8 @@
           <a:lstStyle/>
           <a:p>
             <a:r>
-              <a:rPr lang="de-CH" dirty="0" smtClean="0"/>
-              <a:t>HSR Hausfarben</a:t>
+              <a:rPr lang="de-CH" smtClean="0"/>
+              <a:t>Inhaltsverzeichnis</a:t>
             </a:r>
             <a:endParaRPr lang="de-CH" dirty="0"/>
           </a:p>
@@ -8571,12 +8721,12 @@
       </p:sp>
       <p:sp>
         <p:nvSpPr>
-          <p:cNvPr id="3" name="Fußzeilenplatzhalter 2"/>
-          <p:cNvSpPr>
-            <a:spLocks noGrp="1"/>
-          </p:cNvSpPr>
-          <p:nvPr>
-            <p:ph type="ftr" sz="quarter" idx="3"/>
+          <p:cNvPr id="3" name="Inhaltsplatzhalter 2"/>
+          <p:cNvSpPr>
+            <a:spLocks noGrp="1"/>
+          </p:cNvSpPr>
+          <p:nvPr>
+            <p:ph sz="quarter" idx="13"/>
           </p:nvPr>
         </p:nvSpPr>
         <p:spPr/>
@@ -8585,6 +8735,67 @@
           <a:lstStyle/>
           <a:p>
             <a:r>
+              <a:rPr lang="de-CH" dirty="0" smtClean="0">
+                <a:solidFill>
+                  <a:srgbClr val="C6C7C8"/>
+                </a:solidFill>
+              </a:rPr>
+              <a:t>Textfolien</a:t>
+            </a:r>
+          </a:p>
+          <a:p>
+            <a:r>
+              <a:rPr lang="de-CH" dirty="0" smtClean="0">
+                <a:solidFill>
+                  <a:srgbClr val="C6C7C8"/>
+                </a:solidFill>
+              </a:rPr>
+              <a:t>Folien mit Bild und Tabelle</a:t>
+            </a:r>
+          </a:p>
+          <a:p>
+            <a:r>
+              <a:rPr lang="de-CH" dirty="0" smtClean="0">
+                <a:solidFill>
+                  <a:srgbClr val="C6C7C8"/>
+                </a:solidFill>
+              </a:rPr>
+              <a:t>Folien mit Diagrammen</a:t>
+            </a:r>
+          </a:p>
+          <a:p>
+            <a:r>
+              <a:rPr lang="de-CH" dirty="0" smtClean="0"/>
+              <a:t>Hausfarben und Anleitung zur Bedienung der Vorlage</a:t>
+            </a:r>
+          </a:p>
+          <a:p>
+            <a:endParaRPr lang="de-CH" dirty="0" smtClean="0"/>
+          </a:p>
+          <a:p>
+            <a:endParaRPr lang="de-CH" dirty="0" smtClean="0"/>
+          </a:p>
+          <a:p>
+            <a:endParaRPr lang="de-CH" dirty="0"/>
+          </a:p>
+        </p:txBody>
+      </p:sp>
+      <p:sp>
+        <p:nvSpPr>
+          <p:cNvPr id="4" name="Fußzeilenplatzhalter 3"/>
+          <p:cNvSpPr>
+            <a:spLocks noGrp="1"/>
+          </p:cNvSpPr>
+          <p:nvPr>
+            <p:ph type="ftr" sz="quarter" idx="3"/>
+          </p:nvPr>
+        </p:nvSpPr>
+        <p:spPr/>
+        <p:txBody>
+          <a:bodyPr/>
+          <a:lstStyle/>
+          <a:p>
+            <a:r>
               <a:rPr lang="de-CH" smtClean="0"/>
               <a:t>Zwischenbericht, BA PresWriter, Rapperswil, 9.4.2013</a:t>
             </a:r>
@@ -8594,7 +8805,7 @@
       </p:sp>
       <p:sp>
         <p:nvSpPr>
-          <p:cNvPr id="4" name="Foliennummernplatzhalter 3"/>
+          <p:cNvPr id="5" name="Foliennummernplatzhalter 4"/>
           <p:cNvSpPr>
             <a:spLocks noGrp="1"/>
           </p:cNvSpPr>
@@ -8611,6 +8822,125 @@
               <a:rPr lang="de-CH" smtClean="0"/>
               <a:pPr/>
               <a:t>23</a:t>
+            </a:fld>
+            <a:endParaRPr lang="de-CH"/>
+          </a:p>
+        </p:txBody>
+      </p:sp>
+      <p:sp>
+        <p:nvSpPr>
+          <p:cNvPr id="10" name="Bildplatzhalter 9"/>
+          <p:cNvSpPr>
+            <a:spLocks noGrp="1"/>
+          </p:cNvSpPr>
+          <p:nvPr>
+            <p:ph type="pic" sz="quarter" idx="14"/>
+          </p:nvPr>
+        </p:nvSpPr>
+        <p:spPr/>
+      </p:sp>
+    </p:spTree>
+    <p:extLst>
+      <p:ext uri="{BB962C8B-B14F-4D97-AF65-F5344CB8AC3E}">
+        <p14:creationId xmlns:p14="http://schemas.microsoft.com/office/powerpoint/2010/main" val="1235909534"/>
+      </p:ext>
+    </p:extLst>
+  </p:cSld>
+  <p:clrMapOvr>
+    <a:masterClrMapping/>
+  </p:clrMapOvr>
+  <p:timing>
+    <p:tnLst>
+      <p:par>
+        <p:cTn id="1" dur="indefinite" restart="never" nodeType="tmRoot"/>
+      </p:par>
+    </p:tnLst>
+  </p:timing>
+</p:sld>
+</file>
+
+<file path=ppt/slides/slide24.xml><?xml version="1.0" encoding="utf-8"?>
+<p:sld xmlns:a="http://schemas.openxmlformats.org/drawingml/2006/main" xmlns:r="http://schemas.openxmlformats.org/officeDocument/2006/relationships" xmlns:p="http://schemas.openxmlformats.org/presentationml/2006/main">
+  <p:cSld>
+    <p:spTree>
+      <p:nvGrpSpPr>
+        <p:cNvPr id="1" name=""/>
+        <p:cNvGrpSpPr/>
+        <p:nvPr/>
+      </p:nvGrpSpPr>
+      <p:grpSpPr>
+        <a:xfrm>
+          <a:off x="0" y="0"/>
+          <a:ext cx="0" cy="0"/>
+          <a:chOff x="0" y="0"/>
+          <a:chExt cx="0" cy="0"/>
+        </a:xfrm>
+      </p:grpSpPr>
+      <p:sp>
+        <p:nvSpPr>
+          <p:cNvPr id="2" name="Titel 1"/>
+          <p:cNvSpPr>
+            <a:spLocks noGrp="1"/>
+          </p:cNvSpPr>
+          <p:nvPr>
+            <p:ph type="title"/>
+          </p:nvPr>
+        </p:nvSpPr>
+        <p:spPr/>
+        <p:txBody>
+          <a:bodyPr/>
+          <a:lstStyle/>
+          <a:p>
+            <a:r>
+              <a:rPr lang="de-CH" dirty="0" smtClean="0"/>
+              <a:t>HSR Hausfarben</a:t>
+            </a:r>
+            <a:endParaRPr lang="de-CH" dirty="0"/>
+          </a:p>
+        </p:txBody>
+      </p:sp>
+      <p:sp>
+        <p:nvSpPr>
+          <p:cNvPr id="3" name="Fußzeilenplatzhalter 2"/>
+          <p:cNvSpPr>
+            <a:spLocks noGrp="1"/>
+          </p:cNvSpPr>
+          <p:nvPr>
+            <p:ph type="ftr" sz="quarter" idx="3"/>
+          </p:nvPr>
+        </p:nvSpPr>
+        <p:spPr/>
+        <p:txBody>
+          <a:bodyPr/>
+          <a:lstStyle/>
+          <a:p>
+            <a:r>
+              <a:rPr lang="de-CH" smtClean="0"/>
+              <a:t>Zwischenbericht, BA PresWriter, Rapperswil, 9.4.2013</a:t>
+            </a:r>
+            <a:endParaRPr lang="de-CH" dirty="0"/>
+          </a:p>
+        </p:txBody>
+      </p:sp>
+      <p:sp>
+        <p:nvSpPr>
+          <p:cNvPr id="4" name="Foliennummernplatzhalter 3"/>
+          <p:cNvSpPr>
+            <a:spLocks noGrp="1"/>
+          </p:cNvSpPr>
+          <p:nvPr>
+            <p:ph type="sldNum" sz="quarter" idx="4"/>
+          </p:nvPr>
+        </p:nvSpPr>
+        <p:spPr/>
+        <p:txBody>
+          <a:bodyPr/>
+          <a:lstStyle/>
+          <a:p>
+            <a:fld id="{6CB3B594-2801-4864-9089-E42463258A4B}" type="slidenum">
+              <a:rPr lang="de-CH" smtClean="0"/>
+              <a:pPr/>
+              <a:t>24</a:t>
             </a:fld>
             <a:endParaRPr lang="de-CH"/>
           </a:p>
@@ -9631,7 +9961,7 @@
 </p:sld>
 </file>
 
-<file path=ppt/slides/slide24.xml><?xml version="1.0" encoding="utf-8"?>
+<file path=ppt/slides/slide25.xml><?xml version="1.0" encoding="utf-8"?>
 <p:sld xmlns:a="http://schemas.openxmlformats.org/drawingml/2006/main" xmlns:r="http://schemas.openxmlformats.org/officeDocument/2006/relationships" xmlns:p="http://schemas.openxmlformats.org/presentationml/2006/main">
   <p:cSld>
     <p:spTree>
@@ -9712,7 +10042,7 @@
             <a:fld id="{6CB3B594-2801-4864-9089-E42463258A4B}" type="slidenum">
               <a:rPr lang="de-CH" smtClean="0"/>
               <a:pPr/>
-              <a:t>24</a:t>
+              <a:t>25</a:t>
             </a:fld>
             <a:endParaRPr lang="de-CH"/>
           </a:p>
@@ -10453,7 +10783,7 @@
 </p:sld>
 </file>
 
-<file path=ppt/slides/slide25.xml><?xml version="1.0" encoding="utf-8"?>
+<file path=ppt/slides/slide26.xml><?xml version="1.0" encoding="utf-8"?>
 <p:sld xmlns:a="http://schemas.openxmlformats.org/drawingml/2006/main" xmlns:r="http://schemas.openxmlformats.org/officeDocument/2006/relationships" xmlns:p="http://schemas.openxmlformats.org/presentationml/2006/main">
   <p:cSld>
     <p:spTree>
@@ -10534,7 +10864,7 @@
             <a:fld id="{6CB3B594-2801-4864-9089-E42463258A4B}" type="slidenum">
               <a:rPr lang="de-CH" smtClean="0"/>
               <a:pPr/>
-              <a:t>25</a:t>
+              <a:t>26</a:t>
             </a:fld>
             <a:endParaRPr lang="de-CH"/>
           </a:p>
@@ -10933,7 +11263,6 @@
               <a:rPr lang="de-CH" dirty="0" smtClean="0"/>
               <a:t>Libraries</a:t>
             </a:r>
-            <a:endParaRPr lang="de-CH" dirty="0" smtClean="0"/>
           </a:p>
           <a:p>
             <a:pPr lvl="1"/>
@@ -11103,11 +11432,7 @@
             <a:pPr lvl="1"/>
             <a:r>
               <a:rPr lang="de-CH" dirty="0" smtClean="0"/>
-              <a:t>4</a:t>
-            </a:r>
-            <a:r>
-              <a:rPr lang="de-CH" dirty="0" smtClean="0"/>
-              <a:t>0ms</a:t>
+              <a:t>40ms</a:t>
             </a:r>
           </a:p>
           <a:p>
@@ -11330,11 +11655,6 @@
               </a:rPr>
               <a:t>Frame 1</a:t>
             </a:r>
-            <a:endParaRPr lang="de-CH" dirty="0" smtClean="0">
-              <a:solidFill>
-                <a:srgbClr val="C00000"/>
-              </a:solidFill>
-            </a:endParaRPr>
           </a:p>
         </p:txBody>
       </p:sp>
@@ -11657,11 +11977,6 @@
               </a:rPr>
               <a:t>Differenz</a:t>
             </a:r>
-            <a:endParaRPr lang="de-CH" dirty="0" smtClean="0">
-              <a:solidFill>
-                <a:srgbClr val="C00000"/>
-              </a:solidFill>
-            </a:endParaRPr>
           </a:p>
         </p:txBody>
       </p:sp>

--- a/Doc/Zwischenbericht.pptx
+++ b/Doc/Zwischenbericht.pptx
@@ -5,10 +5,10 @@
     <p:sldMasterId id="2147483648" r:id="rId1"/>
   </p:sldMasterIdLst>
   <p:notesMasterIdLst>
-    <p:notesMasterId r:id="rId28"/>
+    <p:notesMasterId r:id="rId20"/>
   </p:notesMasterIdLst>
   <p:handoutMasterIdLst>
-    <p:handoutMasterId r:id="rId29"/>
+    <p:handoutMasterId r:id="rId21"/>
   </p:handoutMasterIdLst>
   <p:sldIdLst>
     <p:sldId id="295" r:id="rId2"/>
@@ -20,23 +20,15 @@
     <p:sldId id="306" r:id="rId8"/>
     <p:sldId id="307" r:id="rId9"/>
     <p:sldId id="308" r:id="rId10"/>
-    <p:sldId id="309" r:id="rId11"/>
-    <p:sldId id="285" r:id="rId12"/>
-    <p:sldId id="314" r:id="rId13"/>
-    <p:sldId id="315" r:id="rId14"/>
-    <p:sldId id="310" r:id="rId15"/>
-    <p:sldId id="312" r:id="rId16"/>
-    <p:sldId id="311" r:id="rId17"/>
-    <p:sldId id="313" r:id="rId18"/>
-    <p:sldId id="289" r:id="rId19"/>
-    <p:sldId id="273" r:id="rId20"/>
-    <p:sldId id="283" r:id="rId21"/>
-    <p:sldId id="282" r:id="rId22"/>
-    <p:sldId id="274" r:id="rId23"/>
-    <p:sldId id="287" r:id="rId24"/>
-    <p:sldId id="277" r:id="rId25"/>
-    <p:sldId id="279" r:id="rId26"/>
-    <p:sldId id="278" r:id="rId27"/>
+    <p:sldId id="285" r:id="rId11"/>
+    <p:sldId id="314" r:id="rId12"/>
+    <p:sldId id="315" r:id="rId13"/>
+    <p:sldId id="310" r:id="rId14"/>
+    <p:sldId id="312" r:id="rId15"/>
+    <p:sldId id="311" r:id="rId16"/>
+    <p:sldId id="313" r:id="rId17"/>
+    <p:sldId id="316" r:id="rId18"/>
+    <p:sldId id="317" r:id="rId19"/>
   </p:sldIdLst>
   <p:sldSz cx="9144000" cy="6858000" type="screen4x3"/>
   <p:notesSz cx="6858000" cy="9734550"/>
@@ -137,7 +129,7 @@
   </p:defaultTextStyle>
   <p:extLst>
     <p:ext uri="{EFAFB233-063F-42B5-8137-9DF3F51BA10A}">
-      <p15:sldGuideLst xmlns:p15="http://schemas.microsoft.com/office/powerpoint/2012/main">
+      <p15:sldGuideLst xmlns:p15="http://schemas.microsoft.com/office/powerpoint/2012/main" xmlns="">
         <p15:guide id="1" orient="horz" pos="799">
           <p15:clr>
             <a:srgbClr val="A4A3A4"/>
@@ -151,7 +143,7 @@
       </p15:sldGuideLst>
     </p:ext>
     <p:ext uri="{2D200454-40CA-4A62-9FC3-DE9A4176ACB9}">
-      <p15:notesGuideLst xmlns:p15="http://schemas.microsoft.com/office/powerpoint/2012/main">
+      <p15:notesGuideLst xmlns:p15="http://schemas.microsoft.com/office/powerpoint/2012/main" xmlns="">
         <p15:guide id="1" orient="horz" pos="3062">
           <p15:clr>
             <a:srgbClr val="A4A3A4"/>
@@ -166,969 +158,6 @@
     </p:ext>
   </p:extLst>
 </p:presentation>
-</file>
-
-<file path=ppt/charts/chart1.xml><?xml version="1.0" encoding="utf-8"?>
-<c:chartSpace xmlns:c="http://schemas.openxmlformats.org/drawingml/2006/chart" xmlns:a="http://schemas.openxmlformats.org/drawingml/2006/main" xmlns:r="http://schemas.openxmlformats.org/officeDocument/2006/relationships">
-  <c:date1904 val="0"/>
-  <c:lang val="en-US"/>
-  <c:roundedCorners val="0"/>
-  <mc:AlternateContent xmlns:mc="http://schemas.openxmlformats.org/markup-compatibility/2006">
-    <mc:Choice xmlns:c14="http://schemas.microsoft.com/office/drawing/2007/8/2/chart" Requires="c14">
-      <c14:style val="102"/>
-    </mc:Choice>
-    <mc:Fallback>
-      <c:style val="2"/>
-    </mc:Fallback>
-  </mc:AlternateContent>
-  <c:chart>
-    <c:autoTitleDeleted val="0"/>
-    <c:plotArea>
-      <c:layout/>
-      <c:barChart>
-        <c:barDir val="col"/>
-        <c:grouping val="clustered"/>
-        <c:varyColors val="0"/>
-        <c:ser>
-          <c:idx val="0"/>
-          <c:order val="0"/>
-          <c:tx>
-            <c:strRef>
-              <c:f>Tabelle1!$B$1</c:f>
-              <c:strCache>
-                <c:ptCount val="1"/>
-                <c:pt idx="0">
-                  <c:v>Datenreihe 1</c:v>
-                </c:pt>
-              </c:strCache>
-            </c:strRef>
-          </c:tx>
-          <c:invertIfNegative val="0"/>
-          <c:cat>
-            <c:strRef>
-              <c:f>Tabelle1!$A$2:$A$5</c:f>
-              <c:strCache>
-                <c:ptCount val="4"/>
-                <c:pt idx="0">
-                  <c:v>Kategorie 1</c:v>
-                </c:pt>
-                <c:pt idx="1">
-                  <c:v>Kategorie 2</c:v>
-                </c:pt>
-                <c:pt idx="2">
-                  <c:v>Kategorie 3</c:v>
-                </c:pt>
-                <c:pt idx="3">
-                  <c:v>Kategorie 4</c:v>
-                </c:pt>
-              </c:strCache>
-            </c:strRef>
-          </c:cat>
-          <c:val>
-            <c:numRef>
-              <c:f>Tabelle1!$B$2:$B$5</c:f>
-              <c:numCache>
-                <c:formatCode>General</c:formatCode>
-                <c:ptCount val="4"/>
-                <c:pt idx="0">
-                  <c:v>4.3</c:v>
-                </c:pt>
-                <c:pt idx="1">
-                  <c:v>2.5</c:v>
-                </c:pt>
-                <c:pt idx="2">
-                  <c:v>3.5</c:v>
-                </c:pt>
-                <c:pt idx="3">
-                  <c:v>4.5</c:v>
-                </c:pt>
-              </c:numCache>
-            </c:numRef>
-          </c:val>
-        </c:ser>
-        <c:ser>
-          <c:idx val="1"/>
-          <c:order val="1"/>
-          <c:tx>
-            <c:strRef>
-              <c:f>Tabelle1!$C$1</c:f>
-              <c:strCache>
-                <c:ptCount val="1"/>
-                <c:pt idx="0">
-                  <c:v>Datenreihe 2</c:v>
-                </c:pt>
-              </c:strCache>
-            </c:strRef>
-          </c:tx>
-          <c:spPr>
-            <a:solidFill>
-              <a:srgbClr val="658AB8"/>
-            </a:solidFill>
-          </c:spPr>
-          <c:invertIfNegative val="0"/>
-          <c:cat>
-            <c:strRef>
-              <c:f>Tabelle1!$A$2:$A$5</c:f>
-              <c:strCache>
-                <c:ptCount val="4"/>
-                <c:pt idx="0">
-                  <c:v>Kategorie 1</c:v>
-                </c:pt>
-                <c:pt idx="1">
-                  <c:v>Kategorie 2</c:v>
-                </c:pt>
-                <c:pt idx="2">
-                  <c:v>Kategorie 3</c:v>
-                </c:pt>
-                <c:pt idx="3">
-                  <c:v>Kategorie 4</c:v>
-                </c:pt>
-              </c:strCache>
-            </c:strRef>
-          </c:cat>
-          <c:val>
-            <c:numRef>
-              <c:f>Tabelle1!$C$2:$C$5</c:f>
-              <c:numCache>
-                <c:formatCode>General</c:formatCode>
-                <c:ptCount val="4"/>
-                <c:pt idx="0">
-                  <c:v>2.4</c:v>
-                </c:pt>
-                <c:pt idx="1">
-                  <c:v>4.4000000000000004</c:v>
-                </c:pt>
-                <c:pt idx="2">
-                  <c:v>1.8</c:v>
-                </c:pt>
-                <c:pt idx="3">
-                  <c:v>2.8</c:v>
-                </c:pt>
-              </c:numCache>
-            </c:numRef>
-          </c:val>
-        </c:ser>
-        <c:ser>
-          <c:idx val="2"/>
-          <c:order val="2"/>
-          <c:tx>
-            <c:strRef>
-              <c:f>Tabelle1!$D$1</c:f>
-              <c:strCache>
-                <c:ptCount val="1"/>
-                <c:pt idx="0">
-                  <c:v>Datenreihe 3</c:v>
-                </c:pt>
-              </c:strCache>
-            </c:strRef>
-          </c:tx>
-          <c:spPr>
-            <a:solidFill>
-              <a:srgbClr val="B2C5DB"/>
-            </a:solidFill>
-          </c:spPr>
-          <c:invertIfNegative val="0"/>
-          <c:cat>
-            <c:strRef>
-              <c:f>Tabelle1!$A$2:$A$5</c:f>
-              <c:strCache>
-                <c:ptCount val="4"/>
-                <c:pt idx="0">
-                  <c:v>Kategorie 1</c:v>
-                </c:pt>
-                <c:pt idx="1">
-                  <c:v>Kategorie 2</c:v>
-                </c:pt>
-                <c:pt idx="2">
-                  <c:v>Kategorie 3</c:v>
-                </c:pt>
-                <c:pt idx="3">
-                  <c:v>Kategorie 4</c:v>
-                </c:pt>
-              </c:strCache>
-            </c:strRef>
-          </c:cat>
-          <c:val>
-            <c:numRef>
-              <c:f>Tabelle1!$D$2:$D$5</c:f>
-              <c:numCache>
-                <c:formatCode>General</c:formatCode>
-                <c:ptCount val="4"/>
-                <c:pt idx="0">
-                  <c:v>2</c:v>
-                </c:pt>
-                <c:pt idx="1">
-                  <c:v>2</c:v>
-                </c:pt>
-                <c:pt idx="2">
-                  <c:v>3</c:v>
-                </c:pt>
-                <c:pt idx="3">
-                  <c:v>5</c:v>
-                </c:pt>
-              </c:numCache>
-            </c:numRef>
-          </c:val>
-        </c:ser>
-        <c:dLbls>
-          <c:showLegendKey val="0"/>
-          <c:showVal val="0"/>
-          <c:showCatName val="0"/>
-          <c:showSerName val="0"/>
-          <c:showPercent val="0"/>
-          <c:showBubbleSize val="0"/>
-        </c:dLbls>
-        <c:gapWidth val="150"/>
-        <c:axId val="293554400"/>
-        <c:axId val="293556360"/>
-      </c:barChart>
-      <c:catAx>
-        <c:axId val="293554400"/>
-        <c:scaling>
-          <c:orientation val="minMax"/>
-        </c:scaling>
-        <c:delete val="0"/>
-        <c:axPos val="b"/>
-        <c:numFmt formatCode="General" sourceLinked="0"/>
-        <c:majorTickMark val="out"/>
-        <c:minorTickMark val="none"/>
-        <c:tickLblPos val="nextTo"/>
-        <c:txPr>
-          <a:bodyPr/>
-          <a:lstStyle/>
-          <a:p>
-            <a:pPr>
-              <a:defRPr sz="1700"/>
-            </a:pPr>
-            <a:endParaRPr lang="en-US"/>
-          </a:p>
-        </c:txPr>
-        <c:crossAx val="293556360"/>
-        <c:crosses val="autoZero"/>
-        <c:auto val="1"/>
-        <c:lblAlgn val="ctr"/>
-        <c:lblOffset val="100"/>
-        <c:noMultiLvlLbl val="0"/>
-      </c:catAx>
-      <c:valAx>
-        <c:axId val="293556360"/>
-        <c:scaling>
-          <c:orientation val="minMax"/>
-        </c:scaling>
-        <c:delete val="0"/>
-        <c:axPos val="l"/>
-        <c:majorGridlines/>
-        <c:numFmt formatCode="General" sourceLinked="1"/>
-        <c:majorTickMark val="out"/>
-        <c:minorTickMark val="none"/>
-        <c:tickLblPos val="nextTo"/>
-        <c:crossAx val="293554400"/>
-        <c:crosses val="autoZero"/>
-        <c:crossBetween val="between"/>
-      </c:valAx>
-    </c:plotArea>
-    <c:legend>
-      <c:legendPos val="r"/>
-      <c:overlay val="0"/>
-      <c:txPr>
-        <a:bodyPr/>
-        <a:lstStyle/>
-        <a:p>
-          <a:pPr>
-            <a:defRPr sz="1700"/>
-          </a:pPr>
-          <a:endParaRPr lang="en-US"/>
-        </a:p>
-      </c:txPr>
-    </c:legend>
-    <c:plotVisOnly val="1"/>
-    <c:dispBlanksAs val="gap"/>
-    <c:showDLblsOverMax val="0"/>
-  </c:chart>
-  <c:txPr>
-    <a:bodyPr/>
-    <a:lstStyle/>
-    <a:p>
-      <a:pPr>
-        <a:defRPr sz="1800"/>
-      </a:pPr>
-      <a:endParaRPr lang="en-US"/>
-    </a:p>
-  </c:txPr>
-  <c:externalData r:id="rId1">
-    <c:autoUpdate val="0"/>
-  </c:externalData>
-</c:chartSpace>
-</file>
-
-<file path=ppt/charts/chart2.xml><?xml version="1.0" encoding="utf-8"?>
-<c:chartSpace xmlns:c="http://schemas.openxmlformats.org/drawingml/2006/chart" xmlns:a="http://schemas.openxmlformats.org/drawingml/2006/main" xmlns:r="http://schemas.openxmlformats.org/officeDocument/2006/relationships">
-  <c:date1904 val="0"/>
-  <c:lang val="en-US"/>
-  <c:roundedCorners val="0"/>
-  <mc:AlternateContent xmlns:mc="http://schemas.openxmlformats.org/markup-compatibility/2006">
-    <mc:Choice xmlns:c14="http://schemas.microsoft.com/office/drawing/2007/8/2/chart" Requires="c14">
-      <c14:style val="102"/>
-    </mc:Choice>
-    <mc:Fallback>
-      <c:style val="2"/>
-    </mc:Fallback>
-  </mc:AlternateContent>
-  <c:clrMapOvr bg1="lt1" tx1="dk1" bg2="lt2" tx2="dk2" accent1="accent1" accent2="accent2" accent3="accent3" accent4="accent4" accent5="accent5" accent6="accent6" hlink="hlink" folHlink="folHlink"/>
-  <c:chart>
-    <c:title>
-      <c:overlay val="0"/>
-      <c:txPr>
-        <a:bodyPr/>
-        <a:lstStyle/>
-        <a:p>
-          <a:pPr>
-            <a:defRPr sz="1700"/>
-          </a:pPr>
-          <a:endParaRPr lang="en-US"/>
-        </a:p>
-      </c:txPr>
-    </c:title>
-    <c:autoTitleDeleted val="0"/>
-    <c:plotArea>
-      <c:layout/>
-      <c:pieChart>
-        <c:varyColors val="1"/>
-        <c:ser>
-          <c:idx val="0"/>
-          <c:order val="0"/>
-          <c:tx>
-            <c:strRef>
-              <c:f>Tabelle1!$B$1</c:f>
-              <c:strCache>
-                <c:ptCount val="1"/>
-                <c:pt idx="0">
-                  <c:v>Verkauf</c:v>
-                </c:pt>
-              </c:strCache>
-            </c:strRef>
-          </c:tx>
-          <c:dPt>
-            <c:idx val="0"/>
-            <c:bubble3D val="0"/>
-            <c:spPr>
-              <a:solidFill>
-                <a:srgbClr val="3F6DA6"/>
-              </a:solidFill>
-              <a:ln>
-                <a:solidFill>
-                  <a:schemeClr val="accent1"/>
-                </a:solidFill>
-              </a:ln>
-            </c:spPr>
-          </c:dPt>
-          <c:dPt>
-            <c:idx val="1"/>
-            <c:bubble3D val="0"/>
-            <c:spPr>
-              <a:solidFill>
-                <a:srgbClr val="658AB8"/>
-              </a:solidFill>
-            </c:spPr>
-          </c:dPt>
-          <c:dPt>
-            <c:idx val="2"/>
-            <c:bubble3D val="0"/>
-            <c:spPr>
-              <a:solidFill>
-                <a:srgbClr val="8CA7CA"/>
-              </a:solidFill>
-            </c:spPr>
-          </c:dPt>
-          <c:dPt>
-            <c:idx val="3"/>
-            <c:bubble3D val="0"/>
-            <c:spPr>
-              <a:solidFill>
-                <a:srgbClr val="B2C5DB"/>
-              </a:solidFill>
-            </c:spPr>
-          </c:dPt>
-          <c:cat>
-            <c:strRef>
-              <c:f>Tabelle1!$A$2:$A$5</c:f>
-              <c:strCache>
-                <c:ptCount val="4"/>
-                <c:pt idx="0">
-                  <c:v>1. Quartal</c:v>
-                </c:pt>
-                <c:pt idx="1">
-                  <c:v>2. Quartal</c:v>
-                </c:pt>
-                <c:pt idx="2">
-                  <c:v>3. Quartal</c:v>
-                </c:pt>
-                <c:pt idx="3">
-                  <c:v>4. Quartal</c:v>
-                </c:pt>
-              </c:strCache>
-            </c:strRef>
-          </c:cat>
-          <c:val>
-            <c:numRef>
-              <c:f>Tabelle1!$B$2:$B$5</c:f>
-              <c:numCache>
-                <c:formatCode>General</c:formatCode>
-                <c:ptCount val="4"/>
-                <c:pt idx="0">
-                  <c:v>8.2000000000000011</c:v>
-                </c:pt>
-                <c:pt idx="1">
-                  <c:v>3.2</c:v>
-                </c:pt>
-                <c:pt idx="2">
-                  <c:v>1.4</c:v>
-                </c:pt>
-                <c:pt idx="3">
-                  <c:v>1.2</c:v>
-                </c:pt>
-              </c:numCache>
-            </c:numRef>
-          </c:val>
-        </c:ser>
-        <c:dLbls>
-          <c:showLegendKey val="0"/>
-          <c:showVal val="0"/>
-          <c:showCatName val="0"/>
-          <c:showSerName val="0"/>
-          <c:showPercent val="0"/>
-          <c:showBubbleSize val="0"/>
-          <c:showLeaderLines val="1"/>
-        </c:dLbls>
-        <c:firstSliceAng val="0"/>
-      </c:pieChart>
-    </c:plotArea>
-    <c:legend>
-      <c:legendPos val="r"/>
-      <c:layout>
-        <c:manualLayout>
-          <c:xMode val="edge"/>
-          <c:yMode val="edge"/>
-          <c:x val="0.74602074353858727"/>
-          <c:y val="0.40549438978263114"/>
-          <c:w val="0.15958854079410309"/>
-          <c:h val="0.27281500833676731"/>
-        </c:manualLayout>
-      </c:layout>
-      <c:overlay val="0"/>
-      <c:txPr>
-        <a:bodyPr/>
-        <a:lstStyle/>
-        <a:p>
-          <a:pPr>
-            <a:defRPr sz="1700"/>
-          </a:pPr>
-          <a:endParaRPr lang="en-US"/>
-        </a:p>
-      </c:txPr>
-    </c:legend>
-    <c:plotVisOnly val="1"/>
-    <c:dispBlanksAs val="zero"/>
-    <c:showDLblsOverMax val="0"/>
-  </c:chart>
-  <c:txPr>
-    <a:bodyPr/>
-    <a:lstStyle/>
-    <a:p>
-      <a:pPr>
-        <a:defRPr sz="1800"/>
-      </a:pPr>
-      <a:endParaRPr lang="en-US"/>
-    </a:p>
-  </c:txPr>
-  <c:externalData r:id="rId2">
-    <c:autoUpdate val="0"/>
-  </c:externalData>
-</c:chartSpace>
-</file>
-
-<file path=ppt/charts/chart3.xml><?xml version="1.0" encoding="utf-8"?>
-<c:chartSpace xmlns:c="http://schemas.openxmlformats.org/drawingml/2006/chart" xmlns:a="http://schemas.openxmlformats.org/drawingml/2006/main" xmlns:r="http://schemas.openxmlformats.org/officeDocument/2006/relationships">
-  <c:date1904 val="0"/>
-  <c:lang val="en-US"/>
-  <c:roundedCorners val="0"/>
-  <mc:AlternateContent xmlns:mc="http://schemas.openxmlformats.org/markup-compatibility/2006">
-    <mc:Choice xmlns:c14="http://schemas.microsoft.com/office/drawing/2007/8/2/chart" Requires="c14">
-      <c14:style val="102"/>
-    </mc:Choice>
-    <mc:Fallback>
-      <c:style val="2"/>
-    </mc:Fallback>
-  </mc:AlternateContent>
-  <c:clrMapOvr bg1="lt1" tx1="dk1" bg2="lt2" tx2="dk2" accent1="accent1" accent2="accent2" accent3="accent3" accent4="accent4" accent5="accent5" accent6="accent6" hlink="hlink" folHlink="folHlink"/>
-  <c:chart>
-    <c:autoTitleDeleted val="0"/>
-    <c:plotArea>
-      <c:layout/>
-      <c:barChart>
-        <c:barDir val="col"/>
-        <c:grouping val="clustered"/>
-        <c:varyColors val="0"/>
-        <c:ser>
-          <c:idx val="0"/>
-          <c:order val="0"/>
-          <c:tx>
-            <c:strRef>
-              <c:f>Tabelle1!$B$1</c:f>
-              <c:strCache>
-                <c:ptCount val="1"/>
-                <c:pt idx="0">
-                  <c:v>Datenreihe 1</c:v>
-                </c:pt>
-              </c:strCache>
-            </c:strRef>
-          </c:tx>
-          <c:spPr>
-            <a:solidFill>
-              <a:srgbClr val="3F6DA6"/>
-            </a:solidFill>
-          </c:spPr>
-          <c:invertIfNegative val="0"/>
-          <c:cat>
-            <c:strRef>
-              <c:f>Tabelle1!$A$2:$A$5</c:f>
-              <c:strCache>
-                <c:ptCount val="4"/>
-                <c:pt idx="0">
-                  <c:v>Kategorie 1</c:v>
-                </c:pt>
-                <c:pt idx="1">
-                  <c:v>Kategorie 2</c:v>
-                </c:pt>
-                <c:pt idx="2">
-                  <c:v>Kategorie 3</c:v>
-                </c:pt>
-                <c:pt idx="3">
-                  <c:v>Kategorie 4</c:v>
-                </c:pt>
-              </c:strCache>
-            </c:strRef>
-          </c:cat>
-          <c:val>
-            <c:numRef>
-              <c:f>Tabelle1!$B$2:$B$5</c:f>
-              <c:numCache>
-                <c:formatCode>General</c:formatCode>
-                <c:ptCount val="4"/>
-                <c:pt idx="0">
-                  <c:v>4.3</c:v>
-                </c:pt>
-                <c:pt idx="1">
-                  <c:v>2.5</c:v>
-                </c:pt>
-                <c:pt idx="2">
-                  <c:v>3.5</c:v>
-                </c:pt>
-                <c:pt idx="3">
-                  <c:v>4.5</c:v>
-                </c:pt>
-              </c:numCache>
-            </c:numRef>
-          </c:val>
-        </c:ser>
-        <c:ser>
-          <c:idx val="1"/>
-          <c:order val="1"/>
-          <c:tx>
-            <c:strRef>
-              <c:f>Tabelle1!$C$1</c:f>
-              <c:strCache>
-                <c:ptCount val="1"/>
-                <c:pt idx="0">
-                  <c:v>Datenreihe 2</c:v>
-                </c:pt>
-              </c:strCache>
-            </c:strRef>
-          </c:tx>
-          <c:spPr>
-            <a:solidFill>
-              <a:srgbClr val="00748E"/>
-            </a:solidFill>
-          </c:spPr>
-          <c:invertIfNegative val="0"/>
-          <c:cat>
-            <c:strRef>
-              <c:f>Tabelle1!$A$2:$A$5</c:f>
-              <c:strCache>
-                <c:ptCount val="4"/>
-                <c:pt idx="0">
-                  <c:v>Kategorie 1</c:v>
-                </c:pt>
-                <c:pt idx="1">
-                  <c:v>Kategorie 2</c:v>
-                </c:pt>
-                <c:pt idx="2">
-                  <c:v>Kategorie 3</c:v>
-                </c:pt>
-                <c:pt idx="3">
-                  <c:v>Kategorie 4</c:v>
-                </c:pt>
-              </c:strCache>
-            </c:strRef>
-          </c:cat>
-          <c:val>
-            <c:numRef>
-              <c:f>Tabelle1!$C$2:$C$5</c:f>
-              <c:numCache>
-                <c:formatCode>General</c:formatCode>
-                <c:ptCount val="4"/>
-                <c:pt idx="0">
-                  <c:v>2.4</c:v>
-                </c:pt>
-                <c:pt idx="1">
-                  <c:v>4.4000000000000004</c:v>
-                </c:pt>
-                <c:pt idx="2">
-                  <c:v>1.8</c:v>
-                </c:pt>
-                <c:pt idx="3">
-                  <c:v>2.8</c:v>
-                </c:pt>
-              </c:numCache>
-            </c:numRef>
-          </c:val>
-        </c:ser>
-        <c:ser>
-          <c:idx val="2"/>
-          <c:order val="2"/>
-          <c:tx>
-            <c:strRef>
-              <c:f>Tabelle1!$D$1</c:f>
-              <c:strCache>
-                <c:ptCount val="1"/>
-                <c:pt idx="0">
-                  <c:v>Datenreihe 3</c:v>
-                </c:pt>
-              </c:strCache>
-            </c:strRef>
-          </c:tx>
-          <c:spPr>
-            <a:solidFill>
-              <a:srgbClr val="7A6A51"/>
-            </a:solidFill>
-          </c:spPr>
-          <c:invertIfNegative val="0"/>
-          <c:cat>
-            <c:strRef>
-              <c:f>Tabelle1!$A$2:$A$5</c:f>
-              <c:strCache>
-                <c:ptCount val="4"/>
-                <c:pt idx="0">
-                  <c:v>Kategorie 1</c:v>
-                </c:pt>
-                <c:pt idx="1">
-                  <c:v>Kategorie 2</c:v>
-                </c:pt>
-                <c:pt idx="2">
-                  <c:v>Kategorie 3</c:v>
-                </c:pt>
-                <c:pt idx="3">
-                  <c:v>Kategorie 4</c:v>
-                </c:pt>
-              </c:strCache>
-            </c:strRef>
-          </c:cat>
-          <c:val>
-            <c:numRef>
-              <c:f>Tabelle1!$D$2:$D$5</c:f>
-              <c:numCache>
-                <c:formatCode>General</c:formatCode>
-                <c:ptCount val="4"/>
-                <c:pt idx="0">
-                  <c:v>2</c:v>
-                </c:pt>
-                <c:pt idx="1">
-                  <c:v>2</c:v>
-                </c:pt>
-                <c:pt idx="2">
-                  <c:v>3</c:v>
-                </c:pt>
-                <c:pt idx="3">
-                  <c:v>5</c:v>
-                </c:pt>
-              </c:numCache>
-            </c:numRef>
-          </c:val>
-        </c:ser>
-        <c:dLbls>
-          <c:showLegendKey val="0"/>
-          <c:showVal val="0"/>
-          <c:showCatName val="0"/>
-          <c:showSerName val="0"/>
-          <c:showPercent val="0"/>
-          <c:showBubbleSize val="0"/>
-        </c:dLbls>
-        <c:gapWidth val="150"/>
-        <c:axId val="294343608"/>
-        <c:axId val="294342432"/>
-      </c:barChart>
-      <c:catAx>
-        <c:axId val="294343608"/>
-        <c:scaling>
-          <c:orientation val="minMax"/>
-        </c:scaling>
-        <c:delete val="0"/>
-        <c:axPos val="b"/>
-        <c:numFmt formatCode="General" sourceLinked="0"/>
-        <c:majorTickMark val="out"/>
-        <c:minorTickMark val="none"/>
-        <c:tickLblPos val="nextTo"/>
-        <c:txPr>
-          <a:bodyPr/>
-          <a:lstStyle/>
-          <a:p>
-            <a:pPr>
-              <a:defRPr sz="1700"/>
-            </a:pPr>
-            <a:endParaRPr lang="en-US"/>
-          </a:p>
-        </c:txPr>
-        <c:crossAx val="294342432"/>
-        <c:crosses val="autoZero"/>
-        <c:auto val="1"/>
-        <c:lblAlgn val="ctr"/>
-        <c:lblOffset val="100"/>
-        <c:noMultiLvlLbl val="0"/>
-      </c:catAx>
-      <c:valAx>
-        <c:axId val="294342432"/>
-        <c:scaling>
-          <c:orientation val="minMax"/>
-        </c:scaling>
-        <c:delete val="0"/>
-        <c:axPos val="l"/>
-        <c:majorGridlines/>
-        <c:numFmt formatCode="General" sourceLinked="1"/>
-        <c:majorTickMark val="out"/>
-        <c:minorTickMark val="none"/>
-        <c:tickLblPos val="nextTo"/>
-        <c:crossAx val="294343608"/>
-        <c:crosses val="autoZero"/>
-        <c:crossBetween val="between"/>
-      </c:valAx>
-    </c:plotArea>
-    <c:legend>
-      <c:legendPos val="r"/>
-      <c:overlay val="0"/>
-      <c:txPr>
-        <a:bodyPr/>
-        <a:lstStyle/>
-        <a:p>
-          <a:pPr>
-            <a:defRPr sz="1700"/>
-          </a:pPr>
-          <a:endParaRPr lang="en-US"/>
-        </a:p>
-      </c:txPr>
-    </c:legend>
-    <c:plotVisOnly val="1"/>
-    <c:dispBlanksAs val="gap"/>
-    <c:showDLblsOverMax val="0"/>
-  </c:chart>
-  <c:txPr>
-    <a:bodyPr/>
-    <a:lstStyle/>
-    <a:p>
-      <a:pPr>
-        <a:defRPr sz="1800"/>
-      </a:pPr>
-      <a:endParaRPr lang="en-US"/>
-    </a:p>
-  </c:txPr>
-  <c:externalData r:id="rId2">
-    <c:autoUpdate val="0"/>
-  </c:externalData>
-</c:chartSpace>
-</file>
-
-<file path=ppt/charts/chart4.xml><?xml version="1.0" encoding="utf-8"?>
-<c:chartSpace xmlns:c="http://schemas.openxmlformats.org/drawingml/2006/chart" xmlns:a="http://schemas.openxmlformats.org/drawingml/2006/main" xmlns:r="http://schemas.openxmlformats.org/officeDocument/2006/relationships">
-  <c:date1904 val="0"/>
-  <c:lang val="en-US"/>
-  <c:roundedCorners val="0"/>
-  <mc:AlternateContent xmlns:mc="http://schemas.openxmlformats.org/markup-compatibility/2006">
-    <mc:Choice xmlns:c14="http://schemas.microsoft.com/office/drawing/2007/8/2/chart" Requires="c14">
-      <c14:style val="102"/>
-    </mc:Choice>
-    <mc:Fallback>
-      <c:style val="2"/>
-    </mc:Fallback>
-  </mc:AlternateContent>
-  <c:chart>
-    <c:title>
-      <c:overlay val="0"/>
-      <c:txPr>
-        <a:bodyPr/>
-        <a:lstStyle/>
-        <a:p>
-          <a:pPr>
-            <a:defRPr sz="1700"/>
-          </a:pPr>
-          <a:endParaRPr lang="en-US"/>
-        </a:p>
-      </c:txPr>
-    </c:title>
-    <c:autoTitleDeleted val="0"/>
-    <c:plotArea>
-      <c:layout/>
-      <c:pieChart>
-        <c:varyColors val="1"/>
-        <c:ser>
-          <c:idx val="0"/>
-          <c:order val="0"/>
-          <c:tx>
-            <c:strRef>
-              <c:f>Tabelle1!$B$1</c:f>
-              <c:strCache>
-                <c:ptCount val="1"/>
-                <c:pt idx="0">
-                  <c:v>Verkauf</c:v>
-                </c:pt>
-              </c:strCache>
-            </c:strRef>
-          </c:tx>
-          <c:dPt>
-            <c:idx val="0"/>
-            <c:bubble3D val="0"/>
-            <c:spPr>
-              <a:solidFill>
-                <a:schemeClr val="accent1"/>
-              </a:solidFill>
-              <a:ln>
-                <a:solidFill>
-                  <a:schemeClr val="accent1"/>
-                </a:solidFill>
-              </a:ln>
-            </c:spPr>
-          </c:dPt>
-          <c:dPt>
-            <c:idx val="1"/>
-            <c:bubble3D val="0"/>
-            <c:spPr>
-              <a:solidFill>
-                <a:schemeClr val="accent5"/>
-              </a:solidFill>
-            </c:spPr>
-          </c:dPt>
-          <c:dPt>
-            <c:idx val="2"/>
-            <c:bubble3D val="0"/>
-            <c:spPr>
-              <a:solidFill>
-                <a:schemeClr val="accent4"/>
-              </a:solidFill>
-            </c:spPr>
-          </c:dPt>
-          <c:dPt>
-            <c:idx val="3"/>
-            <c:bubble3D val="0"/>
-            <c:spPr>
-              <a:solidFill>
-                <a:schemeClr val="accent6"/>
-              </a:solidFill>
-            </c:spPr>
-          </c:dPt>
-          <c:cat>
-            <c:strRef>
-              <c:f>Tabelle1!$A$2:$A$5</c:f>
-              <c:strCache>
-                <c:ptCount val="4"/>
-                <c:pt idx="0">
-                  <c:v>1. Quartal</c:v>
-                </c:pt>
-                <c:pt idx="1">
-                  <c:v>2. Quartal</c:v>
-                </c:pt>
-                <c:pt idx="2">
-                  <c:v>3. Quartal</c:v>
-                </c:pt>
-                <c:pt idx="3">
-                  <c:v>4. Quartal</c:v>
-                </c:pt>
-              </c:strCache>
-            </c:strRef>
-          </c:cat>
-          <c:val>
-            <c:numRef>
-              <c:f>Tabelle1!$B$2:$B$5</c:f>
-              <c:numCache>
-                <c:formatCode>General</c:formatCode>
-                <c:ptCount val="4"/>
-                <c:pt idx="0">
-                  <c:v>8.2000000000000011</c:v>
-                </c:pt>
-                <c:pt idx="1">
-                  <c:v>3.2</c:v>
-                </c:pt>
-                <c:pt idx="2">
-                  <c:v>1.4</c:v>
-                </c:pt>
-                <c:pt idx="3">
-                  <c:v>1.2</c:v>
-                </c:pt>
-              </c:numCache>
-            </c:numRef>
-          </c:val>
-        </c:ser>
-        <c:dLbls>
-          <c:showLegendKey val="0"/>
-          <c:showVal val="0"/>
-          <c:showCatName val="0"/>
-          <c:showSerName val="0"/>
-          <c:showPercent val="0"/>
-          <c:showBubbleSize val="0"/>
-          <c:showLeaderLines val="1"/>
-        </c:dLbls>
-        <c:firstSliceAng val="0"/>
-      </c:pieChart>
-    </c:plotArea>
-    <c:legend>
-      <c:legendPos val="r"/>
-      <c:layout>
-        <c:manualLayout>
-          <c:xMode val="edge"/>
-          <c:yMode val="edge"/>
-          <c:x val="0.74602074353858727"/>
-          <c:y val="0.40549438978263114"/>
-          <c:w val="0.15958854079410309"/>
-          <c:h val="0.27281500833676731"/>
-        </c:manualLayout>
-      </c:layout>
-      <c:overlay val="0"/>
-      <c:txPr>
-        <a:bodyPr/>
-        <a:lstStyle/>
-        <a:p>
-          <a:pPr>
-            <a:defRPr sz="1700"/>
-          </a:pPr>
-          <a:endParaRPr lang="en-US"/>
-        </a:p>
-      </c:txPr>
-    </c:legend>
-    <c:plotVisOnly val="1"/>
-    <c:dispBlanksAs val="zero"/>
-    <c:showDLblsOverMax val="0"/>
-  </c:chart>
-  <c:txPr>
-    <a:bodyPr/>
-    <a:lstStyle/>
-    <a:p>
-      <a:pPr>
-        <a:defRPr sz="1800"/>
-      </a:pPr>
-      <a:endParaRPr lang="en-US"/>
-    </a:p>
-  </c:txPr>
-  <c:externalData r:id="rId1">
-    <c:autoUpdate val="0"/>
-  </c:externalData>
-</c:chartSpace>
 </file>
 
 <file path=ppt/handoutMasters/handoutMaster1.xml><?xml version="1.0" encoding="utf-8"?>
@@ -1279,7 +308,7 @@
           <a:p>
             <a:fld id="{F8632770-F47B-49A8-A654-7D2712296F2E}" type="slidenum">
               <a:rPr lang="de-CH" smtClean="0"/>
-              <a:t>‹#›</a:t>
+              <a:t>‹Nr.›</a:t>
             </a:fld>
             <a:endParaRPr lang="de-CH"/>
           </a:p>
@@ -1539,7 +568,7 @@
             <a:fld id="{030F1662-E304-472D-9055-62419893CD52}" type="slidenum">
               <a:rPr lang="de-CH" smtClean="0"/>
               <a:pPr/>
-              <a:t>‹#›</a:t>
+              <a:t>‹Nr.›</a:t>
             </a:fld>
             <a:endParaRPr lang="de-CH"/>
           </a:p>
@@ -1763,91 +792,6 @@
 </p:notes>
 </file>
 
-<file path=ppt/notesSlides/notesSlide2.xml><?xml version="1.0" encoding="utf-8"?>
-<p:notes xmlns:a="http://schemas.openxmlformats.org/drawingml/2006/main" xmlns:r="http://schemas.openxmlformats.org/officeDocument/2006/relationships" xmlns:p="http://schemas.openxmlformats.org/presentationml/2006/main">
-  <p:cSld>
-    <p:spTree>
-      <p:nvGrpSpPr>
-        <p:cNvPr id="1" name=""/>
-        <p:cNvGrpSpPr/>
-        <p:nvPr/>
-      </p:nvGrpSpPr>
-      <p:grpSpPr>
-        <a:xfrm>
-          <a:off x="0" y="0"/>
-          <a:ext cx="0" cy="0"/>
-          <a:chOff x="0" y="0"/>
-          <a:chExt cx="0" cy="0"/>
-        </a:xfrm>
-      </p:grpSpPr>
-      <p:sp>
-        <p:nvSpPr>
-          <p:cNvPr id="2" name="Folienbildplatzhalter 1"/>
-          <p:cNvSpPr>
-            <a:spLocks noGrp="1" noRot="1" noChangeAspect="1"/>
-          </p:cNvSpPr>
-          <p:nvPr>
-            <p:ph type="sldImg"/>
-          </p:nvPr>
-        </p:nvSpPr>
-        <p:spPr/>
-      </p:sp>
-      <p:sp>
-        <p:nvSpPr>
-          <p:cNvPr id="3" name="Notizenplatzhalter 2"/>
-          <p:cNvSpPr>
-            <a:spLocks noGrp="1"/>
-          </p:cNvSpPr>
-          <p:nvPr>
-            <p:ph type="body" idx="1"/>
-          </p:nvPr>
-        </p:nvSpPr>
-        <p:spPr/>
-        <p:txBody>
-          <a:bodyPr/>
-          <a:lstStyle/>
-          <a:p>
-            <a:endParaRPr lang="de-CH" dirty="0"/>
-          </a:p>
-        </p:txBody>
-      </p:sp>
-      <p:sp>
-        <p:nvSpPr>
-          <p:cNvPr id="4" name="Foliennummernplatzhalter 3"/>
-          <p:cNvSpPr>
-            <a:spLocks noGrp="1"/>
-          </p:cNvSpPr>
-          <p:nvPr>
-            <p:ph type="sldNum" sz="quarter" idx="10"/>
-          </p:nvPr>
-        </p:nvSpPr>
-        <p:spPr/>
-        <p:txBody>
-          <a:bodyPr/>
-          <a:lstStyle/>
-          <a:p>
-            <a:fld id="{030F1662-E304-472D-9055-62419893CD52}" type="slidenum">
-              <a:rPr lang="de-CH" smtClean="0"/>
-              <a:pPr/>
-              <a:t>21</a:t>
-            </a:fld>
-            <a:endParaRPr lang="de-CH"/>
-          </a:p>
-        </p:txBody>
-      </p:sp>
-    </p:spTree>
-    <p:extLst>
-      <p:ext uri="{BB962C8B-B14F-4D97-AF65-F5344CB8AC3E}">
-        <p14:creationId xmlns:p14="http://schemas.microsoft.com/office/powerpoint/2010/main" val="861858200"/>
-      </p:ext>
-    </p:extLst>
-  </p:cSld>
-  <p:clrMapOvr>
-    <a:masterClrMapping/>
-  </p:clrMapOvr>
-</p:notes>
-</file>
-
 <file path=ppt/slideLayouts/slideLayout1.xml><?xml version="1.0" encoding="utf-8"?>
 <p:sldLayout xmlns:a="http://schemas.openxmlformats.org/drawingml/2006/main" xmlns:r="http://schemas.openxmlformats.org/officeDocument/2006/relationships" xmlns:p="http://schemas.openxmlformats.org/presentationml/2006/main" preserve="1" userDrawn="1">
   <p:cSld name="Haupttitelfolie">
@@ -3011,7 +1955,7 @@
             <a:fld id="{6CB3B594-2801-4864-9089-E42463258A4B}" type="slidenum">
               <a:rPr lang="de-CH" smtClean="0"/>
               <a:pPr/>
-              <a:t>‹#›</a:t>
+              <a:t>‹Nr.›</a:t>
             </a:fld>
             <a:endParaRPr lang="de-CH"/>
           </a:p>
@@ -3450,7 +2394,7 @@
             <a:fld id="{6CB3B594-2801-4864-9089-E42463258A4B}" type="slidenum">
               <a:rPr lang="de-CH" smtClean="0"/>
               <a:pPr/>
-              <a:t>‹#›</a:t>
+              <a:t>‹Nr.›</a:t>
             </a:fld>
             <a:endParaRPr lang="de-CH"/>
           </a:p>
@@ -4022,7 +2966,7 @@
             <a:fld id="{6CB3B594-2801-4864-9089-E42463258A4B}" type="slidenum">
               <a:rPr lang="de-CH" smtClean="0"/>
               <a:pPr/>
-              <a:t>‹#›</a:t>
+              <a:t>‹Nr.›</a:t>
             </a:fld>
             <a:endParaRPr lang="de-CH"/>
           </a:p>
@@ -4288,7 +3232,7 @@
             <a:fld id="{6CB3B594-2801-4864-9089-E42463258A4B}" type="slidenum">
               <a:rPr lang="de-CH" smtClean="0"/>
               <a:pPr/>
-              <a:t>‹#›</a:t>
+              <a:t>‹Nr.›</a:t>
             </a:fld>
             <a:endParaRPr lang="de-CH"/>
           </a:p>
@@ -4561,7 +3505,7 @@
             <a:fld id="{6CB3B594-2801-4864-9089-E42463258A4B}" type="slidenum">
               <a:rPr lang="de-CH" smtClean="0"/>
               <a:pPr/>
-              <a:t>‹#›</a:t>
+              <a:t>‹Nr.›</a:t>
             </a:fld>
             <a:endParaRPr lang="de-CH"/>
           </a:p>
@@ -4885,7 +3829,7 @@
             <a:fld id="{6CB3B594-2801-4864-9089-E42463258A4B}" type="slidenum">
               <a:rPr lang="de-CH" smtClean="0"/>
               <a:pPr/>
-              <a:t>‹#›</a:t>
+              <a:t>‹Nr.›</a:t>
             </a:fld>
             <a:endParaRPr lang="de-CH"/>
           </a:p>
@@ -5674,511 +4618,84 @@
           <a:lstStyle/>
           <a:p>
             <a:r>
+              <a:rPr lang="de-CH" smtClean="0"/>
+              <a:t>Inhaltsverzeichnis</a:t>
+            </a:r>
+            <a:endParaRPr lang="de-CH" dirty="0"/>
+          </a:p>
+        </p:txBody>
+      </p:sp>
+      <p:sp>
+        <p:nvSpPr>
+          <p:cNvPr id="3" name="Inhaltsplatzhalter 2"/>
+          <p:cNvSpPr>
+            <a:spLocks noGrp="1"/>
+          </p:cNvSpPr>
+          <p:nvPr>
+            <p:ph sz="quarter" idx="13"/>
+          </p:nvPr>
+        </p:nvSpPr>
+        <p:spPr/>
+        <p:txBody>
+          <a:bodyPr/>
+          <a:lstStyle/>
+          <a:p>
+            <a:r>
+              <a:rPr lang="de-CH" dirty="0" smtClean="0">
+                <a:solidFill>
+                  <a:srgbClr val="C6C7C8"/>
+                </a:solidFill>
+              </a:rPr>
+              <a:t>Pen Tracking</a:t>
+            </a:r>
+          </a:p>
+          <a:p>
+            <a:r>
               <a:rPr lang="de-CH" dirty="0" smtClean="0"/>
-              <a:t>Performance</a:t>
-            </a:r>
+              <a:t>Kalibrierung</a:t>
+            </a:r>
+          </a:p>
+          <a:p>
+            <a:r>
+              <a:rPr lang="de-CH" dirty="0" smtClean="0">
+                <a:solidFill>
+                  <a:srgbClr val="C6C7C8"/>
+                </a:solidFill>
+              </a:rPr>
+              <a:t>Architektur</a:t>
+            </a:r>
+            <a:endParaRPr lang="de-CH" dirty="0">
+              <a:solidFill>
+                <a:srgbClr val="C6C7C8"/>
+              </a:solidFill>
+            </a:endParaRPr>
+          </a:p>
+          <a:p>
+            <a:r>
+              <a:rPr lang="de-CH" dirty="0" smtClean="0">
+                <a:solidFill>
+                  <a:srgbClr val="C6C7C8"/>
+                </a:solidFill>
+              </a:rPr>
+              <a:t>Ausblick</a:t>
+            </a:r>
+            <a:endParaRPr lang="de-CH" dirty="0">
+              <a:solidFill>
+                <a:srgbClr val="C6C7C8"/>
+              </a:solidFill>
+            </a:endParaRPr>
+          </a:p>
+          <a:p>
+            <a:endParaRPr lang="de-CH" dirty="0" smtClean="0"/>
+          </a:p>
+          <a:p>
+            <a:endParaRPr lang="de-CH" dirty="0" smtClean="0"/>
+          </a:p>
+          <a:p>
             <a:endParaRPr lang="de-CH" dirty="0"/>
           </a:p>
         </p:txBody>
       </p:sp>
-      <p:graphicFrame>
-        <p:nvGraphicFramePr>
-          <p:cNvPr id="6" name="Inhaltsplatzhalter 5"/>
-          <p:cNvGraphicFramePr>
-            <a:graphicFrameLocks noGrp="1"/>
-          </p:cNvGraphicFramePr>
-          <p:nvPr>
-            <p:ph sz="quarter" idx="13"/>
-            <p:extLst>
-              <p:ext uri="{D42A27DB-BD31-4B8C-83A1-F6EECF244321}">
-                <p14:modId xmlns:p14="http://schemas.microsoft.com/office/powerpoint/2010/main" val="403258377"/>
-              </p:ext>
-            </p:extLst>
-          </p:nvPr>
-        </p:nvGraphicFramePr>
-        <p:xfrm>
-          <a:off x="811416" y="1166813"/>
-          <a:ext cx="7416058" cy="2595880"/>
-        </p:xfrm>
-        <a:graphic>
-          <a:graphicData uri="http://schemas.openxmlformats.org/drawingml/2006/table">
-            <a:tbl>
-              <a:tblPr firstRow="1" bandRow="1">
-                <a:tableStyleId>{2D5ABB26-0587-4C30-8999-92F81FD0307C}</a:tableStyleId>
-              </a:tblPr>
-              <a:tblGrid>
-                <a:gridCol w="3708029"/>
-                <a:gridCol w="3708029"/>
-              </a:tblGrid>
-              <a:tr h="370840">
-                <a:tc>
-                  <a:txBody>
-                    <a:bodyPr/>
-                    <a:lstStyle/>
-                    <a:p>
-                      <a:pPr marL="0" indent="0"/>
-                      <a:r>
-                        <a:rPr lang="de-CH" sz="1700" b="1" dirty="0" smtClean="0"/>
-                        <a:t>Beispieltext</a:t>
-                      </a:r>
-                      <a:endParaRPr lang="de-CH" sz="1700" b="1" dirty="0"/>
-                    </a:p>
-                  </a:txBody>
-                  <a:tcPr marL="0">
-                    <a:lnB w="12700" cap="flat" cmpd="sng" algn="ctr">
-                      <a:solidFill>
-                        <a:schemeClr val="tx1"/>
-                      </a:solidFill>
-                      <a:prstDash val="solid"/>
-                      <a:round/>
-                      <a:headEnd type="none" w="med" len="med"/>
-                      <a:tailEnd type="none" w="med" len="med"/>
-                    </a:lnB>
-                  </a:tcPr>
-                </a:tc>
-                <a:tc>
-                  <a:txBody>
-                    <a:bodyPr/>
-                    <a:lstStyle/>
-                    <a:p>
-                      <a:r>
-                        <a:rPr lang="de-CH" sz="1700" dirty="0" smtClean="0"/>
-                        <a:t>Beispieltext</a:t>
-                      </a:r>
-                      <a:endParaRPr lang="de-CH" sz="1700" dirty="0"/>
-                    </a:p>
-                  </a:txBody>
-                  <a:tcPr marL="0">
-                    <a:lnB w="12700" cap="flat" cmpd="sng" algn="ctr">
-                      <a:solidFill>
-                        <a:schemeClr val="tx1"/>
-                      </a:solidFill>
-                      <a:prstDash val="solid"/>
-                      <a:round/>
-                      <a:headEnd type="none" w="med" len="med"/>
-                      <a:tailEnd type="none" w="med" len="med"/>
-                    </a:lnB>
-                  </a:tcPr>
-                </a:tc>
-              </a:tr>
-              <a:tr h="370840">
-                <a:tc>
-                  <a:txBody>
-                    <a:bodyPr/>
-                    <a:lstStyle/>
-                    <a:p>
-                      <a:pPr marL="0" indent="0"/>
-                      <a:r>
-                        <a:rPr lang="de-CH" sz="1700" b="1" dirty="0" smtClean="0"/>
-                        <a:t>Beispieltext</a:t>
-                      </a:r>
-                      <a:endParaRPr lang="de-CH" sz="1700" b="1" dirty="0"/>
-                    </a:p>
-                  </a:txBody>
-                  <a:tcPr marL="0">
-                    <a:lnT w="12700" cap="flat" cmpd="sng" algn="ctr">
-                      <a:solidFill>
-                        <a:schemeClr val="tx1"/>
-                      </a:solidFill>
-                      <a:prstDash val="solid"/>
-                      <a:round/>
-                      <a:headEnd type="none" w="med" len="med"/>
-                      <a:tailEnd type="none" w="med" len="med"/>
-                    </a:lnT>
-                    <a:lnB w="12700" cap="flat" cmpd="sng" algn="ctr">
-                      <a:solidFill>
-                        <a:schemeClr val="tx1"/>
-                      </a:solidFill>
-                      <a:prstDash val="solid"/>
-                      <a:round/>
-                      <a:headEnd type="none" w="med" len="med"/>
-                      <a:tailEnd type="none" w="med" len="med"/>
-                    </a:lnB>
-                  </a:tcPr>
-                </a:tc>
-                <a:tc>
-                  <a:txBody>
-                    <a:bodyPr/>
-                    <a:lstStyle/>
-                    <a:p>
-                      <a:r>
-                        <a:rPr lang="de-CH" sz="1700" dirty="0" smtClean="0"/>
-                        <a:t>Beispieltext</a:t>
-                      </a:r>
-                      <a:endParaRPr lang="de-CH" sz="1700" dirty="0"/>
-                    </a:p>
-                  </a:txBody>
-                  <a:tcPr marL="0">
-                    <a:lnT w="12700" cap="flat" cmpd="sng" algn="ctr">
-                      <a:solidFill>
-                        <a:schemeClr val="tx1"/>
-                      </a:solidFill>
-                      <a:prstDash val="solid"/>
-                      <a:round/>
-                      <a:headEnd type="none" w="med" len="med"/>
-                      <a:tailEnd type="none" w="med" len="med"/>
-                    </a:lnT>
-                    <a:lnB w="12700" cap="flat" cmpd="sng" algn="ctr">
-                      <a:solidFill>
-                        <a:schemeClr val="tx1"/>
-                      </a:solidFill>
-                      <a:prstDash val="solid"/>
-                      <a:round/>
-                      <a:headEnd type="none" w="med" len="med"/>
-                      <a:tailEnd type="none" w="med" len="med"/>
-                    </a:lnB>
-                  </a:tcPr>
-                </a:tc>
-              </a:tr>
-              <a:tr h="370840">
-                <a:tc>
-                  <a:txBody>
-                    <a:bodyPr/>
-                    <a:lstStyle/>
-                    <a:p>
-                      <a:pPr marL="0" indent="0"/>
-                      <a:r>
-                        <a:rPr lang="de-CH" sz="1700" b="1" dirty="0" smtClean="0"/>
-                        <a:t>Beispieltext</a:t>
-                      </a:r>
-                      <a:endParaRPr lang="de-CH" sz="1700" b="1" dirty="0"/>
-                    </a:p>
-                  </a:txBody>
-                  <a:tcPr marL="0">
-                    <a:lnT w="12700" cap="flat" cmpd="sng" algn="ctr">
-                      <a:solidFill>
-                        <a:schemeClr val="tx1"/>
-                      </a:solidFill>
-                      <a:prstDash val="solid"/>
-                      <a:round/>
-                      <a:headEnd type="none" w="med" len="med"/>
-                      <a:tailEnd type="none" w="med" len="med"/>
-                    </a:lnT>
-                    <a:lnB w="12700" cap="flat" cmpd="sng" algn="ctr">
-                      <a:solidFill>
-                        <a:schemeClr val="tx1"/>
-                      </a:solidFill>
-                      <a:prstDash val="solid"/>
-                      <a:round/>
-                      <a:headEnd type="none" w="med" len="med"/>
-                      <a:tailEnd type="none" w="med" len="med"/>
-                    </a:lnB>
-                  </a:tcPr>
-                </a:tc>
-                <a:tc>
-                  <a:txBody>
-                    <a:bodyPr/>
-                    <a:lstStyle/>
-                    <a:p>
-                      <a:r>
-                        <a:rPr lang="de-CH" sz="1700" dirty="0" smtClean="0"/>
-                        <a:t>Beispieltext</a:t>
-                      </a:r>
-                      <a:endParaRPr lang="de-CH" sz="1700" dirty="0"/>
-                    </a:p>
-                  </a:txBody>
-                  <a:tcPr marL="0">
-                    <a:lnT w="12700" cap="flat" cmpd="sng" algn="ctr">
-                      <a:solidFill>
-                        <a:schemeClr val="tx1"/>
-                      </a:solidFill>
-                      <a:prstDash val="solid"/>
-                      <a:round/>
-                      <a:headEnd type="none" w="med" len="med"/>
-                      <a:tailEnd type="none" w="med" len="med"/>
-                    </a:lnT>
-                    <a:lnB w="12700" cap="flat" cmpd="sng" algn="ctr">
-                      <a:solidFill>
-                        <a:schemeClr val="tx1"/>
-                      </a:solidFill>
-                      <a:prstDash val="solid"/>
-                      <a:round/>
-                      <a:headEnd type="none" w="med" len="med"/>
-                      <a:tailEnd type="none" w="med" len="med"/>
-                    </a:lnB>
-                  </a:tcPr>
-                </a:tc>
-              </a:tr>
-              <a:tr h="370840">
-                <a:tc>
-                  <a:txBody>
-                    <a:bodyPr/>
-                    <a:lstStyle/>
-                    <a:p>
-                      <a:pPr marL="0" indent="0"/>
-                      <a:r>
-                        <a:rPr lang="de-CH" sz="1700" b="1" dirty="0" smtClean="0"/>
-                        <a:t>Beispieltext</a:t>
-                      </a:r>
-                      <a:endParaRPr lang="de-CH" sz="1700" b="1" dirty="0"/>
-                    </a:p>
-                  </a:txBody>
-                  <a:tcPr marL="0">
-                    <a:lnT w="12700" cap="flat" cmpd="sng" algn="ctr">
-                      <a:solidFill>
-                        <a:schemeClr val="tx1"/>
-                      </a:solidFill>
-                      <a:prstDash val="solid"/>
-                      <a:round/>
-                      <a:headEnd type="none" w="med" len="med"/>
-                      <a:tailEnd type="none" w="med" len="med"/>
-                    </a:lnT>
-                    <a:lnB w="12700" cap="flat" cmpd="sng" algn="ctr">
-                      <a:solidFill>
-                        <a:schemeClr val="tx1"/>
-                      </a:solidFill>
-                      <a:prstDash val="solid"/>
-                      <a:round/>
-                      <a:headEnd type="none" w="med" len="med"/>
-                      <a:tailEnd type="none" w="med" len="med"/>
-                    </a:lnB>
-                  </a:tcPr>
-                </a:tc>
-                <a:tc>
-                  <a:txBody>
-                    <a:bodyPr/>
-                    <a:lstStyle/>
-                    <a:p>
-                      <a:r>
-                        <a:rPr lang="de-CH" sz="1700" dirty="0" smtClean="0"/>
-                        <a:t>Beispieltext</a:t>
-                      </a:r>
-                      <a:endParaRPr lang="de-CH" sz="1700" dirty="0"/>
-                    </a:p>
-                  </a:txBody>
-                  <a:tcPr marL="0">
-                    <a:lnT w="12700" cap="flat" cmpd="sng" algn="ctr">
-                      <a:solidFill>
-                        <a:schemeClr val="tx1"/>
-                      </a:solidFill>
-                      <a:prstDash val="solid"/>
-                      <a:round/>
-                      <a:headEnd type="none" w="med" len="med"/>
-                      <a:tailEnd type="none" w="med" len="med"/>
-                    </a:lnT>
-                    <a:lnB w="12700" cap="flat" cmpd="sng" algn="ctr">
-                      <a:solidFill>
-                        <a:schemeClr val="tx1"/>
-                      </a:solidFill>
-                      <a:prstDash val="solid"/>
-                      <a:round/>
-                      <a:headEnd type="none" w="med" len="med"/>
-                      <a:tailEnd type="none" w="med" len="med"/>
-                    </a:lnB>
-                  </a:tcPr>
-                </a:tc>
-              </a:tr>
-              <a:tr h="370840">
-                <a:tc>
-                  <a:txBody>
-                    <a:bodyPr/>
-                    <a:lstStyle/>
-                    <a:p>
-                      <a:pPr marL="0" indent="0"/>
-                      <a:r>
-                        <a:rPr lang="de-CH" sz="1700" b="1" dirty="0" smtClean="0"/>
-                        <a:t>Beispieltext</a:t>
-                      </a:r>
-                      <a:endParaRPr lang="de-CH" sz="1700" b="1" dirty="0"/>
-                    </a:p>
-                  </a:txBody>
-                  <a:tcPr marL="0">
-                    <a:lnT w="12700" cap="flat" cmpd="sng" algn="ctr">
-                      <a:solidFill>
-                        <a:schemeClr val="tx1"/>
-                      </a:solidFill>
-                      <a:prstDash val="solid"/>
-                      <a:round/>
-                      <a:headEnd type="none" w="med" len="med"/>
-                      <a:tailEnd type="none" w="med" len="med"/>
-                    </a:lnT>
-                    <a:lnB w="12700" cap="flat" cmpd="sng" algn="ctr">
-                      <a:solidFill>
-                        <a:schemeClr val="tx1"/>
-                      </a:solidFill>
-                      <a:prstDash val="solid"/>
-                      <a:round/>
-                      <a:headEnd type="none" w="med" len="med"/>
-                      <a:tailEnd type="none" w="med" len="med"/>
-                    </a:lnB>
-                  </a:tcPr>
-                </a:tc>
-                <a:tc>
-                  <a:txBody>
-                    <a:bodyPr/>
-                    <a:lstStyle/>
-                    <a:p>
-                      <a:r>
-                        <a:rPr lang="de-CH" sz="1700" dirty="0" smtClean="0"/>
-                        <a:t>Beispieltext</a:t>
-                      </a:r>
-                      <a:endParaRPr lang="de-CH" sz="1700" dirty="0"/>
-                    </a:p>
-                  </a:txBody>
-                  <a:tcPr marL="0">
-                    <a:lnT w="12700" cap="flat" cmpd="sng" algn="ctr">
-                      <a:solidFill>
-                        <a:schemeClr val="tx1"/>
-                      </a:solidFill>
-                      <a:prstDash val="solid"/>
-                      <a:round/>
-                      <a:headEnd type="none" w="med" len="med"/>
-                      <a:tailEnd type="none" w="med" len="med"/>
-                    </a:lnT>
-                    <a:lnB w="12700" cap="flat" cmpd="sng" algn="ctr">
-                      <a:solidFill>
-                        <a:schemeClr val="tx1"/>
-                      </a:solidFill>
-                      <a:prstDash val="solid"/>
-                      <a:round/>
-                      <a:headEnd type="none" w="med" len="med"/>
-                      <a:tailEnd type="none" w="med" len="med"/>
-                    </a:lnB>
-                  </a:tcPr>
-                </a:tc>
-              </a:tr>
-              <a:tr h="370840">
-                <a:tc>
-                  <a:txBody>
-                    <a:bodyPr/>
-                    <a:lstStyle/>
-                    <a:p>
-                      <a:pPr marL="0" indent="0"/>
-                      <a:r>
-                        <a:rPr lang="de-CH" sz="1700" b="1" dirty="0" smtClean="0"/>
-                        <a:t>Beispieltext</a:t>
-                      </a:r>
-                      <a:endParaRPr lang="de-CH" sz="1700" b="1" dirty="0"/>
-                    </a:p>
-                  </a:txBody>
-                  <a:tcPr marL="0">
-                    <a:lnT w="12700" cap="flat" cmpd="sng" algn="ctr">
-                      <a:solidFill>
-                        <a:schemeClr val="tx1"/>
-                      </a:solidFill>
-                      <a:prstDash val="solid"/>
-                      <a:round/>
-                      <a:headEnd type="none" w="med" len="med"/>
-                      <a:tailEnd type="none" w="med" len="med"/>
-                    </a:lnT>
-                    <a:lnB w="12700" cap="flat" cmpd="sng" algn="ctr">
-                      <a:solidFill>
-                        <a:schemeClr val="tx1"/>
-                      </a:solidFill>
-                      <a:prstDash val="solid"/>
-                      <a:round/>
-                      <a:headEnd type="none" w="med" len="med"/>
-                      <a:tailEnd type="none" w="med" len="med"/>
-                    </a:lnB>
-                  </a:tcPr>
-                </a:tc>
-                <a:tc>
-                  <a:txBody>
-                    <a:bodyPr/>
-                    <a:lstStyle/>
-                    <a:p>
-                      <a:r>
-                        <a:rPr lang="de-CH" sz="1700" dirty="0" smtClean="0"/>
-                        <a:t>Beispieltext</a:t>
-                      </a:r>
-                      <a:endParaRPr lang="de-CH" sz="1700" dirty="0"/>
-                    </a:p>
-                  </a:txBody>
-                  <a:tcPr marL="0">
-                    <a:lnT w="12700" cap="flat" cmpd="sng" algn="ctr">
-                      <a:solidFill>
-                        <a:schemeClr val="tx1"/>
-                      </a:solidFill>
-                      <a:prstDash val="solid"/>
-                      <a:round/>
-                      <a:headEnd type="none" w="med" len="med"/>
-                      <a:tailEnd type="none" w="med" len="med"/>
-                    </a:lnT>
-                    <a:lnB w="12700" cap="flat" cmpd="sng" algn="ctr">
-                      <a:solidFill>
-                        <a:schemeClr val="tx1"/>
-                      </a:solidFill>
-                      <a:prstDash val="solid"/>
-                      <a:round/>
-                      <a:headEnd type="none" w="med" len="med"/>
-                      <a:tailEnd type="none" w="med" len="med"/>
-                    </a:lnB>
-                  </a:tcPr>
-                </a:tc>
-              </a:tr>
-              <a:tr h="370840">
-                <a:tc>
-                  <a:txBody>
-                    <a:bodyPr/>
-                    <a:lstStyle/>
-                    <a:p>
-                      <a:pPr marL="0" indent="0"/>
-                      <a:r>
-                        <a:rPr lang="de-CH" sz="1700" b="1" dirty="0" smtClean="0"/>
-                        <a:t>Beispieltext</a:t>
-                      </a:r>
-                      <a:endParaRPr lang="de-CH" sz="1700" b="1" dirty="0"/>
-                    </a:p>
-                  </a:txBody>
-                  <a:tcPr marL="0">
-                    <a:lnT w="12700" cap="flat" cmpd="sng" algn="ctr">
-                      <a:solidFill>
-                        <a:schemeClr val="tx1"/>
-                      </a:solidFill>
-                      <a:prstDash val="solid"/>
-                      <a:round/>
-                      <a:headEnd type="none" w="med" len="med"/>
-                      <a:tailEnd type="none" w="med" len="med"/>
-                    </a:lnT>
-                    <a:lnB w="12700" cap="flat" cmpd="sng" algn="ctr">
-                      <a:solidFill>
-                        <a:schemeClr val="tx1"/>
-                      </a:solidFill>
-                      <a:prstDash val="solid"/>
-                      <a:round/>
-                      <a:headEnd type="none" w="med" len="med"/>
-                      <a:tailEnd type="none" w="med" len="med"/>
-                    </a:lnB>
-                  </a:tcPr>
-                </a:tc>
-                <a:tc>
-                  <a:txBody>
-                    <a:bodyPr/>
-                    <a:lstStyle/>
-                    <a:p>
-                      <a:r>
-                        <a:rPr lang="de-CH" sz="1700" dirty="0" smtClean="0"/>
-                        <a:t>Beispieltext</a:t>
-                      </a:r>
-                      <a:endParaRPr lang="de-CH" sz="1700" dirty="0"/>
-                    </a:p>
-                  </a:txBody>
-                  <a:tcPr marL="0">
-                    <a:lnT w="12700" cap="flat" cmpd="sng" algn="ctr">
-                      <a:solidFill>
-                        <a:schemeClr val="tx1"/>
-                      </a:solidFill>
-                      <a:prstDash val="solid"/>
-                      <a:round/>
-                      <a:headEnd type="none" w="med" len="med"/>
-                      <a:tailEnd type="none" w="med" len="med"/>
-                    </a:lnT>
-                    <a:lnB w="12700" cap="flat" cmpd="sng" algn="ctr">
-                      <a:solidFill>
-                        <a:schemeClr val="tx1"/>
-                      </a:solidFill>
-                      <a:prstDash val="solid"/>
-                      <a:round/>
-                      <a:headEnd type="none" w="med" len="med"/>
-                      <a:tailEnd type="none" w="med" len="med"/>
-                    </a:lnB>
-                  </a:tcPr>
-                </a:tc>
-              </a:tr>
-            </a:tbl>
-          </a:graphicData>
-        </a:graphic>
-      </p:graphicFrame>
       <p:sp>
         <p:nvSpPr>
           <p:cNvPr id="4" name="Fußzeilenplatzhalter 3"/>
@@ -6241,7 +4758,7 @@
     </p:spTree>
     <p:extLst>
       <p:ext uri="{BB962C8B-B14F-4D97-AF65-F5344CB8AC3E}">
-        <p14:creationId xmlns:p14="http://schemas.microsoft.com/office/powerpoint/2010/main" val="434413676"/>
+        <p14:creationId xmlns:p14="http://schemas.microsoft.com/office/powerpoint/2010/main" val="1235909534"/>
       </p:ext>
     </p:extLst>
   </p:cSld>
@@ -6291,8 +4808,8 @@
           <a:lstStyle/>
           <a:p>
             <a:r>
-              <a:rPr lang="de-CH" smtClean="0"/>
-              <a:t>Inhaltsverzeichnis</a:t>
+              <a:rPr lang="de-CH" dirty="0" smtClean="0"/>
+              <a:t>Kalibrierung </a:t>
             </a:r>
             <a:endParaRPr lang="de-CH" dirty="0"/>
           </a:p>
@@ -6314,58 +4831,77 @@
           <a:lstStyle/>
           <a:p>
             <a:r>
-              <a:rPr lang="de-CH" dirty="0" smtClean="0">
-                <a:solidFill>
-                  <a:srgbClr val="C6C7C8"/>
-                </a:solidFill>
-              </a:rPr>
-              <a:t>Pen Tracking</a:t>
-            </a:r>
-          </a:p>
-          <a:p>
-            <a:r>
               <a:rPr lang="de-CH" dirty="0" smtClean="0"/>
-              <a:t>Kalibrierung</a:t>
-            </a:r>
-          </a:p>
-          <a:p>
-            <a:r>
-              <a:rPr lang="de-CH" dirty="0" smtClean="0">
-                <a:solidFill>
-                  <a:srgbClr val="C6C7C8"/>
-                </a:solidFill>
-              </a:rPr>
-              <a:t>Architektur</a:t>
-            </a:r>
-            <a:endParaRPr lang="de-CH" dirty="0">
-              <a:solidFill>
-                <a:srgbClr val="C6C7C8"/>
-              </a:solidFill>
-            </a:endParaRPr>
-          </a:p>
-          <a:p>
-            <a:r>
-              <a:rPr lang="de-CH" dirty="0" smtClean="0">
-                <a:solidFill>
-                  <a:srgbClr val="C6C7C8"/>
-                </a:solidFill>
-              </a:rPr>
-              <a:t>Ausblick</a:t>
-            </a:r>
-            <a:endParaRPr lang="de-CH" dirty="0">
-              <a:solidFill>
-                <a:srgbClr val="C6C7C8"/>
-              </a:solidFill>
-            </a:endParaRPr>
-          </a:p>
-          <a:p>
+              <a:t>Erster Ansatz: Ecken selber detektieren. Akzeptable Ergebnisse, kein Verbesserungspotential</a:t>
+            </a:r>
+          </a:p>
+          <a:p>
+            <a:r>
+              <a:rPr lang="de-CH" dirty="0" err="1" smtClean="0"/>
+              <a:t>Aforge</a:t>
+            </a:r>
+            <a:r>
+              <a:rPr lang="de-CH" dirty="0" smtClean="0"/>
+              <a:t>:</a:t>
+            </a:r>
+          </a:p>
+          <a:p>
+            <a:pPr lvl="1"/>
+            <a:r>
+              <a:rPr lang="de-CH" dirty="0" smtClean="0"/>
+              <a:t>Erkennung funktioniert sehr gut, viele Parameter zum Einstellen.</a:t>
+            </a:r>
+          </a:p>
+          <a:p>
+            <a:pPr lvl="1"/>
+            <a:r>
+              <a:rPr lang="de-CH" dirty="0" smtClean="0"/>
+              <a:t>Differenzbild hatte Probleme mit Belichtungskorrektur, statisches Bild war zu anfällig auf Helligkeitsunterschiede der Wand.</a:t>
+            </a:r>
+          </a:p>
+          <a:p>
+            <a:pPr lvl="1"/>
+            <a:r>
+              <a:rPr lang="de-CH" dirty="0" smtClean="0"/>
+              <a:t>Lösung: Differenzbilder von Mustern mit gleicher Helligkeit.</a:t>
+            </a:r>
+            <a:r>
+              <a:rPr lang="de-CH" dirty="0"/>
+              <a:t> </a:t>
+            </a:r>
+          </a:p>
+          <a:p>
+            <a:r>
+              <a:rPr lang="de-CH" dirty="0"/>
+              <a:t>Performance: Gewisse Probleme, da Bitmaps sehr </a:t>
+            </a:r>
+            <a:r>
+              <a:rPr lang="de-CH" dirty="0" err="1" smtClean="0"/>
+              <a:t>inperformant</a:t>
+            </a:r>
+            <a:r>
+              <a:rPr lang="de-CH" dirty="0" smtClean="0"/>
+              <a:t> </a:t>
+            </a:r>
+            <a:r>
+              <a:rPr lang="de-CH" dirty="0"/>
+              <a:t>sind</a:t>
+            </a:r>
+            <a:r>
+              <a:rPr lang="de-CH" dirty="0" smtClean="0"/>
+              <a:t>.</a:t>
+            </a:r>
+          </a:p>
+          <a:p>
+            <a:r>
+              <a:rPr lang="de-CH" dirty="0" smtClean="0"/>
+              <a:t>Ausblick: Erkennung weiterer Punkte zur Verbesserung der Erkennung.</a:t>
+            </a:r>
+            <a:endParaRPr lang="de-CH" dirty="0"/>
+          </a:p>
+          <a:p>
+            <a:pPr lvl="1"/>
             <a:endParaRPr lang="de-CH" dirty="0" smtClean="0"/>
-          </a:p>
-          <a:p>
-            <a:endParaRPr lang="de-CH" dirty="0" smtClean="0"/>
-          </a:p>
-          <a:p>
-            <a:endParaRPr lang="de-CH" dirty="0"/>
           </a:p>
         </p:txBody>
       </p:sp>
@@ -6418,7 +4954,7 @@
       </p:sp>
       <p:sp>
         <p:nvSpPr>
-          <p:cNvPr id="10" name="Bildplatzhalter 9"/>
+          <p:cNvPr id="6" name="Bildplatzhalter 5"/>
           <p:cNvSpPr>
             <a:spLocks noGrp="1"/>
           </p:cNvSpPr>
@@ -6431,7 +4967,7 @@
     </p:spTree>
     <p:extLst>
       <p:ext uri="{BB962C8B-B14F-4D97-AF65-F5344CB8AC3E}">
-        <p14:creationId xmlns:p14="http://schemas.microsoft.com/office/powerpoint/2010/main" val="1235909534"/>
+        <p14:creationId xmlns:p14="http://schemas.microsoft.com/office/powerpoint/2010/main" val="676946962"/>
       </p:ext>
     </p:extLst>
   </p:cSld>
@@ -6488,92 +5024,35 @@
           </a:p>
         </p:txBody>
       </p:sp>
-      <p:sp>
-        <p:nvSpPr>
-          <p:cNvPr id="3" name="Inhaltsplatzhalter 2"/>
-          <p:cNvSpPr>
-            <a:spLocks noGrp="1"/>
-          </p:cNvSpPr>
+      <p:pic>
+        <p:nvPicPr>
+          <p:cNvPr id="7" name="Content Placeholder 6"/>
+          <p:cNvPicPr>
+            <a:picLocks noGrp="1" noChangeAspect="1"/>
+          </p:cNvPicPr>
           <p:nvPr>
             <p:ph sz="quarter" idx="13"/>
           </p:nvPr>
-        </p:nvSpPr>
-        <p:spPr/>
-        <p:txBody>
-          <a:bodyPr/>
-          <a:lstStyle/>
-          <a:p>
-            <a:r>
-              <a:rPr lang="de-CH" dirty="0" smtClean="0"/>
-              <a:t>Erster Ansatz: Ecken selber detektieren. Akzeptable Ergebnisse, kein Verbesserungspotential</a:t>
-            </a:r>
-          </a:p>
-          <a:p>
-            <a:r>
-              <a:rPr lang="de-CH" dirty="0" err="1" smtClean="0"/>
-              <a:t>Aforge</a:t>
-            </a:r>
-            <a:r>
-              <a:rPr lang="de-CH" dirty="0" smtClean="0"/>
-              <a:t>:</a:t>
-            </a:r>
-          </a:p>
-          <a:p>
-            <a:pPr lvl="1"/>
-            <a:r>
-              <a:rPr lang="de-CH" dirty="0" smtClean="0"/>
-              <a:t>Erkennung funktioniert sehr gut, viele Parameter zum Einstellen.</a:t>
-            </a:r>
-          </a:p>
-          <a:p>
-            <a:pPr lvl="1"/>
-            <a:r>
-              <a:rPr lang="de-CH" dirty="0" smtClean="0"/>
-              <a:t>Differenzbild hatte Probleme mit Belichtungskorrektur, statisches Bild war zu anfällig auf Helligkeitsunterschiede der Wand.</a:t>
-            </a:r>
-          </a:p>
-          <a:p>
-            <a:pPr lvl="1"/>
-            <a:r>
-              <a:rPr lang="de-CH" dirty="0" smtClean="0"/>
-              <a:t>Lösung: Differenzbilder von Mustern mit gleicher Helligkeit.</a:t>
-            </a:r>
-            <a:r>
-              <a:rPr lang="de-CH" dirty="0"/>
-              <a:t> </a:t>
-            </a:r>
-          </a:p>
-          <a:p>
-            <a:r>
-              <a:rPr lang="de-CH" dirty="0"/>
-              <a:t>Performance: Gewisse Probleme, da Bitmaps sehr </a:t>
-            </a:r>
-            <a:r>
-              <a:rPr lang="de-CH" dirty="0" err="1"/>
-              <a:t>inperformant</a:t>
-            </a:r>
-            <a:r>
-              <a:rPr lang="de-CH" dirty="0"/>
-              <a:t> sind</a:t>
-            </a:r>
-            <a:r>
-              <a:rPr lang="de-CH" dirty="0" smtClean="0"/>
-              <a:t>.</a:t>
-            </a:r>
-          </a:p>
-          <a:p>
-            <a:r>
-              <a:rPr lang="de-CH" dirty="0" smtClean="0"/>
-              <a:t>Ausblick: Erkennung weiterer Punkte zur Verbesserung der Erkennung.</a:t>
-            </a:r>
-            <a:endParaRPr lang="de-CH" dirty="0"/>
-          </a:p>
-          <a:p>
-            <a:pPr lvl="1"/>
-            <a:endParaRPr lang="de-CH" dirty="0" smtClean="0"/>
-          </a:p>
-        </p:txBody>
-      </p:sp>
+        </p:nvPicPr>
+        <p:blipFill>
+          <a:blip r:embed="rId2">
+            <a:extLst>
+              <a:ext uri="{28A0092B-C50C-407E-A947-70E740481C1C}">
+                <a14:useLocalDpi xmlns:a14="http://schemas.microsoft.com/office/drawing/2010/main" val="0"/>
+              </a:ext>
+            </a:extLst>
+          </a:blip>
+          <a:stretch>
+            <a:fillRect/>
+          </a:stretch>
+        </p:blipFill>
+        <p:spPr>
+          <a:xfrm>
+            <a:off x="2301950" y="3473420"/>
+            <a:ext cx="4530269" cy="3397701"/>
+          </a:xfrm>
+        </p:spPr>
+      </p:pic>
       <p:sp>
         <p:nvSpPr>
           <p:cNvPr id="4" name="Fußzeilenplatzhalter 3"/>
@@ -6621,9 +5100,121 @@
           </a:p>
         </p:txBody>
       </p:sp>
-      <p:sp>
-        <p:nvSpPr>
-          <p:cNvPr id="6" name="Bildplatzhalter 5"/>
+      <p:pic>
+        <p:nvPicPr>
+          <p:cNvPr id="10" name="Picture 9"/>
+          <p:cNvPicPr>
+            <a:picLocks noChangeAspect="1"/>
+          </p:cNvPicPr>
+          <p:nvPr/>
+        </p:nvPicPr>
+        <p:blipFill>
+          <a:blip r:embed="rId3">
+            <a:extLst>
+              <a:ext uri="{28A0092B-C50C-407E-A947-70E740481C1C}">
+                <a14:useLocalDpi xmlns:a14="http://schemas.microsoft.com/office/drawing/2010/main" val="0"/>
+              </a:ext>
+            </a:extLst>
+          </a:blip>
+          <a:stretch>
+            <a:fillRect/>
+          </a:stretch>
+        </p:blipFill>
+        <p:spPr>
+          <a:xfrm>
+            <a:off x="-18869" y="706440"/>
+            <a:ext cx="3727912" cy="2795933"/>
+          </a:xfrm>
+          <a:prstGeom prst="rect">
+            <a:avLst/>
+          </a:prstGeom>
+        </p:spPr>
+      </p:pic>
+      <p:pic>
+        <p:nvPicPr>
+          <p:cNvPr id="11" name="Picture 10"/>
+          <p:cNvPicPr>
+            <a:picLocks noChangeAspect="1"/>
+          </p:cNvPicPr>
+          <p:nvPr/>
+        </p:nvPicPr>
+        <p:blipFill>
+          <a:blip r:embed="rId4">
+            <a:extLst>
+              <a:ext uri="{28A0092B-C50C-407E-A947-70E740481C1C}">
+                <a14:useLocalDpi xmlns:a14="http://schemas.microsoft.com/office/drawing/2010/main" val="0"/>
+              </a:ext>
+            </a:extLst>
+          </a:blip>
+          <a:stretch>
+            <a:fillRect/>
+          </a:stretch>
+        </p:blipFill>
+        <p:spPr>
+          <a:xfrm>
+            <a:off x="5436096" y="706440"/>
+            <a:ext cx="3707904" cy="2780928"/>
+          </a:xfrm>
+          <a:prstGeom prst="rect">
+            <a:avLst/>
+          </a:prstGeom>
+        </p:spPr>
+      </p:pic>
+      <p:sp>
+        <p:nvSpPr>
+          <p:cNvPr id="12" name="Rectangle 11"/>
+          <p:cNvSpPr/>
+          <p:nvPr/>
+        </p:nvSpPr>
+        <p:spPr>
+          <a:xfrm>
+            <a:off x="4364820" y="1844824"/>
+            <a:ext cx="415499" cy="923330"/>
+          </a:xfrm>
+          <a:prstGeom prst="rect">
+            <a:avLst/>
+          </a:prstGeom>
+          <a:noFill/>
+        </p:spPr>
+        <p:txBody>
+          <a:bodyPr wrap="none" lIns="91440" tIns="45720" rIns="91440" bIns="45720">
+            <a:spAutoFit/>
+          </a:bodyPr>
+          <a:lstStyle/>
+          <a:p>
+            <a:pPr algn="ctr"/>
+            <a:r>
+              <a:rPr lang="de-CH" sz="5400" dirty="0">
+                <a:ln w="0"/>
+                <a:effectLst>
+                  <a:outerShdw blurRad="38100" dist="19050" dir="2700000" algn="tl" rotWithShape="0">
+                    <a:schemeClr val="dk1">
+                      <a:alpha val="40000"/>
+                    </a:schemeClr>
+                  </a:outerShdw>
+                </a:effectLst>
+              </a:rPr>
+              <a:t>-</a:t>
+            </a:r>
+            <a:endParaRPr lang="en-US" sz="5400" b="0" cap="none" spc="0" dirty="0">
+              <a:ln w="0"/>
+              <a:solidFill>
+                <a:schemeClr val="tx1"/>
+              </a:solidFill>
+              <a:effectLst>
+                <a:outerShdw blurRad="38100" dist="19050" dir="2700000" algn="tl" rotWithShape="0">
+                  <a:schemeClr val="dk1">
+                    <a:alpha val="40000"/>
+                  </a:schemeClr>
+                </a:outerShdw>
+              </a:effectLst>
+            </a:endParaRPr>
+          </a:p>
+        </p:txBody>
+      </p:sp>
+      <p:sp>
+        <p:nvSpPr>
+          <p:cNvPr id="13" name="Picture Placeholder 12"/>
           <p:cNvSpPr>
             <a:spLocks noGrp="1"/>
           </p:cNvSpPr>
@@ -6636,7 +5227,7 @@
     </p:spTree>
     <p:extLst>
       <p:ext uri="{BB962C8B-B14F-4D97-AF65-F5344CB8AC3E}">
-        <p14:creationId xmlns:p14="http://schemas.microsoft.com/office/powerpoint/2010/main" val="676946962"/>
+        <p14:creationId xmlns:p14="http://schemas.microsoft.com/office/powerpoint/2010/main" val="615697625"/>
       </p:ext>
     </p:extLst>
   </p:cSld>
@@ -6686,266 +5277,6 @@
           <a:lstStyle/>
           <a:p>
             <a:r>
-              <a:rPr lang="de-CH" dirty="0" smtClean="0"/>
-              <a:t>Kalibrierung </a:t>
-            </a:r>
-            <a:endParaRPr lang="de-CH" dirty="0"/>
-          </a:p>
-        </p:txBody>
-      </p:sp>
-      <p:pic>
-        <p:nvPicPr>
-          <p:cNvPr id="7" name="Content Placeholder 6"/>
-          <p:cNvPicPr>
-            <a:picLocks noGrp="1" noChangeAspect="1"/>
-          </p:cNvPicPr>
-          <p:nvPr>
-            <p:ph sz="quarter" idx="13"/>
-          </p:nvPr>
-        </p:nvPicPr>
-        <p:blipFill>
-          <a:blip r:embed="rId2">
-            <a:extLst>
-              <a:ext uri="{28A0092B-C50C-407E-A947-70E740481C1C}">
-                <a14:useLocalDpi xmlns:a14="http://schemas.microsoft.com/office/drawing/2010/main" val="0"/>
-              </a:ext>
-            </a:extLst>
-          </a:blip>
-          <a:stretch>
-            <a:fillRect/>
-          </a:stretch>
-        </p:blipFill>
-        <p:spPr>
-          <a:xfrm>
-            <a:off x="2301950" y="3473420"/>
-            <a:ext cx="4530269" cy="3397701"/>
-          </a:xfrm>
-        </p:spPr>
-      </p:pic>
-      <p:sp>
-        <p:nvSpPr>
-          <p:cNvPr id="4" name="Fußzeilenplatzhalter 3"/>
-          <p:cNvSpPr>
-            <a:spLocks noGrp="1"/>
-          </p:cNvSpPr>
-          <p:nvPr>
-            <p:ph type="ftr" sz="quarter" idx="3"/>
-          </p:nvPr>
-        </p:nvSpPr>
-        <p:spPr/>
-        <p:txBody>
-          <a:bodyPr/>
-          <a:lstStyle/>
-          <a:p>
-            <a:r>
-              <a:rPr lang="de-CH" smtClean="0"/>
-              <a:t>Zwischenbericht, BA PresWriter, Rapperswil, 9.4.2013</a:t>
-            </a:r>
-            <a:endParaRPr lang="de-CH" dirty="0"/>
-          </a:p>
-        </p:txBody>
-      </p:sp>
-      <p:sp>
-        <p:nvSpPr>
-          <p:cNvPr id="5" name="Foliennummernplatzhalter 4"/>
-          <p:cNvSpPr>
-            <a:spLocks noGrp="1"/>
-          </p:cNvSpPr>
-          <p:nvPr>
-            <p:ph type="sldNum" sz="quarter" idx="4"/>
-          </p:nvPr>
-        </p:nvSpPr>
-        <p:spPr/>
-        <p:txBody>
-          <a:bodyPr/>
-          <a:lstStyle/>
-          <a:p>
-            <a:fld id="{6CB3B594-2801-4864-9089-E42463258A4B}" type="slidenum">
-              <a:rPr lang="de-CH" smtClean="0"/>
-              <a:pPr/>
-              <a:t>13</a:t>
-            </a:fld>
-            <a:endParaRPr lang="de-CH"/>
-          </a:p>
-        </p:txBody>
-      </p:sp>
-      <p:pic>
-        <p:nvPicPr>
-          <p:cNvPr id="10" name="Picture 9"/>
-          <p:cNvPicPr>
-            <a:picLocks noChangeAspect="1"/>
-          </p:cNvPicPr>
-          <p:nvPr/>
-        </p:nvPicPr>
-        <p:blipFill>
-          <a:blip r:embed="rId3">
-            <a:extLst>
-              <a:ext uri="{28A0092B-C50C-407E-A947-70E740481C1C}">
-                <a14:useLocalDpi xmlns:a14="http://schemas.microsoft.com/office/drawing/2010/main" val="0"/>
-              </a:ext>
-            </a:extLst>
-          </a:blip>
-          <a:stretch>
-            <a:fillRect/>
-          </a:stretch>
-        </p:blipFill>
-        <p:spPr>
-          <a:xfrm>
-            <a:off x="-18869" y="706440"/>
-            <a:ext cx="3727912" cy="2795933"/>
-          </a:xfrm>
-          <a:prstGeom prst="rect">
-            <a:avLst/>
-          </a:prstGeom>
-        </p:spPr>
-      </p:pic>
-      <p:pic>
-        <p:nvPicPr>
-          <p:cNvPr id="11" name="Picture 10"/>
-          <p:cNvPicPr>
-            <a:picLocks noChangeAspect="1"/>
-          </p:cNvPicPr>
-          <p:nvPr/>
-        </p:nvPicPr>
-        <p:blipFill>
-          <a:blip r:embed="rId4">
-            <a:extLst>
-              <a:ext uri="{28A0092B-C50C-407E-A947-70E740481C1C}">
-                <a14:useLocalDpi xmlns:a14="http://schemas.microsoft.com/office/drawing/2010/main" val="0"/>
-              </a:ext>
-            </a:extLst>
-          </a:blip>
-          <a:stretch>
-            <a:fillRect/>
-          </a:stretch>
-        </p:blipFill>
-        <p:spPr>
-          <a:xfrm>
-            <a:off x="5436096" y="706440"/>
-            <a:ext cx="3707904" cy="2780928"/>
-          </a:xfrm>
-          <a:prstGeom prst="rect">
-            <a:avLst/>
-          </a:prstGeom>
-        </p:spPr>
-      </p:pic>
-      <p:sp>
-        <p:nvSpPr>
-          <p:cNvPr id="12" name="Rectangle 11"/>
-          <p:cNvSpPr/>
-          <p:nvPr/>
-        </p:nvSpPr>
-        <p:spPr>
-          <a:xfrm>
-            <a:off x="4364820" y="1844824"/>
-            <a:ext cx="415499" cy="923330"/>
-          </a:xfrm>
-          <a:prstGeom prst="rect">
-            <a:avLst/>
-          </a:prstGeom>
-          <a:noFill/>
-        </p:spPr>
-        <p:txBody>
-          <a:bodyPr wrap="none" lIns="91440" tIns="45720" rIns="91440" bIns="45720">
-            <a:spAutoFit/>
-          </a:bodyPr>
-          <a:lstStyle/>
-          <a:p>
-            <a:pPr algn="ctr"/>
-            <a:r>
-              <a:rPr lang="de-CH" sz="5400" dirty="0">
-                <a:ln w="0"/>
-                <a:effectLst>
-                  <a:outerShdw blurRad="38100" dist="19050" dir="2700000" algn="tl" rotWithShape="0">
-                    <a:schemeClr val="dk1">
-                      <a:alpha val="40000"/>
-                    </a:schemeClr>
-                  </a:outerShdw>
-                </a:effectLst>
-              </a:rPr>
-              <a:t>-</a:t>
-            </a:r>
-            <a:endParaRPr lang="en-US" sz="5400" b="0" cap="none" spc="0" dirty="0">
-              <a:ln w="0"/>
-              <a:solidFill>
-                <a:schemeClr val="tx1"/>
-              </a:solidFill>
-              <a:effectLst>
-                <a:outerShdw blurRad="38100" dist="19050" dir="2700000" algn="tl" rotWithShape="0">
-                  <a:schemeClr val="dk1">
-                    <a:alpha val="40000"/>
-                  </a:schemeClr>
-                </a:outerShdw>
-              </a:effectLst>
-            </a:endParaRPr>
-          </a:p>
-        </p:txBody>
-      </p:sp>
-      <p:sp>
-        <p:nvSpPr>
-          <p:cNvPr id="13" name="Picture Placeholder 12"/>
-          <p:cNvSpPr>
-            <a:spLocks noGrp="1"/>
-          </p:cNvSpPr>
-          <p:nvPr>
-            <p:ph type="pic" sz="quarter" idx="14"/>
-          </p:nvPr>
-        </p:nvSpPr>
-        <p:spPr/>
-      </p:sp>
-    </p:spTree>
-    <p:extLst>
-      <p:ext uri="{BB962C8B-B14F-4D97-AF65-F5344CB8AC3E}">
-        <p14:creationId xmlns:p14="http://schemas.microsoft.com/office/powerpoint/2010/main" val="615697625"/>
-      </p:ext>
-    </p:extLst>
-  </p:cSld>
-  <p:clrMapOvr>
-    <a:masterClrMapping/>
-  </p:clrMapOvr>
-  <p:timing>
-    <p:tnLst>
-      <p:par>
-        <p:cTn id="1" dur="indefinite" restart="never" nodeType="tmRoot"/>
-      </p:par>
-    </p:tnLst>
-  </p:timing>
-</p:sld>
-</file>
-
-<file path=ppt/slides/slide14.xml><?xml version="1.0" encoding="utf-8"?>
-<p:sld xmlns:a="http://schemas.openxmlformats.org/drawingml/2006/main" xmlns:r="http://schemas.openxmlformats.org/officeDocument/2006/relationships" xmlns:p="http://schemas.openxmlformats.org/presentationml/2006/main">
-  <p:cSld>
-    <p:spTree>
-      <p:nvGrpSpPr>
-        <p:cNvPr id="1" name=""/>
-        <p:cNvGrpSpPr/>
-        <p:nvPr/>
-      </p:nvGrpSpPr>
-      <p:grpSpPr>
-        <a:xfrm>
-          <a:off x="0" y="0"/>
-          <a:ext cx="0" cy="0"/>
-          <a:chOff x="0" y="0"/>
-          <a:chExt cx="0" cy="0"/>
-        </a:xfrm>
-      </p:grpSpPr>
-      <p:sp>
-        <p:nvSpPr>
-          <p:cNvPr id="2" name="Titel 1"/>
-          <p:cNvSpPr>
-            <a:spLocks noGrp="1"/>
-          </p:cNvSpPr>
-          <p:nvPr>
-            <p:ph type="title"/>
-          </p:nvPr>
-        </p:nvSpPr>
-        <p:spPr/>
-        <p:txBody>
-          <a:bodyPr/>
-          <a:lstStyle/>
-          <a:p>
-            <a:r>
               <a:rPr lang="de-CH" smtClean="0"/>
               <a:t>Inhaltsverzeichnis</a:t>
             </a:r>
@@ -7065,7 +5396,7 @@
             <a:fld id="{6CB3B594-2801-4864-9089-E42463258A4B}" type="slidenum">
               <a:rPr lang="de-CH" smtClean="0"/>
               <a:pPr/>
-              <a:t>14</a:t>
+              <a:t>13</a:t>
             </a:fld>
             <a:endParaRPr lang="de-CH"/>
           </a:p>
@@ -7103,7 +5434,7 @@
 </p:sld>
 </file>
 
-<file path=ppt/slides/slide15.xml><?xml version="1.0" encoding="utf-8"?>
+<file path=ppt/slides/slide14.xml><?xml version="1.0" encoding="utf-8"?>
 <p:sld xmlns:a="http://schemas.openxmlformats.org/drawingml/2006/main" xmlns:r="http://schemas.openxmlformats.org/officeDocument/2006/relationships" xmlns:p="http://schemas.openxmlformats.org/presentationml/2006/main">
   <p:cSld>
     <p:spTree>
@@ -7214,7 +5545,7 @@
             <a:fld id="{6CB3B594-2801-4864-9089-E42463258A4B}" type="slidenum">
               <a:rPr lang="de-CH" smtClean="0"/>
               <a:pPr/>
-              <a:t>15</a:t>
+              <a:t>14</a:t>
             </a:fld>
             <a:endParaRPr lang="de-CH"/>
           </a:p>
@@ -7224,6 +5555,198 @@
     <p:extLst>
       <p:ext uri="{BB962C8B-B14F-4D97-AF65-F5344CB8AC3E}">
         <p14:creationId xmlns:p14="http://schemas.microsoft.com/office/powerpoint/2010/main" val="482159279"/>
+      </p:ext>
+    </p:extLst>
+  </p:cSld>
+  <p:clrMapOvr>
+    <a:masterClrMapping/>
+  </p:clrMapOvr>
+  <p:timing>
+    <p:tnLst>
+      <p:par>
+        <p:cTn id="1" dur="indefinite" restart="never" nodeType="tmRoot"/>
+      </p:par>
+    </p:tnLst>
+  </p:timing>
+</p:sld>
+</file>
+
+<file path=ppt/slides/slide15.xml><?xml version="1.0" encoding="utf-8"?>
+<p:sld xmlns:a="http://schemas.openxmlformats.org/drawingml/2006/main" xmlns:r="http://schemas.openxmlformats.org/officeDocument/2006/relationships" xmlns:p="http://schemas.openxmlformats.org/presentationml/2006/main">
+  <p:cSld>
+    <p:spTree>
+      <p:nvGrpSpPr>
+        <p:cNvPr id="1" name=""/>
+        <p:cNvGrpSpPr/>
+        <p:nvPr/>
+      </p:nvGrpSpPr>
+      <p:grpSpPr>
+        <a:xfrm>
+          <a:off x="0" y="0"/>
+          <a:ext cx="0" cy="0"/>
+          <a:chOff x="0" y="0"/>
+          <a:chExt cx="0" cy="0"/>
+        </a:xfrm>
+      </p:grpSpPr>
+      <p:sp>
+        <p:nvSpPr>
+          <p:cNvPr id="2" name="Titel 1"/>
+          <p:cNvSpPr>
+            <a:spLocks noGrp="1"/>
+          </p:cNvSpPr>
+          <p:nvPr>
+            <p:ph type="title"/>
+          </p:nvPr>
+        </p:nvSpPr>
+        <p:spPr/>
+        <p:txBody>
+          <a:bodyPr/>
+          <a:lstStyle/>
+          <a:p>
+            <a:r>
+              <a:rPr lang="de-CH" smtClean="0"/>
+              <a:t>Inhaltsverzeichnis</a:t>
+            </a:r>
+            <a:endParaRPr lang="de-CH" dirty="0"/>
+          </a:p>
+        </p:txBody>
+      </p:sp>
+      <p:sp>
+        <p:nvSpPr>
+          <p:cNvPr id="3" name="Inhaltsplatzhalter 2"/>
+          <p:cNvSpPr>
+            <a:spLocks noGrp="1"/>
+          </p:cNvSpPr>
+          <p:nvPr>
+            <p:ph sz="quarter" idx="13"/>
+          </p:nvPr>
+        </p:nvSpPr>
+        <p:spPr/>
+        <p:txBody>
+          <a:bodyPr/>
+          <a:lstStyle/>
+          <a:p>
+            <a:r>
+              <a:rPr lang="de-CH" dirty="0" smtClean="0">
+                <a:solidFill>
+                  <a:srgbClr val="C6C7C8"/>
+                </a:solidFill>
+              </a:rPr>
+              <a:t>Pen Tracking</a:t>
+            </a:r>
+          </a:p>
+          <a:p>
+            <a:r>
+              <a:rPr lang="de-CH" dirty="0" smtClean="0">
+                <a:solidFill>
+                  <a:srgbClr val="C6C7C8"/>
+                </a:solidFill>
+              </a:rPr>
+              <a:t>Kalibrierung</a:t>
+            </a:r>
+          </a:p>
+          <a:p>
+            <a:r>
+              <a:rPr lang="de-CH" dirty="0" smtClean="0">
+                <a:solidFill>
+                  <a:srgbClr val="C6C7C8"/>
+                </a:solidFill>
+              </a:rPr>
+              <a:t>Architektur</a:t>
+            </a:r>
+          </a:p>
+          <a:p>
+            <a:r>
+              <a:rPr lang="de-CH" dirty="0" smtClean="0"/>
+              <a:t>Ausblick</a:t>
+            </a:r>
+            <a:endParaRPr lang="de-CH" dirty="0">
+              <a:solidFill>
+                <a:srgbClr val="C6C7C8"/>
+              </a:solidFill>
+            </a:endParaRPr>
+          </a:p>
+          <a:p>
+            <a:endParaRPr lang="de-CH" dirty="0">
+              <a:solidFill>
+                <a:srgbClr val="C6C7C8"/>
+              </a:solidFill>
+            </a:endParaRPr>
+          </a:p>
+          <a:p>
+            <a:endParaRPr lang="de-CH" dirty="0" smtClean="0"/>
+          </a:p>
+          <a:p>
+            <a:endParaRPr lang="de-CH" dirty="0" smtClean="0"/>
+          </a:p>
+          <a:p>
+            <a:endParaRPr lang="de-CH" dirty="0"/>
+          </a:p>
+        </p:txBody>
+      </p:sp>
+      <p:sp>
+        <p:nvSpPr>
+          <p:cNvPr id="4" name="Fußzeilenplatzhalter 3"/>
+          <p:cNvSpPr>
+            <a:spLocks noGrp="1"/>
+          </p:cNvSpPr>
+          <p:nvPr>
+            <p:ph type="ftr" sz="quarter" idx="3"/>
+          </p:nvPr>
+        </p:nvSpPr>
+        <p:spPr/>
+        <p:txBody>
+          <a:bodyPr/>
+          <a:lstStyle/>
+          <a:p>
+            <a:r>
+              <a:rPr lang="de-CH" smtClean="0"/>
+              <a:t>Zwischenbericht, BA PresWriter, Rapperswil, 9.4.2013</a:t>
+            </a:r>
+            <a:endParaRPr lang="de-CH" dirty="0"/>
+          </a:p>
+        </p:txBody>
+      </p:sp>
+      <p:sp>
+        <p:nvSpPr>
+          <p:cNvPr id="5" name="Foliennummernplatzhalter 4"/>
+          <p:cNvSpPr>
+            <a:spLocks noGrp="1"/>
+          </p:cNvSpPr>
+          <p:nvPr>
+            <p:ph type="sldNum" sz="quarter" idx="4"/>
+          </p:nvPr>
+        </p:nvSpPr>
+        <p:spPr/>
+        <p:txBody>
+          <a:bodyPr/>
+          <a:lstStyle/>
+          <a:p>
+            <a:fld id="{6CB3B594-2801-4864-9089-E42463258A4B}" type="slidenum">
+              <a:rPr lang="de-CH" smtClean="0"/>
+              <a:pPr/>
+              <a:t>15</a:t>
+            </a:fld>
+            <a:endParaRPr lang="de-CH"/>
+          </a:p>
+        </p:txBody>
+      </p:sp>
+      <p:sp>
+        <p:nvSpPr>
+          <p:cNvPr id="10" name="Bildplatzhalter 9"/>
+          <p:cNvSpPr>
+            <a:spLocks noGrp="1"/>
+          </p:cNvSpPr>
+          <p:nvPr>
+            <p:ph type="pic" sz="quarter" idx="14"/>
+          </p:nvPr>
+        </p:nvSpPr>
+        <p:spPr/>
+      </p:sp>
+    </p:spTree>
+    <p:extLst>
+      <p:ext uri="{BB962C8B-B14F-4D97-AF65-F5344CB8AC3E}">
+        <p14:creationId xmlns:p14="http://schemas.microsoft.com/office/powerpoint/2010/main" val="1361955012"/>
       </p:ext>
     </p:extLst>
   </p:cSld>
@@ -7273,8 +5796,8 @@
           <a:lstStyle/>
           <a:p>
             <a:r>
-              <a:rPr lang="de-CH" smtClean="0"/>
-              <a:t>Inhaltsverzeichnis</a:t>
+              <a:rPr lang="de-CH" dirty="0" smtClean="0"/>
+              <a:t>Ausblick</a:t>
             </a:r>
             <a:endParaRPr lang="de-CH" dirty="0"/>
           </a:p>
@@ -7296,59 +5819,90 @@
           <a:lstStyle/>
           <a:p>
             <a:r>
-              <a:rPr lang="de-CH" dirty="0" smtClean="0">
-                <a:solidFill>
-                  <a:srgbClr val="C6C7C8"/>
-                </a:solidFill>
-              </a:rPr>
-              <a:t>Pen Tracking</a:t>
-            </a:r>
-          </a:p>
-          <a:p>
-            <a:r>
-              <a:rPr lang="de-CH" dirty="0" smtClean="0">
-                <a:solidFill>
-                  <a:srgbClr val="C6C7C8"/>
-                </a:solidFill>
-              </a:rPr>
-              <a:t>Kalibrierung</a:t>
-            </a:r>
-          </a:p>
-          <a:p>
-            <a:r>
-              <a:rPr lang="de-CH" dirty="0" smtClean="0">
-                <a:solidFill>
-                  <a:srgbClr val="C6C7C8"/>
-                </a:solidFill>
-              </a:rPr>
-              <a:t>Architektur</a:t>
-            </a:r>
-          </a:p>
-          <a:p>
-            <a:r>
               <a:rPr lang="de-CH" dirty="0" smtClean="0"/>
-              <a:t>Ausblick</a:t>
-            </a:r>
-            <a:endParaRPr lang="de-CH" dirty="0">
-              <a:solidFill>
-                <a:srgbClr val="C6C7C8"/>
-              </a:solidFill>
-            </a:endParaRPr>
-          </a:p>
-          <a:p>
-            <a:endParaRPr lang="de-CH" dirty="0">
-              <a:solidFill>
-                <a:srgbClr val="C6C7C8"/>
-              </a:solidFill>
-            </a:endParaRPr>
-          </a:p>
-          <a:p>
+              <a:t>Erkennen einer Hand</a:t>
+            </a:r>
+          </a:p>
+          <a:p>
+            <a:pPr lvl="1"/>
+            <a:r>
+              <a:rPr lang="de-CH" dirty="0" smtClean="0"/>
+              <a:t>Mittels </a:t>
+            </a:r>
+            <a:r>
+              <a:rPr lang="de-CH" dirty="0" err="1" smtClean="0"/>
+              <a:t>Korrellationskoeffizienten</a:t>
+            </a:r>
             <a:endParaRPr lang="de-CH" dirty="0" smtClean="0"/>
           </a:p>
           <a:p>
+            <a:pPr lvl="2"/>
+            <a:r>
+              <a:rPr lang="de-CH" dirty="0" smtClean="0"/>
+              <a:t>ev. per «gezieltem» NGC </a:t>
+            </a:r>
+            <a:endParaRPr lang="de-CH" dirty="0"/>
+          </a:p>
+          <a:p>
+            <a:pPr lvl="2"/>
             <a:endParaRPr lang="de-CH" dirty="0" smtClean="0"/>
           </a:p>
           <a:p>
+            <a:pPr lvl="2"/>
+            <a:endParaRPr lang="de-CH" dirty="0"/>
+          </a:p>
+          <a:p>
+            <a:pPr lvl="2"/>
+            <a:endParaRPr lang="de-CH" dirty="0" smtClean="0"/>
+          </a:p>
+          <a:p>
+            <a:pPr lvl="2"/>
+            <a:endParaRPr lang="de-CH" dirty="0"/>
+          </a:p>
+          <a:p>
+            <a:pPr lvl="2"/>
+            <a:endParaRPr lang="de-CH" dirty="0" smtClean="0"/>
+          </a:p>
+          <a:p>
+            <a:pPr lvl="2"/>
+            <a:endParaRPr lang="de-CH" dirty="0"/>
+          </a:p>
+          <a:p>
+            <a:pPr lvl="2"/>
+            <a:endParaRPr lang="de-CH" dirty="0" smtClean="0"/>
+          </a:p>
+          <a:p>
+            <a:pPr marL="801138" lvl="2" indent="0">
+              <a:buNone/>
+            </a:pPr>
+            <a:endParaRPr lang="de-CH" dirty="0"/>
+          </a:p>
+          <a:p>
+            <a:pPr lvl="2"/>
+            <a:endParaRPr lang="de-CH" dirty="0" smtClean="0"/>
+          </a:p>
+          <a:p>
+            <a:pPr lvl="2"/>
+            <a:endParaRPr lang="de-CH" dirty="0" smtClean="0"/>
+          </a:p>
+          <a:p>
+            <a:pPr lvl="1"/>
+            <a:r>
+              <a:rPr lang="de-CH" dirty="0" err="1" smtClean="0"/>
+              <a:t>Aforge</a:t>
+            </a:r>
+            <a:r>
+              <a:rPr lang="de-CH" dirty="0" smtClean="0"/>
+              <a:t>, </a:t>
+            </a:r>
+            <a:r>
+              <a:rPr lang="de-CH" dirty="0" err="1" smtClean="0"/>
+              <a:t>OpenCV</a:t>
+            </a:r>
+            <a:r>
+              <a:rPr lang="de-CH" dirty="0" smtClean="0"/>
+              <a:t> oder was eigenes?</a:t>
+            </a:r>
             <a:endParaRPr lang="de-CH" dirty="0"/>
           </a:p>
         </p:txBody>
@@ -7402,7 +5956,7 @@
       </p:sp>
       <p:sp>
         <p:nvSpPr>
-          <p:cNvPr id="10" name="Bildplatzhalter 9"/>
+          <p:cNvPr id="6" name="Bildplatzhalter 5"/>
           <p:cNvSpPr>
             <a:spLocks noGrp="1"/>
           </p:cNvSpPr>
@@ -7411,2846 +5965,16 @@
           </p:nvPr>
         </p:nvSpPr>
         <p:spPr/>
-      </p:sp>
-    </p:spTree>
-    <p:extLst>
-      <p:ext uri="{BB962C8B-B14F-4D97-AF65-F5344CB8AC3E}">
-        <p14:creationId xmlns:p14="http://schemas.microsoft.com/office/powerpoint/2010/main" val="1361955012"/>
-      </p:ext>
-    </p:extLst>
-  </p:cSld>
-  <p:clrMapOvr>
-    <a:masterClrMapping/>
-  </p:clrMapOvr>
-  <p:timing>
-    <p:tnLst>
-      <p:par>
-        <p:cTn id="1" dur="indefinite" restart="never" nodeType="tmRoot"/>
-      </p:par>
-    </p:tnLst>
-  </p:timing>
-</p:sld>
-</file>
-
-<file path=ppt/slides/slide17.xml><?xml version="1.0" encoding="utf-8"?>
-<p:sld xmlns:a="http://schemas.openxmlformats.org/drawingml/2006/main" xmlns:r="http://schemas.openxmlformats.org/officeDocument/2006/relationships" xmlns:p="http://schemas.openxmlformats.org/presentationml/2006/main">
-  <p:cSld>
-    <p:spTree>
-      <p:nvGrpSpPr>
-        <p:cNvPr id="1" name=""/>
-        <p:cNvGrpSpPr/>
-        <p:nvPr/>
-      </p:nvGrpSpPr>
-      <p:grpSpPr>
-        <a:xfrm>
-          <a:off x="0" y="0"/>
-          <a:ext cx="0" cy="0"/>
-          <a:chOff x="0" y="0"/>
-          <a:chExt cx="0" cy="0"/>
-        </a:xfrm>
-      </p:grpSpPr>
-      <p:sp>
-        <p:nvSpPr>
-          <p:cNvPr id="2" name="Titel 1"/>
-          <p:cNvSpPr>
-            <a:spLocks noGrp="1"/>
-          </p:cNvSpPr>
-          <p:nvPr>
-            <p:ph type="title"/>
-          </p:nvPr>
-        </p:nvSpPr>
-        <p:spPr/>
-        <p:txBody>
-          <a:bodyPr/>
-          <a:lstStyle/>
-          <a:p>
-            <a:r>
-              <a:rPr lang="de-CH" dirty="0" smtClean="0"/>
-              <a:t>Ausblick</a:t>
-            </a:r>
-            <a:endParaRPr lang="de-CH" dirty="0"/>
-          </a:p>
-        </p:txBody>
-      </p:sp>
-      <p:sp>
-        <p:nvSpPr>
-          <p:cNvPr id="3" name="Inhaltsplatzhalter 2"/>
-          <p:cNvSpPr>
-            <a:spLocks noGrp="1"/>
-          </p:cNvSpPr>
-          <p:nvPr>
-            <p:ph sz="quarter" idx="13"/>
-          </p:nvPr>
-        </p:nvSpPr>
-        <p:spPr/>
-        <p:txBody>
-          <a:bodyPr/>
-          <a:lstStyle/>
-          <a:p>
-            <a:r>
-              <a:rPr lang="de-CH" dirty="0" smtClean="0"/>
-              <a:t>Erkennen einer Hand</a:t>
-            </a:r>
-          </a:p>
-          <a:p>
-            <a:pPr lvl="1"/>
-            <a:r>
-              <a:rPr lang="de-CH" dirty="0" smtClean="0"/>
-              <a:t>Mittels </a:t>
-            </a:r>
-            <a:r>
-              <a:rPr lang="de-CH" dirty="0" err="1" smtClean="0"/>
-              <a:t>Korrellationskoeffizienten</a:t>
-            </a:r>
-            <a:endParaRPr lang="de-CH" dirty="0" smtClean="0"/>
-          </a:p>
-          <a:p>
-            <a:pPr lvl="1"/>
-            <a:r>
-              <a:rPr lang="de-CH" dirty="0" err="1" smtClean="0"/>
-              <a:t>AForge</a:t>
-            </a:r>
-            <a:r>
-              <a:rPr lang="de-CH" dirty="0" smtClean="0"/>
-              <a:t> oder doch </a:t>
-            </a:r>
-            <a:r>
-              <a:rPr lang="de-CH" dirty="0" err="1" smtClean="0"/>
-              <a:t>OpenCV</a:t>
-            </a:r>
-            <a:r>
-              <a:rPr lang="de-CH" dirty="0" smtClean="0"/>
-              <a:t>?</a:t>
-            </a:r>
-            <a:endParaRPr lang="de-CH" dirty="0"/>
-          </a:p>
-        </p:txBody>
-      </p:sp>
-      <p:sp>
-        <p:nvSpPr>
-          <p:cNvPr id="4" name="Fußzeilenplatzhalter 3"/>
-          <p:cNvSpPr>
-            <a:spLocks noGrp="1"/>
-          </p:cNvSpPr>
-          <p:nvPr>
-            <p:ph type="ftr" sz="quarter" idx="3"/>
-          </p:nvPr>
-        </p:nvSpPr>
-        <p:spPr/>
-        <p:txBody>
-          <a:bodyPr/>
-          <a:lstStyle/>
-          <a:p>
-            <a:r>
-              <a:rPr lang="de-CH" smtClean="0"/>
-              <a:t>Zwischenbericht, BA PresWriter, Rapperswil, 9.4.2013</a:t>
-            </a:r>
-            <a:endParaRPr lang="de-CH" dirty="0"/>
-          </a:p>
-        </p:txBody>
-      </p:sp>
-      <p:sp>
-        <p:nvSpPr>
-          <p:cNvPr id="5" name="Foliennummernplatzhalter 4"/>
-          <p:cNvSpPr>
-            <a:spLocks noGrp="1"/>
-          </p:cNvSpPr>
-          <p:nvPr>
-            <p:ph type="sldNum" sz="quarter" idx="4"/>
-          </p:nvPr>
-        </p:nvSpPr>
-        <p:spPr/>
-        <p:txBody>
-          <a:bodyPr/>
-          <a:lstStyle/>
-          <a:p>
-            <a:fld id="{6CB3B594-2801-4864-9089-E42463258A4B}" type="slidenum">
-              <a:rPr lang="de-CH" smtClean="0"/>
-              <a:pPr/>
-              <a:t>17</a:t>
-            </a:fld>
-            <a:endParaRPr lang="de-CH"/>
-          </a:p>
-        </p:txBody>
-      </p:sp>
-      <p:sp>
-        <p:nvSpPr>
-          <p:cNvPr id="6" name="Bildplatzhalter 5"/>
-          <p:cNvSpPr>
-            <a:spLocks noGrp="1"/>
-          </p:cNvSpPr>
-          <p:nvPr>
-            <p:ph type="pic" sz="quarter" idx="14"/>
-          </p:nvPr>
-        </p:nvSpPr>
-        <p:spPr/>
-      </p:sp>
-    </p:spTree>
-    <p:extLst>
-      <p:ext uri="{BB962C8B-B14F-4D97-AF65-F5344CB8AC3E}">
-        <p14:creationId xmlns:p14="http://schemas.microsoft.com/office/powerpoint/2010/main" val="2773809055"/>
-      </p:ext>
-    </p:extLst>
-  </p:cSld>
-  <p:clrMapOvr>
-    <a:masterClrMapping/>
-  </p:clrMapOvr>
-  <p:timing>
-    <p:tnLst>
-      <p:par>
-        <p:cTn id="1" dur="indefinite" restart="never" nodeType="tmRoot"/>
-      </p:par>
-    </p:tnLst>
-  </p:timing>
-</p:sld>
-</file>
-
-<file path=ppt/slides/slide18.xml><?xml version="1.0" encoding="utf-8"?>
-<p:sld xmlns:a="http://schemas.openxmlformats.org/drawingml/2006/main" xmlns:r="http://schemas.openxmlformats.org/officeDocument/2006/relationships" xmlns:p="http://schemas.openxmlformats.org/presentationml/2006/main">
-  <p:cSld>
-    <p:spTree>
-      <p:nvGrpSpPr>
-        <p:cNvPr id="1" name=""/>
-        <p:cNvGrpSpPr/>
-        <p:nvPr/>
-      </p:nvGrpSpPr>
-      <p:grpSpPr>
-        <a:xfrm>
-          <a:off x="0" y="0"/>
-          <a:ext cx="0" cy="0"/>
-          <a:chOff x="0" y="0"/>
-          <a:chExt cx="0" cy="0"/>
-        </a:xfrm>
-      </p:grpSpPr>
-      <p:sp>
-        <p:nvSpPr>
-          <p:cNvPr id="9" name="Titel 8"/>
-          <p:cNvSpPr>
-            <a:spLocks noGrp="1"/>
-          </p:cNvSpPr>
-          <p:nvPr>
-            <p:ph type="title"/>
-          </p:nvPr>
-        </p:nvSpPr>
-        <p:spPr/>
-        <p:txBody>
-          <a:bodyPr/>
-          <a:lstStyle/>
-          <a:p>
-            <a:r>
-              <a:rPr lang="de-CH" dirty="0" smtClean="0"/>
-              <a:t>Folie mit Tabelle </a:t>
-            </a:r>
-            <a:endParaRPr lang="de-CH" dirty="0"/>
-          </a:p>
-        </p:txBody>
-      </p:sp>
-      <p:graphicFrame>
-        <p:nvGraphicFramePr>
-          <p:cNvPr id="6" name="Inhaltsplatzhalter 5"/>
-          <p:cNvGraphicFramePr>
-            <a:graphicFrameLocks noGrp="1"/>
-          </p:cNvGraphicFramePr>
-          <p:nvPr>
-            <p:ph sz="quarter" idx="13"/>
-            <p:extLst>
-              <p:ext uri="{D42A27DB-BD31-4B8C-83A1-F6EECF244321}">
-                <p14:modId xmlns:p14="http://schemas.microsoft.com/office/powerpoint/2010/main" val="3500893629"/>
-              </p:ext>
-            </p:extLst>
-          </p:nvPr>
-        </p:nvGraphicFramePr>
-        <p:xfrm>
-          <a:off x="827584" y="1268760"/>
-          <a:ext cx="7856040" cy="1728788"/>
-        </p:xfrm>
-        <a:graphic>
-          <a:graphicData uri="http://schemas.openxmlformats.org/drawingml/2006/table">
-            <a:tbl>
-              <a:tblPr firstRow="1" bandRow="1">
-                <a:tableStyleId>{5C22544A-7EE6-4342-B048-85BDC9FD1C3A}</a:tableStyleId>
-              </a:tblPr>
-              <a:tblGrid>
-                <a:gridCol w="1964010"/>
-                <a:gridCol w="1964010"/>
-                <a:gridCol w="1964010"/>
-                <a:gridCol w="1964010"/>
-              </a:tblGrid>
-              <a:tr h="432197">
-                <a:tc>
-                  <a:txBody>
-                    <a:bodyPr/>
-                    <a:lstStyle/>
-                    <a:p>
-                      <a:endParaRPr lang="de-CH" dirty="0"/>
-                    </a:p>
-                  </a:txBody>
-                  <a:tcPr/>
-                </a:tc>
-                <a:tc>
-                  <a:txBody>
-                    <a:bodyPr/>
-                    <a:lstStyle/>
-                    <a:p>
-                      <a:endParaRPr lang="de-CH" dirty="0"/>
-                    </a:p>
-                  </a:txBody>
-                  <a:tcPr/>
-                </a:tc>
-                <a:tc>
-                  <a:txBody>
-                    <a:bodyPr/>
-                    <a:lstStyle/>
-                    <a:p>
-                      <a:endParaRPr lang="de-CH"/>
-                    </a:p>
-                  </a:txBody>
-                  <a:tcPr/>
-                </a:tc>
-                <a:tc>
-                  <a:txBody>
-                    <a:bodyPr/>
-                    <a:lstStyle/>
-                    <a:p>
-                      <a:endParaRPr lang="de-CH"/>
-                    </a:p>
-                  </a:txBody>
-                  <a:tcPr/>
-                </a:tc>
-              </a:tr>
-              <a:tr h="432197">
-                <a:tc>
-                  <a:txBody>
-                    <a:bodyPr/>
-                    <a:lstStyle/>
-                    <a:p>
-                      <a:endParaRPr lang="de-CH" dirty="0"/>
-                    </a:p>
-                  </a:txBody>
-                  <a:tcPr/>
-                </a:tc>
-                <a:tc>
-                  <a:txBody>
-                    <a:bodyPr/>
-                    <a:lstStyle/>
-                    <a:p>
-                      <a:endParaRPr lang="de-CH"/>
-                    </a:p>
-                  </a:txBody>
-                  <a:tcPr/>
-                </a:tc>
-                <a:tc>
-                  <a:txBody>
-                    <a:bodyPr/>
-                    <a:lstStyle/>
-                    <a:p>
-                      <a:endParaRPr lang="de-CH"/>
-                    </a:p>
-                  </a:txBody>
-                  <a:tcPr/>
-                </a:tc>
-                <a:tc>
-                  <a:txBody>
-                    <a:bodyPr/>
-                    <a:lstStyle/>
-                    <a:p>
-                      <a:endParaRPr lang="de-CH"/>
-                    </a:p>
-                  </a:txBody>
-                  <a:tcPr/>
-                </a:tc>
-              </a:tr>
-              <a:tr h="432197">
-                <a:tc>
-                  <a:txBody>
-                    <a:bodyPr/>
-                    <a:lstStyle/>
-                    <a:p>
-                      <a:endParaRPr lang="de-CH" dirty="0"/>
-                    </a:p>
-                  </a:txBody>
-                  <a:tcPr/>
-                </a:tc>
-                <a:tc>
-                  <a:txBody>
-                    <a:bodyPr/>
-                    <a:lstStyle/>
-                    <a:p>
-                      <a:endParaRPr lang="de-CH"/>
-                    </a:p>
-                  </a:txBody>
-                  <a:tcPr/>
-                </a:tc>
-                <a:tc>
-                  <a:txBody>
-                    <a:bodyPr/>
-                    <a:lstStyle/>
-                    <a:p>
-                      <a:endParaRPr lang="de-CH"/>
-                    </a:p>
-                  </a:txBody>
-                  <a:tcPr/>
-                </a:tc>
-                <a:tc>
-                  <a:txBody>
-                    <a:bodyPr/>
-                    <a:lstStyle/>
-                    <a:p>
-                      <a:endParaRPr lang="de-CH"/>
-                    </a:p>
-                  </a:txBody>
-                  <a:tcPr/>
-                </a:tc>
-              </a:tr>
-              <a:tr h="432197">
-                <a:tc>
-                  <a:txBody>
-                    <a:bodyPr/>
-                    <a:lstStyle/>
-                    <a:p>
-                      <a:endParaRPr lang="de-CH" dirty="0"/>
-                    </a:p>
-                  </a:txBody>
-                  <a:tcPr/>
-                </a:tc>
-                <a:tc>
-                  <a:txBody>
-                    <a:bodyPr/>
-                    <a:lstStyle/>
-                    <a:p>
-                      <a:endParaRPr lang="de-CH" dirty="0"/>
-                    </a:p>
-                  </a:txBody>
-                  <a:tcPr/>
-                </a:tc>
-                <a:tc>
-                  <a:txBody>
-                    <a:bodyPr/>
-                    <a:lstStyle/>
-                    <a:p>
-                      <a:endParaRPr lang="de-CH" dirty="0"/>
-                    </a:p>
-                  </a:txBody>
-                  <a:tcPr/>
-                </a:tc>
-                <a:tc>
-                  <a:txBody>
-                    <a:bodyPr/>
-                    <a:lstStyle/>
-                    <a:p>
-                      <a:endParaRPr lang="de-CH" dirty="0"/>
-                    </a:p>
-                  </a:txBody>
-                  <a:tcPr/>
-                </a:tc>
-              </a:tr>
-            </a:tbl>
-          </a:graphicData>
-        </a:graphic>
-      </p:graphicFrame>
-      <p:sp>
-        <p:nvSpPr>
-          <p:cNvPr id="4" name="Fußzeilenplatzhalter 3"/>
-          <p:cNvSpPr>
-            <a:spLocks noGrp="1"/>
-          </p:cNvSpPr>
-          <p:nvPr>
-            <p:ph type="ftr" sz="quarter" idx="3"/>
-          </p:nvPr>
-        </p:nvSpPr>
-        <p:spPr/>
-        <p:txBody>
-          <a:bodyPr/>
-          <a:lstStyle/>
-          <a:p>
-            <a:r>
-              <a:rPr lang="de-CH" smtClean="0"/>
-              <a:t>Zwischenbericht, BA PresWriter, Rapperswil, 9.4.2013</a:t>
-            </a:r>
-            <a:endParaRPr lang="de-CH" dirty="0"/>
-          </a:p>
-        </p:txBody>
-      </p:sp>
-      <p:sp>
-        <p:nvSpPr>
-          <p:cNvPr id="5" name="Foliennummernplatzhalter 4"/>
-          <p:cNvSpPr>
-            <a:spLocks noGrp="1"/>
-          </p:cNvSpPr>
-          <p:nvPr>
-            <p:ph type="sldNum" sz="quarter" idx="4"/>
-          </p:nvPr>
-        </p:nvSpPr>
-        <p:spPr/>
-        <p:txBody>
-          <a:bodyPr/>
-          <a:lstStyle/>
-          <a:p>
-            <a:fld id="{6CB3B594-2801-4864-9089-E42463258A4B}" type="slidenum">
-              <a:rPr lang="de-CH" smtClean="0"/>
-              <a:pPr/>
-              <a:t>18</a:t>
-            </a:fld>
-            <a:endParaRPr lang="de-CH"/>
-          </a:p>
-        </p:txBody>
-      </p:sp>
-      <p:sp>
-        <p:nvSpPr>
-          <p:cNvPr id="10" name="Bildplatzhalter 9"/>
-          <p:cNvSpPr>
-            <a:spLocks noGrp="1"/>
-          </p:cNvSpPr>
-          <p:nvPr>
-            <p:ph type="pic" sz="quarter" idx="14"/>
-          </p:nvPr>
-        </p:nvSpPr>
-        <p:spPr/>
-      </p:sp>
-    </p:spTree>
-    <p:extLst>
-      <p:ext uri="{BB962C8B-B14F-4D97-AF65-F5344CB8AC3E}">
-        <p14:creationId xmlns:p14="http://schemas.microsoft.com/office/powerpoint/2010/main" val="2281220421"/>
-      </p:ext>
-    </p:extLst>
-  </p:cSld>
-  <p:clrMapOvr>
-    <a:masterClrMapping/>
-  </p:clrMapOvr>
-  <p:timing>
-    <p:tnLst>
-      <p:par>
-        <p:cTn id="1" dur="indefinite" restart="never" nodeType="tmRoot"/>
-      </p:par>
-    </p:tnLst>
-  </p:timing>
-</p:sld>
-</file>
-
-<file path=ppt/slides/slide19.xml><?xml version="1.0" encoding="utf-8"?>
-<p:sld xmlns:a="http://schemas.openxmlformats.org/drawingml/2006/main" xmlns:r="http://schemas.openxmlformats.org/officeDocument/2006/relationships" xmlns:p="http://schemas.openxmlformats.org/presentationml/2006/main">
-  <p:cSld>
-    <p:spTree>
-      <p:nvGrpSpPr>
-        <p:cNvPr id="1" name=""/>
-        <p:cNvGrpSpPr/>
-        <p:nvPr/>
-      </p:nvGrpSpPr>
-      <p:grpSpPr>
-        <a:xfrm>
-          <a:off x="0" y="0"/>
-          <a:ext cx="0" cy="0"/>
-          <a:chOff x="0" y="0"/>
-          <a:chExt cx="0" cy="0"/>
-        </a:xfrm>
-      </p:grpSpPr>
-      <p:sp>
-        <p:nvSpPr>
-          <p:cNvPr id="2" name="Titel 1"/>
-          <p:cNvSpPr>
-            <a:spLocks noGrp="1"/>
-          </p:cNvSpPr>
-          <p:nvPr>
-            <p:ph type="title"/>
-          </p:nvPr>
-        </p:nvSpPr>
-        <p:spPr/>
-        <p:txBody>
-          <a:bodyPr/>
-          <a:lstStyle/>
-          <a:p>
-            <a:r>
-              <a:rPr lang="de-CH" smtClean="0"/>
-              <a:t>Beispiel Säulendiagramm</a:t>
-            </a:r>
-            <a:endParaRPr lang="de-CH" dirty="0"/>
-          </a:p>
-        </p:txBody>
-      </p:sp>
-      <p:sp>
-        <p:nvSpPr>
-          <p:cNvPr id="3" name="Fußzeilenplatzhalter 2"/>
-          <p:cNvSpPr>
-            <a:spLocks noGrp="1"/>
-          </p:cNvSpPr>
-          <p:nvPr>
-            <p:ph type="ftr" sz="quarter" idx="3"/>
-          </p:nvPr>
-        </p:nvSpPr>
-        <p:spPr/>
-        <p:txBody>
-          <a:bodyPr/>
-          <a:lstStyle/>
-          <a:p>
-            <a:r>
-              <a:rPr lang="de-CH" smtClean="0"/>
-              <a:t>Zwischenbericht, BA PresWriter, Rapperswil, 9.4.2013</a:t>
-            </a:r>
-            <a:endParaRPr lang="de-CH" dirty="0"/>
-          </a:p>
-        </p:txBody>
-      </p:sp>
-      <p:sp>
-        <p:nvSpPr>
-          <p:cNvPr id="4" name="Foliennummernplatzhalter 3"/>
-          <p:cNvSpPr>
-            <a:spLocks noGrp="1"/>
-          </p:cNvSpPr>
-          <p:nvPr>
-            <p:ph type="sldNum" sz="quarter" idx="4"/>
-          </p:nvPr>
-        </p:nvSpPr>
-        <p:spPr/>
-        <p:txBody>
-          <a:bodyPr/>
-          <a:lstStyle/>
-          <a:p>
-            <a:fld id="{6CB3B594-2801-4864-9089-E42463258A4B}" type="slidenum">
-              <a:rPr lang="de-CH" smtClean="0"/>
-              <a:pPr/>
-              <a:t>19</a:t>
-            </a:fld>
-            <a:endParaRPr lang="de-CH"/>
-          </a:p>
-        </p:txBody>
-      </p:sp>
-      <p:sp>
-        <p:nvSpPr>
-          <p:cNvPr id="9" name="Bildplatzhalter 8"/>
-          <p:cNvSpPr>
-            <a:spLocks noGrp="1"/>
-          </p:cNvSpPr>
-          <p:nvPr>
-            <p:ph type="pic" sz="quarter" idx="14"/>
-          </p:nvPr>
-        </p:nvSpPr>
-        <p:spPr/>
-      </p:sp>
-      <p:graphicFrame>
-        <p:nvGraphicFramePr>
-          <p:cNvPr id="5" name="Inhaltsplatzhalter 5"/>
-          <p:cNvGraphicFramePr>
-            <a:graphicFrameLocks/>
-          </p:cNvGraphicFramePr>
-          <p:nvPr>
-            <p:extLst>
-              <p:ext uri="{D42A27DB-BD31-4B8C-83A1-F6EECF244321}">
-                <p14:modId xmlns:p14="http://schemas.microsoft.com/office/powerpoint/2010/main" val="1014412296"/>
-              </p:ext>
-            </p:extLst>
-          </p:nvPr>
-        </p:nvGraphicFramePr>
-        <p:xfrm>
-          <a:off x="756000" y="1167185"/>
-          <a:ext cx="7920000" cy="4600575"/>
-        </p:xfrm>
-        <a:graphic>
-          <a:graphicData uri="http://schemas.openxmlformats.org/drawingml/2006/chart">
-            <c:chart xmlns:c="http://schemas.openxmlformats.org/drawingml/2006/chart" xmlns:r="http://schemas.openxmlformats.org/officeDocument/2006/relationships" r:id="rId2"/>
-          </a:graphicData>
-        </a:graphic>
-      </p:graphicFrame>
-    </p:spTree>
-    <p:extLst>
-      <p:ext uri="{BB962C8B-B14F-4D97-AF65-F5344CB8AC3E}">
-        <p14:creationId xmlns:p14="http://schemas.microsoft.com/office/powerpoint/2010/main" val="109960708"/>
-      </p:ext>
-    </p:extLst>
-  </p:cSld>
-  <p:clrMapOvr>
-    <a:masterClrMapping/>
-  </p:clrMapOvr>
-  <p:timing>
-    <p:tnLst>
-      <p:par>
-        <p:cTn id="1" dur="indefinite" restart="never" nodeType="tmRoot"/>
-      </p:par>
-    </p:tnLst>
-  </p:timing>
-</p:sld>
-</file>
-
-<file path=ppt/slides/slide2.xml><?xml version="1.0" encoding="utf-8"?>
-<p:sld xmlns:a="http://schemas.openxmlformats.org/drawingml/2006/main" xmlns:r="http://schemas.openxmlformats.org/officeDocument/2006/relationships" xmlns:p="http://schemas.openxmlformats.org/presentationml/2006/main">
-  <p:cSld>
-    <p:spTree>
-      <p:nvGrpSpPr>
-        <p:cNvPr id="1" name=""/>
-        <p:cNvGrpSpPr/>
-        <p:nvPr/>
-      </p:nvGrpSpPr>
-      <p:grpSpPr>
-        <a:xfrm>
-          <a:off x="0" y="0"/>
-          <a:ext cx="0" cy="0"/>
-          <a:chOff x="0" y="0"/>
-          <a:chExt cx="0" cy="0"/>
-        </a:xfrm>
-      </p:grpSpPr>
-      <p:sp>
-        <p:nvSpPr>
-          <p:cNvPr id="2" name="Titel 1"/>
-          <p:cNvSpPr>
-            <a:spLocks noGrp="1"/>
-          </p:cNvSpPr>
-          <p:nvPr>
-            <p:ph type="title"/>
-          </p:nvPr>
-        </p:nvSpPr>
-        <p:spPr/>
-        <p:txBody>
-          <a:bodyPr/>
-          <a:lstStyle/>
-          <a:p>
-            <a:r>
-              <a:rPr lang="de-CH" smtClean="0"/>
-              <a:t>Inhaltsverzeichnis</a:t>
-            </a:r>
-            <a:endParaRPr lang="de-CH" dirty="0"/>
-          </a:p>
-        </p:txBody>
-      </p:sp>
-      <p:sp>
-        <p:nvSpPr>
-          <p:cNvPr id="3" name="Inhaltsplatzhalter 2"/>
-          <p:cNvSpPr>
-            <a:spLocks noGrp="1"/>
-          </p:cNvSpPr>
-          <p:nvPr>
-            <p:ph sz="quarter" idx="13"/>
-          </p:nvPr>
-        </p:nvSpPr>
-        <p:spPr/>
-        <p:txBody>
-          <a:bodyPr/>
-          <a:lstStyle/>
-          <a:p>
-            <a:r>
-              <a:rPr lang="de-CH" dirty="0" smtClean="0"/>
-              <a:t>Pen Tracking</a:t>
-            </a:r>
-          </a:p>
-          <a:p>
-            <a:r>
-              <a:rPr lang="de-CH" dirty="0" smtClean="0">
-                <a:solidFill>
-                  <a:srgbClr val="C6C7C8"/>
-                </a:solidFill>
-              </a:rPr>
-              <a:t>Kalibrierung</a:t>
-            </a:r>
-          </a:p>
-          <a:p>
-            <a:r>
-              <a:rPr lang="de-CH" dirty="0" smtClean="0">
-                <a:solidFill>
-                  <a:srgbClr val="C6C7C8"/>
-                </a:solidFill>
-              </a:rPr>
-              <a:t>Architektur</a:t>
-            </a:r>
-          </a:p>
-          <a:p>
-            <a:r>
-              <a:rPr lang="de-CH" dirty="0" smtClean="0">
-                <a:solidFill>
-                  <a:srgbClr val="C6C7C8"/>
-                </a:solidFill>
-              </a:rPr>
-              <a:t>Ausblick</a:t>
-            </a:r>
-          </a:p>
-          <a:p>
-            <a:endParaRPr lang="de-CH" dirty="0" smtClean="0"/>
-          </a:p>
-          <a:p>
-            <a:endParaRPr lang="de-CH" dirty="0" smtClean="0"/>
-          </a:p>
-          <a:p>
-            <a:endParaRPr lang="de-CH" dirty="0"/>
-          </a:p>
-        </p:txBody>
-      </p:sp>
-      <p:sp>
-        <p:nvSpPr>
-          <p:cNvPr id="4" name="Fußzeilenplatzhalter 3"/>
-          <p:cNvSpPr>
-            <a:spLocks noGrp="1"/>
-          </p:cNvSpPr>
-          <p:nvPr>
-            <p:ph type="ftr" sz="quarter" idx="3"/>
-          </p:nvPr>
-        </p:nvSpPr>
-        <p:spPr/>
-        <p:txBody>
-          <a:bodyPr/>
-          <a:lstStyle/>
-          <a:p>
-            <a:r>
-              <a:rPr lang="de-CH" smtClean="0"/>
-              <a:t>Zwischenbericht, BA PresWriter, Rapperswil, 9.4.2013</a:t>
-            </a:r>
-            <a:endParaRPr lang="de-CH" dirty="0" smtClean="0"/>
-          </a:p>
-        </p:txBody>
-      </p:sp>
-      <p:sp>
-        <p:nvSpPr>
-          <p:cNvPr id="5" name="Foliennummernplatzhalter 4"/>
-          <p:cNvSpPr>
-            <a:spLocks noGrp="1"/>
-          </p:cNvSpPr>
-          <p:nvPr>
-            <p:ph type="sldNum" sz="quarter" idx="4"/>
-          </p:nvPr>
-        </p:nvSpPr>
-        <p:spPr/>
-        <p:txBody>
-          <a:bodyPr/>
-          <a:lstStyle/>
-          <a:p>
-            <a:fld id="{6CB3B594-2801-4864-9089-E42463258A4B}" type="slidenum">
-              <a:rPr lang="de-CH" smtClean="0"/>
-              <a:pPr/>
-              <a:t>2</a:t>
-            </a:fld>
-            <a:endParaRPr lang="de-CH"/>
-          </a:p>
-        </p:txBody>
-      </p:sp>
-      <p:sp>
-        <p:nvSpPr>
-          <p:cNvPr id="10" name="Bildplatzhalter 9"/>
-          <p:cNvSpPr>
-            <a:spLocks noGrp="1"/>
-          </p:cNvSpPr>
-          <p:nvPr>
-            <p:ph type="pic" sz="quarter" idx="14"/>
-          </p:nvPr>
-        </p:nvSpPr>
-        <p:spPr/>
-      </p:sp>
-    </p:spTree>
-    <p:extLst>
-      <p:ext uri="{BB962C8B-B14F-4D97-AF65-F5344CB8AC3E}">
-        <p14:creationId xmlns:p14="http://schemas.microsoft.com/office/powerpoint/2010/main" val="1288493306"/>
-      </p:ext>
-    </p:extLst>
-  </p:cSld>
-  <p:clrMapOvr>
-    <a:masterClrMapping/>
-  </p:clrMapOvr>
-  <p:timing>
-    <p:tnLst>
-      <p:par>
-        <p:cTn id="1" dur="indefinite" restart="never" nodeType="tmRoot"/>
-      </p:par>
-    </p:tnLst>
-  </p:timing>
-</p:sld>
-</file>
-
-<file path=ppt/slides/slide20.xml><?xml version="1.0" encoding="utf-8"?>
-<p:sld xmlns:a="http://schemas.openxmlformats.org/drawingml/2006/main" xmlns:r="http://schemas.openxmlformats.org/officeDocument/2006/relationships" xmlns:p="http://schemas.openxmlformats.org/presentationml/2006/main">
-  <p:cSld>
-    <p:spTree>
-      <p:nvGrpSpPr>
-        <p:cNvPr id="1" name=""/>
-        <p:cNvGrpSpPr/>
-        <p:nvPr/>
-      </p:nvGrpSpPr>
-      <p:grpSpPr>
-        <a:xfrm>
-          <a:off x="0" y="0"/>
-          <a:ext cx="0" cy="0"/>
-          <a:chOff x="0" y="0"/>
-          <a:chExt cx="0" cy="0"/>
-        </a:xfrm>
-      </p:grpSpPr>
-      <p:sp>
-        <p:nvSpPr>
-          <p:cNvPr id="2" name="Titel 1"/>
-          <p:cNvSpPr>
-            <a:spLocks noGrp="1"/>
-          </p:cNvSpPr>
-          <p:nvPr>
-            <p:ph type="title"/>
-          </p:nvPr>
-        </p:nvSpPr>
-        <p:spPr/>
-        <p:txBody>
-          <a:bodyPr/>
-          <a:lstStyle/>
-          <a:p>
-            <a:r>
-              <a:rPr lang="de-CH" smtClean="0"/>
-              <a:t>Beispiel Kreisdiagramm</a:t>
-            </a:r>
-            <a:endParaRPr lang="de-CH" dirty="0"/>
-          </a:p>
-        </p:txBody>
-      </p:sp>
-      <p:sp>
-        <p:nvSpPr>
-          <p:cNvPr id="3" name="Fußzeilenplatzhalter 2"/>
-          <p:cNvSpPr>
-            <a:spLocks noGrp="1"/>
-          </p:cNvSpPr>
-          <p:nvPr>
-            <p:ph type="ftr" sz="quarter" idx="3"/>
-          </p:nvPr>
-        </p:nvSpPr>
-        <p:spPr/>
-        <p:txBody>
-          <a:bodyPr/>
-          <a:lstStyle/>
-          <a:p>
-            <a:r>
-              <a:rPr lang="de-CH" smtClean="0"/>
-              <a:t>Zwischenbericht, BA PresWriter, Rapperswil, 9.4.2013</a:t>
-            </a:r>
-            <a:endParaRPr lang="de-CH" dirty="0"/>
-          </a:p>
-        </p:txBody>
-      </p:sp>
-      <p:sp>
-        <p:nvSpPr>
-          <p:cNvPr id="4" name="Foliennummernplatzhalter 3"/>
-          <p:cNvSpPr>
-            <a:spLocks noGrp="1"/>
-          </p:cNvSpPr>
-          <p:nvPr>
-            <p:ph type="sldNum" sz="quarter" idx="4"/>
-          </p:nvPr>
-        </p:nvSpPr>
-        <p:spPr/>
-        <p:txBody>
-          <a:bodyPr/>
-          <a:lstStyle/>
-          <a:p>
-            <a:fld id="{6CB3B594-2801-4864-9089-E42463258A4B}" type="slidenum">
-              <a:rPr lang="de-CH" smtClean="0"/>
-              <a:pPr/>
-              <a:t>20</a:t>
-            </a:fld>
-            <a:endParaRPr lang="de-CH"/>
-          </a:p>
-        </p:txBody>
-      </p:sp>
-      <p:sp>
-        <p:nvSpPr>
-          <p:cNvPr id="9" name="Bildplatzhalter 8"/>
-          <p:cNvSpPr>
-            <a:spLocks noGrp="1"/>
-          </p:cNvSpPr>
-          <p:nvPr>
-            <p:ph type="pic" sz="quarter" idx="14"/>
-          </p:nvPr>
-        </p:nvSpPr>
-        <p:spPr/>
-      </p:sp>
-      <p:graphicFrame>
-        <p:nvGraphicFramePr>
-          <p:cNvPr id="5" name="Inhaltsplatzhalter 5"/>
-          <p:cNvGraphicFramePr>
-            <a:graphicFrameLocks/>
-          </p:cNvGraphicFramePr>
-          <p:nvPr>
-            <p:extLst>
-              <p:ext uri="{D42A27DB-BD31-4B8C-83A1-F6EECF244321}">
-                <p14:modId xmlns:p14="http://schemas.microsoft.com/office/powerpoint/2010/main" val="2275138260"/>
-              </p:ext>
-            </p:extLst>
-          </p:nvPr>
-        </p:nvGraphicFramePr>
-        <p:xfrm>
-          <a:off x="468313" y="1123200"/>
-          <a:ext cx="8207375" cy="4824412"/>
-        </p:xfrm>
-        <a:graphic>
-          <a:graphicData uri="http://schemas.openxmlformats.org/drawingml/2006/chart">
-            <c:chart xmlns:c="http://schemas.openxmlformats.org/drawingml/2006/chart" xmlns:r="http://schemas.openxmlformats.org/officeDocument/2006/relationships" r:id="rId2"/>
-          </a:graphicData>
-        </a:graphic>
-      </p:graphicFrame>
-    </p:spTree>
-    <p:extLst>
-      <p:ext uri="{BB962C8B-B14F-4D97-AF65-F5344CB8AC3E}">
-        <p14:creationId xmlns:p14="http://schemas.microsoft.com/office/powerpoint/2010/main" val="4122765240"/>
-      </p:ext>
-    </p:extLst>
-  </p:cSld>
-  <p:clrMapOvr>
-    <a:masterClrMapping/>
-  </p:clrMapOvr>
-  <p:timing>
-    <p:tnLst>
-      <p:par>
-        <p:cTn id="1" dur="indefinite" restart="never" nodeType="tmRoot"/>
-      </p:par>
-    </p:tnLst>
-  </p:timing>
-</p:sld>
-</file>
-
-<file path=ppt/slides/slide21.xml><?xml version="1.0" encoding="utf-8"?>
-<p:sld xmlns:a="http://schemas.openxmlformats.org/drawingml/2006/main" xmlns:r="http://schemas.openxmlformats.org/officeDocument/2006/relationships" xmlns:p="http://schemas.openxmlformats.org/presentationml/2006/main">
-  <p:cSld>
-    <p:spTree>
-      <p:nvGrpSpPr>
-        <p:cNvPr id="1" name=""/>
-        <p:cNvGrpSpPr/>
-        <p:nvPr/>
-      </p:nvGrpSpPr>
-      <p:grpSpPr>
-        <a:xfrm>
-          <a:off x="0" y="0"/>
-          <a:ext cx="0" cy="0"/>
-          <a:chOff x="0" y="0"/>
-          <a:chExt cx="0" cy="0"/>
-        </a:xfrm>
-      </p:grpSpPr>
-      <p:sp>
-        <p:nvSpPr>
-          <p:cNvPr id="2" name="Titel 1"/>
-          <p:cNvSpPr>
-            <a:spLocks noGrp="1"/>
-          </p:cNvSpPr>
-          <p:nvPr>
-            <p:ph type="title"/>
-          </p:nvPr>
-        </p:nvSpPr>
-        <p:spPr/>
-        <p:txBody>
-          <a:bodyPr/>
-          <a:lstStyle/>
-          <a:p>
-            <a:r>
-              <a:rPr lang="de-CH" smtClean="0"/>
-              <a:t>Beispiel Säulendiagramm mit anderen Farben</a:t>
-            </a:r>
-            <a:endParaRPr lang="de-CH" dirty="0"/>
-          </a:p>
-        </p:txBody>
-      </p:sp>
-      <p:sp>
-        <p:nvSpPr>
-          <p:cNvPr id="3" name="Fußzeilenplatzhalter 2"/>
-          <p:cNvSpPr>
-            <a:spLocks noGrp="1"/>
-          </p:cNvSpPr>
-          <p:nvPr>
-            <p:ph type="ftr" sz="quarter" idx="3"/>
-          </p:nvPr>
-        </p:nvSpPr>
-        <p:spPr/>
-        <p:txBody>
-          <a:bodyPr/>
-          <a:lstStyle/>
-          <a:p>
-            <a:r>
-              <a:rPr lang="de-CH" smtClean="0"/>
-              <a:t>Zwischenbericht, BA PresWriter, Rapperswil, 9.4.2013</a:t>
-            </a:r>
-            <a:endParaRPr lang="de-CH" dirty="0"/>
-          </a:p>
-        </p:txBody>
-      </p:sp>
-      <p:sp>
-        <p:nvSpPr>
-          <p:cNvPr id="4" name="Foliennummernplatzhalter 3"/>
-          <p:cNvSpPr>
-            <a:spLocks noGrp="1"/>
-          </p:cNvSpPr>
-          <p:nvPr>
-            <p:ph type="sldNum" sz="quarter" idx="4"/>
-          </p:nvPr>
-        </p:nvSpPr>
-        <p:spPr/>
-        <p:txBody>
-          <a:bodyPr/>
-          <a:lstStyle/>
-          <a:p>
-            <a:fld id="{6CB3B594-2801-4864-9089-E42463258A4B}" type="slidenum">
-              <a:rPr lang="de-CH" smtClean="0"/>
-              <a:pPr/>
-              <a:t>21</a:t>
-            </a:fld>
-            <a:endParaRPr lang="de-CH"/>
-          </a:p>
-        </p:txBody>
-      </p:sp>
-      <p:sp>
-        <p:nvSpPr>
-          <p:cNvPr id="9" name="Bildplatzhalter 8"/>
-          <p:cNvSpPr>
-            <a:spLocks noGrp="1"/>
-          </p:cNvSpPr>
-          <p:nvPr>
-            <p:ph type="pic" sz="quarter" idx="14"/>
-          </p:nvPr>
-        </p:nvSpPr>
-        <p:spPr/>
-      </p:sp>
-      <p:graphicFrame>
-        <p:nvGraphicFramePr>
-          <p:cNvPr id="5" name="Inhaltsplatzhalter 5"/>
-          <p:cNvGraphicFramePr>
-            <a:graphicFrameLocks/>
-          </p:cNvGraphicFramePr>
-          <p:nvPr>
-            <p:extLst>
-              <p:ext uri="{D42A27DB-BD31-4B8C-83A1-F6EECF244321}">
-                <p14:modId xmlns:p14="http://schemas.microsoft.com/office/powerpoint/2010/main" val="2163125786"/>
-              </p:ext>
-            </p:extLst>
-          </p:nvPr>
-        </p:nvGraphicFramePr>
-        <p:xfrm>
-          <a:off x="756000" y="1166400"/>
-          <a:ext cx="7920000" cy="4608000"/>
-        </p:xfrm>
-        <a:graphic>
-          <a:graphicData uri="http://schemas.openxmlformats.org/drawingml/2006/chart">
-            <c:chart xmlns:c="http://schemas.openxmlformats.org/drawingml/2006/chart" xmlns:r="http://schemas.openxmlformats.org/officeDocument/2006/relationships" r:id="rId3"/>
-          </a:graphicData>
-        </a:graphic>
-      </p:graphicFrame>
-    </p:spTree>
-    <p:extLst>
-      <p:ext uri="{BB962C8B-B14F-4D97-AF65-F5344CB8AC3E}">
-        <p14:creationId xmlns:p14="http://schemas.microsoft.com/office/powerpoint/2010/main" val="2452232191"/>
-      </p:ext>
-    </p:extLst>
-  </p:cSld>
-  <p:clrMapOvr>
-    <a:masterClrMapping/>
-  </p:clrMapOvr>
-  <p:timing>
-    <p:tnLst>
-      <p:par>
-        <p:cTn id="1" dur="indefinite" restart="never" nodeType="tmRoot"/>
-      </p:par>
-    </p:tnLst>
-  </p:timing>
-</p:sld>
-</file>
-
-<file path=ppt/slides/slide22.xml><?xml version="1.0" encoding="utf-8"?>
-<p:sld xmlns:a="http://schemas.openxmlformats.org/drawingml/2006/main" xmlns:r="http://schemas.openxmlformats.org/officeDocument/2006/relationships" xmlns:p="http://schemas.openxmlformats.org/presentationml/2006/main">
-  <p:cSld>
-    <p:spTree>
-      <p:nvGrpSpPr>
-        <p:cNvPr id="1" name=""/>
-        <p:cNvGrpSpPr/>
-        <p:nvPr/>
-      </p:nvGrpSpPr>
-      <p:grpSpPr>
-        <a:xfrm>
-          <a:off x="0" y="0"/>
-          <a:ext cx="0" cy="0"/>
-          <a:chOff x="0" y="0"/>
-          <a:chExt cx="0" cy="0"/>
-        </a:xfrm>
-      </p:grpSpPr>
-      <p:sp>
-        <p:nvSpPr>
-          <p:cNvPr id="2" name="Titel 1"/>
-          <p:cNvSpPr>
-            <a:spLocks noGrp="1"/>
-          </p:cNvSpPr>
-          <p:nvPr>
-            <p:ph type="title"/>
-          </p:nvPr>
-        </p:nvSpPr>
-        <p:spPr/>
-        <p:txBody>
-          <a:bodyPr/>
-          <a:lstStyle/>
-          <a:p>
-            <a:r>
-              <a:rPr lang="de-CH" smtClean="0"/>
-              <a:t>Beispiel Kreisdiagramm mit anderen Farben</a:t>
-            </a:r>
-            <a:endParaRPr lang="de-CH" dirty="0"/>
-          </a:p>
-        </p:txBody>
-      </p:sp>
-      <p:sp>
-        <p:nvSpPr>
-          <p:cNvPr id="3" name="Fußzeilenplatzhalter 2"/>
-          <p:cNvSpPr>
-            <a:spLocks noGrp="1"/>
-          </p:cNvSpPr>
-          <p:nvPr>
-            <p:ph type="ftr" sz="quarter" idx="3"/>
-          </p:nvPr>
-        </p:nvSpPr>
-        <p:spPr/>
-        <p:txBody>
-          <a:bodyPr/>
-          <a:lstStyle/>
-          <a:p>
-            <a:r>
-              <a:rPr lang="de-CH" smtClean="0"/>
-              <a:t>Zwischenbericht, BA PresWriter, Rapperswil, 9.4.2013</a:t>
-            </a:r>
-            <a:endParaRPr lang="de-CH" dirty="0"/>
-          </a:p>
-        </p:txBody>
-      </p:sp>
-      <p:sp>
-        <p:nvSpPr>
-          <p:cNvPr id="4" name="Foliennummernplatzhalter 3"/>
-          <p:cNvSpPr>
-            <a:spLocks noGrp="1"/>
-          </p:cNvSpPr>
-          <p:nvPr>
-            <p:ph type="sldNum" sz="quarter" idx="4"/>
-          </p:nvPr>
-        </p:nvSpPr>
-        <p:spPr/>
-        <p:txBody>
-          <a:bodyPr/>
-          <a:lstStyle/>
-          <a:p>
-            <a:fld id="{6CB3B594-2801-4864-9089-E42463258A4B}" type="slidenum">
-              <a:rPr lang="de-CH" smtClean="0"/>
-              <a:pPr/>
-              <a:t>22</a:t>
-            </a:fld>
-            <a:endParaRPr lang="de-CH"/>
-          </a:p>
-        </p:txBody>
-      </p:sp>
-      <p:sp>
-        <p:nvSpPr>
-          <p:cNvPr id="9" name="Bildplatzhalter 8"/>
-          <p:cNvSpPr>
-            <a:spLocks noGrp="1"/>
-          </p:cNvSpPr>
-          <p:nvPr>
-            <p:ph type="pic" sz="quarter" idx="14"/>
-          </p:nvPr>
-        </p:nvSpPr>
-        <p:spPr/>
-      </p:sp>
-      <p:graphicFrame>
-        <p:nvGraphicFramePr>
-          <p:cNvPr id="5" name="Inhaltsplatzhalter 5"/>
-          <p:cNvGraphicFramePr>
-            <a:graphicFrameLocks/>
-          </p:cNvGraphicFramePr>
-          <p:nvPr>
-            <p:extLst>
-              <p:ext uri="{D42A27DB-BD31-4B8C-83A1-F6EECF244321}">
-                <p14:modId xmlns:p14="http://schemas.microsoft.com/office/powerpoint/2010/main" val="2982491978"/>
-              </p:ext>
-            </p:extLst>
-          </p:nvPr>
-        </p:nvGraphicFramePr>
-        <p:xfrm>
-          <a:off x="468313" y="1124744"/>
-          <a:ext cx="8207375" cy="4824412"/>
-        </p:xfrm>
-        <a:graphic>
-          <a:graphicData uri="http://schemas.openxmlformats.org/drawingml/2006/chart">
-            <c:chart xmlns:c="http://schemas.openxmlformats.org/drawingml/2006/chart" xmlns:r="http://schemas.openxmlformats.org/officeDocument/2006/relationships" r:id="rId2"/>
-          </a:graphicData>
-        </a:graphic>
-      </p:graphicFrame>
-    </p:spTree>
-    <p:extLst>
-      <p:ext uri="{BB962C8B-B14F-4D97-AF65-F5344CB8AC3E}">
-        <p14:creationId xmlns:p14="http://schemas.microsoft.com/office/powerpoint/2010/main" val="1043672304"/>
-      </p:ext>
-    </p:extLst>
-  </p:cSld>
-  <p:clrMapOvr>
-    <a:masterClrMapping/>
-  </p:clrMapOvr>
-  <p:timing>
-    <p:tnLst>
-      <p:par>
-        <p:cTn id="1" dur="indefinite" restart="never" nodeType="tmRoot"/>
-      </p:par>
-    </p:tnLst>
-  </p:timing>
-</p:sld>
-</file>
-
-<file path=ppt/slides/slide23.xml><?xml version="1.0" encoding="utf-8"?>
-<p:sld xmlns:a="http://schemas.openxmlformats.org/drawingml/2006/main" xmlns:r="http://schemas.openxmlformats.org/officeDocument/2006/relationships" xmlns:p="http://schemas.openxmlformats.org/presentationml/2006/main">
-  <p:cSld>
-    <p:spTree>
-      <p:nvGrpSpPr>
-        <p:cNvPr id="1" name=""/>
-        <p:cNvGrpSpPr/>
-        <p:nvPr/>
-      </p:nvGrpSpPr>
-      <p:grpSpPr>
-        <a:xfrm>
-          <a:off x="0" y="0"/>
-          <a:ext cx="0" cy="0"/>
-          <a:chOff x="0" y="0"/>
-          <a:chExt cx="0" cy="0"/>
-        </a:xfrm>
-      </p:grpSpPr>
-      <p:sp>
-        <p:nvSpPr>
-          <p:cNvPr id="2" name="Titel 1"/>
-          <p:cNvSpPr>
-            <a:spLocks noGrp="1"/>
-          </p:cNvSpPr>
-          <p:nvPr>
-            <p:ph type="title"/>
-          </p:nvPr>
-        </p:nvSpPr>
-        <p:spPr/>
-        <p:txBody>
-          <a:bodyPr/>
-          <a:lstStyle/>
-          <a:p>
-            <a:r>
-              <a:rPr lang="de-CH" smtClean="0"/>
-              <a:t>Inhaltsverzeichnis</a:t>
-            </a:r>
-            <a:endParaRPr lang="de-CH" dirty="0"/>
-          </a:p>
-        </p:txBody>
-      </p:sp>
-      <p:sp>
-        <p:nvSpPr>
-          <p:cNvPr id="3" name="Inhaltsplatzhalter 2"/>
-          <p:cNvSpPr>
-            <a:spLocks noGrp="1"/>
-          </p:cNvSpPr>
-          <p:nvPr>
-            <p:ph sz="quarter" idx="13"/>
-          </p:nvPr>
-        </p:nvSpPr>
-        <p:spPr/>
-        <p:txBody>
-          <a:bodyPr/>
-          <a:lstStyle/>
-          <a:p>
-            <a:r>
-              <a:rPr lang="de-CH" dirty="0" smtClean="0">
-                <a:solidFill>
-                  <a:srgbClr val="C6C7C8"/>
-                </a:solidFill>
-              </a:rPr>
-              <a:t>Textfolien</a:t>
-            </a:r>
-          </a:p>
-          <a:p>
-            <a:r>
-              <a:rPr lang="de-CH" dirty="0" smtClean="0">
-                <a:solidFill>
-                  <a:srgbClr val="C6C7C8"/>
-                </a:solidFill>
-              </a:rPr>
-              <a:t>Folien mit Bild und Tabelle</a:t>
-            </a:r>
-          </a:p>
-          <a:p>
-            <a:r>
-              <a:rPr lang="de-CH" dirty="0" smtClean="0">
-                <a:solidFill>
-                  <a:srgbClr val="C6C7C8"/>
-                </a:solidFill>
-              </a:rPr>
-              <a:t>Folien mit Diagrammen</a:t>
-            </a:r>
-          </a:p>
-          <a:p>
-            <a:r>
-              <a:rPr lang="de-CH" dirty="0" smtClean="0"/>
-              <a:t>Hausfarben und Anleitung zur Bedienung der Vorlage</a:t>
-            </a:r>
-          </a:p>
-          <a:p>
-            <a:endParaRPr lang="de-CH" dirty="0" smtClean="0"/>
-          </a:p>
-          <a:p>
-            <a:endParaRPr lang="de-CH" dirty="0" smtClean="0"/>
-          </a:p>
-          <a:p>
-            <a:endParaRPr lang="de-CH" dirty="0"/>
-          </a:p>
-        </p:txBody>
-      </p:sp>
-      <p:sp>
-        <p:nvSpPr>
-          <p:cNvPr id="4" name="Fußzeilenplatzhalter 3"/>
-          <p:cNvSpPr>
-            <a:spLocks noGrp="1"/>
-          </p:cNvSpPr>
-          <p:nvPr>
-            <p:ph type="ftr" sz="quarter" idx="3"/>
-          </p:nvPr>
-        </p:nvSpPr>
-        <p:spPr/>
-        <p:txBody>
-          <a:bodyPr/>
-          <a:lstStyle/>
-          <a:p>
-            <a:r>
-              <a:rPr lang="de-CH" smtClean="0"/>
-              <a:t>Zwischenbericht, BA PresWriter, Rapperswil, 9.4.2013</a:t>
-            </a:r>
-            <a:endParaRPr lang="de-CH" dirty="0"/>
-          </a:p>
-        </p:txBody>
-      </p:sp>
-      <p:sp>
-        <p:nvSpPr>
-          <p:cNvPr id="5" name="Foliennummernplatzhalter 4"/>
-          <p:cNvSpPr>
-            <a:spLocks noGrp="1"/>
-          </p:cNvSpPr>
-          <p:nvPr>
-            <p:ph type="sldNum" sz="quarter" idx="4"/>
-          </p:nvPr>
-        </p:nvSpPr>
-        <p:spPr/>
-        <p:txBody>
-          <a:bodyPr/>
-          <a:lstStyle/>
-          <a:p>
-            <a:fld id="{6CB3B594-2801-4864-9089-E42463258A4B}" type="slidenum">
-              <a:rPr lang="de-CH" smtClean="0"/>
-              <a:pPr/>
-              <a:t>23</a:t>
-            </a:fld>
-            <a:endParaRPr lang="de-CH"/>
-          </a:p>
-        </p:txBody>
-      </p:sp>
-      <p:sp>
-        <p:nvSpPr>
-          <p:cNvPr id="10" name="Bildplatzhalter 9"/>
-          <p:cNvSpPr>
-            <a:spLocks noGrp="1"/>
-          </p:cNvSpPr>
-          <p:nvPr>
-            <p:ph type="pic" sz="quarter" idx="14"/>
-          </p:nvPr>
-        </p:nvSpPr>
-        <p:spPr/>
-      </p:sp>
-    </p:spTree>
-    <p:extLst>
-      <p:ext uri="{BB962C8B-B14F-4D97-AF65-F5344CB8AC3E}">
-        <p14:creationId xmlns:p14="http://schemas.microsoft.com/office/powerpoint/2010/main" val="1235909534"/>
-      </p:ext>
-    </p:extLst>
-  </p:cSld>
-  <p:clrMapOvr>
-    <a:masterClrMapping/>
-  </p:clrMapOvr>
-  <p:timing>
-    <p:tnLst>
-      <p:par>
-        <p:cTn id="1" dur="indefinite" restart="never" nodeType="tmRoot"/>
-      </p:par>
-    </p:tnLst>
-  </p:timing>
-</p:sld>
-</file>
-
-<file path=ppt/slides/slide24.xml><?xml version="1.0" encoding="utf-8"?>
-<p:sld xmlns:a="http://schemas.openxmlformats.org/drawingml/2006/main" xmlns:r="http://schemas.openxmlformats.org/officeDocument/2006/relationships" xmlns:p="http://schemas.openxmlformats.org/presentationml/2006/main">
-  <p:cSld>
-    <p:spTree>
-      <p:nvGrpSpPr>
-        <p:cNvPr id="1" name=""/>
-        <p:cNvGrpSpPr/>
-        <p:nvPr/>
-      </p:nvGrpSpPr>
-      <p:grpSpPr>
-        <a:xfrm>
-          <a:off x="0" y="0"/>
-          <a:ext cx="0" cy="0"/>
-          <a:chOff x="0" y="0"/>
-          <a:chExt cx="0" cy="0"/>
-        </a:xfrm>
-      </p:grpSpPr>
-      <p:sp>
-        <p:nvSpPr>
-          <p:cNvPr id="2" name="Titel 1"/>
-          <p:cNvSpPr>
-            <a:spLocks noGrp="1"/>
-          </p:cNvSpPr>
-          <p:nvPr>
-            <p:ph type="title"/>
-          </p:nvPr>
-        </p:nvSpPr>
-        <p:spPr/>
-        <p:txBody>
-          <a:bodyPr/>
-          <a:lstStyle/>
-          <a:p>
-            <a:r>
-              <a:rPr lang="de-CH" dirty="0" smtClean="0"/>
-              <a:t>HSR Hausfarben</a:t>
-            </a:r>
-            <a:endParaRPr lang="de-CH" dirty="0"/>
-          </a:p>
-        </p:txBody>
-      </p:sp>
-      <p:sp>
-        <p:nvSpPr>
-          <p:cNvPr id="3" name="Fußzeilenplatzhalter 2"/>
-          <p:cNvSpPr>
-            <a:spLocks noGrp="1"/>
-          </p:cNvSpPr>
-          <p:nvPr>
-            <p:ph type="ftr" sz="quarter" idx="3"/>
-          </p:nvPr>
-        </p:nvSpPr>
-        <p:spPr/>
-        <p:txBody>
-          <a:bodyPr/>
-          <a:lstStyle/>
-          <a:p>
-            <a:r>
-              <a:rPr lang="de-CH" smtClean="0"/>
-              <a:t>Zwischenbericht, BA PresWriter, Rapperswil, 9.4.2013</a:t>
-            </a:r>
-            <a:endParaRPr lang="de-CH" dirty="0"/>
-          </a:p>
-        </p:txBody>
-      </p:sp>
-      <p:sp>
-        <p:nvSpPr>
-          <p:cNvPr id="4" name="Foliennummernplatzhalter 3"/>
-          <p:cNvSpPr>
-            <a:spLocks noGrp="1"/>
-          </p:cNvSpPr>
-          <p:nvPr>
-            <p:ph type="sldNum" sz="quarter" idx="4"/>
-          </p:nvPr>
-        </p:nvSpPr>
-        <p:spPr/>
-        <p:txBody>
-          <a:bodyPr/>
-          <a:lstStyle/>
-          <a:p>
-            <a:fld id="{6CB3B594-2801-4864-9089-E42463258A4B}" type="slidenum">
-              <a:rPr lang="de-CH" smtClean="0"/>
-              <a:pPr/>
-              <a:t>24</a:t>
-            </a:fld>
-            <a:endParaRPr lang="de-CH"/>
-          </a:p>
-        </p:txBody>
-      </p:sp>
-      <p:sp>
-        <p:nvSpPr>
-          <p:cNvPr id="14" name="Bildplatzhalter 13"/>
-          <p:cNvSpPr>
-            <a:spLocks noGrp="1"/>
-          </p:cNvSpPr>
-          <p:nvPr>
-            <p:ph type="pic" sz="quarter" idx="14"/>
-          </p:nvPr>
-        </p:nvSpPr>
-        <p:spPr/>
-      </p:sp>
-      <p:sp>
-        <p:nvSpPr>
-          <p:cNvPr id="6" name="Rechteck 5"/>
-          <p:cNvSpPr/>
-          <p:nvPr/>
-        </p:nvSpPr>
-        <p:spPr>
-          <a:xfrm>
-            <a:off x="823376" y="1268760"/>
-            <a:ext cx="1368152" cy="864096"/>
-          </a:xfrm>
-          <a:prstGeom prst="rect">
-            <a:avLst/>
-          </a:prstGeom>
-          <a:solidFill>
-            <a:srgbClr val="0065A3"/>
-          </a:solidFill>
-          <a:ln>
-            <a:noFill/>
-          </a:ln>
-        </p:spPr>
-        <p:style>
-          <a:lnRef idx="2">
-            <a:schemeClr val="accent1">
-              <a:shade val="50000"/>
-            </a:schemeClr>
-          </a:lnRef>
-          <a:fillRef idx="1">
-            <a:schemeClr val="accent1"/>
-          </a:fillRef>
-          <a:effectRef idx="0">
-            <a:schemeClr val="accent1"/>
-          </a:effectRef>
-          <a:fontRef idx="minor">
-            <a:schemeClr val="lt1"/>
-          </a:fontRef>
-        </p:style>
-        <p:txBody>
-          <a:bodyPr rtlCol="0" anchor="ctr"/>
-          <a:lstStyle/>
-          <a:p>
-            <a:pPr algn="ctr"/>
-            <a:r>
-              <a:rPr lang="de-CH" dirty="0" smtClean="0"/>
-              <a:t>Blau</a:t>
-            </a:r>
-            <a:endParaRPr lang="de-CH" dirty="0"/>
-          </a:p>
-        </p:txBody>
-      </p:sp>
-      <p:sp>
-        <p:nvSpPr>
-          <p:cNvPr id="9" name="Rechteck 8"/>
-          <p:cNvSpPr/>
-          <p:nvPr/>
-        </p:nvSpPr>
-        <p:spPr>
-          <a:xfrm>
-            <a:off x="2758084" y="1268760"/>
-            <a:ext cx="1368152" cy="864096"/>
-          </a:xfrm>
-          <a:prstGeom prst="rect">
-            <a:avLst/>
-          </a:prstGeom>
-          <a:solidFill>
-            <a:srgbClr val="6E1C50"/>
-          </a:solidFill>
-          <a:ln>
-            <a:noFill/>
-          </a:ln>
-        </p:spPr>
-        <p:style>
-          <a:lnRef idx="2">
-            <a:schemeClr val="accent1">
-              <a:shade val="50000"/>
-            </a:schemeClr>
-          </a:lnRef>
-          <a:fillRef idx="1">
-            <a:schemeClr val="accent1"/>
-          </a:fillRef>
-          <a:effectRef idx="0">
-            <a:schemeClr val="accent1"/>
-          </a:effectRef>
-          <a:fontRef idx="minor">
-            <a:schemeClr val="lt1"/>
-          </a:fontRef>
-        </p:style>
-        <p:txBody>
-          <a:bodyPr rtlCol="0" anchor="ctr"/>
-          <a:lstStyle/>
-          <a:p>
-            <a:pPr algn="ctr"/>
-            <a:r>
-              <a:rPr lang="de-CH" dirty="0" err="1" smtClean="0"/>
-              <a:t>Hematite</a:t>
-            </a:r>
-            <a:endParaRPr lang="de-CH" dirty="0"/>
-          </a:p>
-        </p:txBody>
-      </p:sp>
-      <p:sp>
-        <p:nvSpPr>
-          <p:cNvPr id="12" name="Rechteck 11"/>
-          <p:cNvSpPr/>
-          <p:nvPr/>
-        </p:nvSpPr>
-        <p:spPr>
-          <a:xfrm>
-            <a:off x="4692792" y="1268760"/>
-            <a:ext cx="1368152" cy="864096"/>
-          </a:xfrm>
-          <a:prstGeom prst="rect">
-            <a:avLst/>
-          </a:prstGeom>
-          <a:solidFill>
-            <a:srgbClr val="548C86"/>
-          </a:solidFill>
-          <a:ln>
-            <a:noFill/>
-          </a:ln>
-        </p:spPr>
-        <p:style>
-          <a:lnRef idx="2">
-            <a:schemeClr val="accent1">
-              <a:shade val="50000"/>
-            </a:schemeClr>
-          </a:lnRef>
-          <a:fillRef idx="1">
-            <a:schemeClr val="accent1"/>
-          </a:fillRef>
-          <a:effectRef idx="0">
-            <a:schemeClr val="accent1"/>
-          </a:effectRef>
-          <a:fontRef idx="minor">
-            <a:schemeClr val="lt1"/>
-          </a:fontRef>
-        </p:style>
-        <p:txBody>
-          <a:bodyPr rtlCol="0" anchor="ctr"/>
-          <a:lstStyle/>
-          <a:p>
-            <a:pPr algn="ctr"/>
-            <a:r>
-              <a:rPr lang="de-CH" dirty="0" smtClean="0"/>
-              <a:t>Lake Green</a:t>
-            </a:r>
-            <a:endParaRPr lang="de-CH" dirty="0"/>
-          </a:p>
-        </p:txBody>
-      </p:sp>
-      <p:sp>
-        <p:nvSpPr>
-          <p:cNvPr id="15" name="Rechteck 14"/>
-          <p:cNvSpPr/>
-          <p:nvPr/>
-        </p:nvSpPr>
-        <p:spPr>
-          <a:xfrm>
-            <a:off x="6627499" y="1268760"/>
-            <a:ext cx="1368152" cy="864096"/>
-          </a:xfrm>
-          <a:prstGeom prst="rect">
-            <a:avLst/>
-          </a:prstGeom>
-          <a:solidFill>
-            <a:srgbClr val="7B6951"/>
-          </a:solidFill>
-          <a:ln>
-            <a:noFill/>
-          </a:ln>
-        </p:spPr>
-        <p:style>
-          <a:lnRef idx="2">
-            <a:schemeClr val="accent1">
-              <a:shade val="50000"/>
-            </a:schemeClr>
-          </a:lnRef>
-          <a:fillRef idx="1">
-            <a:schemeClr val="accent1"/>
-          </a:fillRef>
-          <a:effectRef idx="0">
-            <a:schemeClr val="accent1"/>
-          </a:effectRef>
-          <a:fontRef idx="minor">
-            <a:schemeClr val="lt1"/>
-          </a:fontRef>
-        </p:style>
-        <p:txBody>
-          <a:bodyPr rtlCol="0" anchor="ctr"/>
-          <a:lstStyle/>
-          <a:p>
-            <a:pPr algn="ctr"/>
-            <a:r>
-              <a:rPr lang="de-CH" dirty="0" smtClean="0"/>
-              <a:t>Reed</a:t>
-            </a:r>
-            <a:endParaRPr lang="de-CH" dirty="0"/>
-          </a:p>
-        </p:txBody>
-      </p:sp>
-      <p:sp>
-        <p:nvSpPr>
-          <p:cNvPr id="18" name="Rechteck 17"/>
-          <p:cNvSpPr/>
-          <p:nvPr/>
-        </p:nvSpPr>
-        <p:spPr>
-          <a:xfrm>
-            <a:off x="823376" y="3217800"/>
-            <a:ext cx="1368152" cy="864096"/>
-          </a:xfrm>
-          <a:prstGeom prst="rect">
-            <a:avLst/>
-          </a:prstGeom>
-          <a:solidFill>
-            <a:srgbClr val="00738D"/>
-          </a:solidFill>
-          <a:ln>
-            <a:noFill/>
-          </a:ln>
-        </p:spPr>
-        <p:style>
-          <a:lnRef idx="2">
-            <a:schemeClr val="accent1">
-              <a:shade val="50000"/>
-            </a:schemeClr>
-          </a:lnRef>
-          <a:fillRef idx="1">
-            <a:schemeClr val="accent1"/>
-          </a:fillRef>
-          <a:effectRef idx="0">
-            <a:schemeClr val="accent1"/>
-          </a:effectRef>
-          <a:fontRef idx="minor">
-            <a:schemeClr val="lt1"/>
-          </a:fontRef>
-        </p:style>
-        <p:txBody>
-          <a:bodyPr rtlCol="0" anchor="ctr"/>
-          <a:lstStyle/>
-          <a:p>
-            <a:pPr algn="ctr"/>
-            <a:r>
-              <a:rPr lang="de-CH" dirty="0" smtClean="0"/>
-              <a:t>Petrol</a:t>
-            </a:r>
-            <a:endParaRPr lang="de-CH" dirty="0"/>
-          </a:p>
-        </p:txBody>
-      </p:sp>
-      <p:sp>
-        <p:nvSpPr>
-          <p:cNvPr id="21" name="Rechteck 20"/>
-          <p:cNvSpPr/>
-          <p:nvPr/>
-        </p:nvSpPr>
-        <p:spPr>
-          <a:xfrm>
-            <a:off x="2758084" y="3217800"/>
-            <a:ext cx="1368152" cy="864096"/>
-          </a:xfrm>
-          <a:prstGeom prst="rect">
-            <a:avLst/>
-          </a:prstGeom>
-          <a:solidFill>
-            <a:srgbClr val="BABD5D"/>
-          </a:solidFill>
-          <a:ln>
-            <a:noFill/>
-          </a:ln>
-        </p:spPr>
-        <p:style>
-          <a:lnRef idx="2">
-            <a:schemeClr val="accent1">
-              <a:shade val="50000"/>
-            </a:schemeClr>
-          </a:lnRef>
-          <a:fillRef idx="1">
-            <a:schemeClr val="accent1"/>
-          </a:fillRef>
-          <a:effectRef idx="0">
-            <a:schemeClr val="accent1"/>
-          </a:effectRef>
-          <a:fontRef idx="minor">
-            <a:schemeClr val="lt1"/>
-          </a:fontRef>
-        </p:style>
-        <p:txBody>
-          <a:bodyPr rtlCol="0" anchor="ctr"/>
-          <a:lstStyle/>
-          <a:p>
-            <a:pPr algn="ctr"/>
-            <a:r>
-              <a:rPr lang="de-CH" dirty="0" err="1" smtClean="0"/>
-              <a:t>Basswood</a:t>
-            </a:r>
-            <a:endParaRPr lang="de-CH" dirty="0"/>
-          </a:p>
-        </p:txBody>
-      </p:sp>
-      <p:sp>
-        <p:nvSpPr>
-          <p:cNvPr id="24" name="Rechteck 23"/>
-          <p:cNvSpPr/>
-          <p:nvPr/>
-        </p:nvSpPr>
-        <p:spPr>
-          <a:xfrm>
-            <a:off x="4692792" y="3217800"/>
-            <a:ext cx="1368152" cy="864096"/>
-          </a:xfrm>
-          <a:prstGeom prst="rect">
-            <a:avLst/>
-          </a:prstGeom>
-          <a:solidFill>
-            <a:srgbClr val="C6C7C8"/>
-          </a:solidFill>
-          <a:ln>
-            <a:noFill/>
-          </a:ln>
-        </p:spPr>
-        <p:style>
-          <a:lnRef idx="2">
-            <a:schemeClr val="accent1">
-              <a:shade val="50000"/>
-            </a:schemeClr>
-          </a:lnRef>
-          <a:fillRef idx="1">
-            <a:schemeClr val="accent1"/>
-          </a:fillRef>
-          <a:effectRef idx="0">
-            <a:schemeClr val="accent1"/>
-          </a:effectRef>
-          <a:fontRef idx="minor">
-            <a:schemeClr val="lt1"/>
-          </a:fontRef>
-        </p:style>
-        <p:txBody>
-          <a:bodyPr rtlCol="0" anchor="ctr"/>
-          <a:lstStyle/>
-          <a:p>
-            <a:pPr algn="ctr"/>
-            <a:r>
-              <a:rPr lang="de-CH" dirty="0" smtClean="0"/>
-              <a:t>Grau</a:t>
-            </a:r>
-            <a:endParaRPr lang="de-CH" dirty="0"/>
-          </a:p>
-        </p:txBody>
-      </p:sp>
-      <p:sp>
-        <p:nvSpPr>
-          <p:cNvPr id="26" name="TextBox 25"/>
-          <p:cNvSpPr txBox="1"/>
-          <p:nvPr/>
-        </p:nvSpPr>
-        <p:spPr>
-          <a:xfrm>
-            <a:off x="448088" y="5156482"/>
-            <a:ext cx="7776864" cy="615553"/>
-          </a:xfrm>
-          <a:prstGeom prst="rect">
-            <a:avLst/>
-          </a:prstGeom>
-          <a:noFill/>
-        </p:spPr>
-        <p:txBody>
-          <a:bodyPr wrap="square" rtlCol="0">
-            <a:spAutoFit/>
-          </a:bodyPr>
-          <a:lstStyle/>
-          <a:p>
-            <a:pPr marL="267738">
-              <a:spcBef>
-                <a:spcPct val="20000"/>
-              </a:spcBef>
-              <a:spcAft>
-                <a:spcPts val="2000"/>
-              </a:spcAft>
-              <a:buClr>
-                <a:srgbClr val="3F6DA6"/>
-              </a:buClr>
-            </a:pPr>
-            <a:r>
-              <a:rPr lang="de-CH" sz="1700" dirty="0" smtClean="0">
-                <a:solidFill>
-                  <a:prstClr val="black"/>
-                </a:solidFill>
-              </a:rPr>
-              <a:t>Weitere Farbabstufungen finden Sie im Corporate-Design-Handbuch auf dem HSR Intranet</a:t>
-            </a:r>
-          </a:p>
-        </p:txBody>
-      </p:sp>
-      <p:sp>
-        <p:nvSpPr>
-          <p:cNvPr id="23" name="Rechteck 22"/>
-          <p:cNvSpPr/>
-          <p:nvPr/>
-        </p:nvSpPr>
-        <p:spPr>
-          <a:xfrm>
-            <a:off x="6627499" y="3243262"/>
-            <a:ext cx="1368152" cy="864096"/>
-          </a:xfrm>
-          <a:prstGeom prst="rect">
-            <a:avLst/>
-          </a:prstGeom>
-          <a:solidFill>
-            <a:srgbClr val="1A171B"/>
-          </a:solidFill>
-          <a:ln>
-            <a:noFill/>
-          </a:ln>
-        </p:spPr>
-        <p:style>
-          <a:lnRef idx="2">
-            <a:schemeClr val="accent1">
-              <a:shade val="50000"/>
-            </a:schemeClr>
-          </a:lnRef>
-          <a:fillRef idx="1">
-            <a:schemeClr val="accent1"/>
-          </a:fillRef>
-          <a:effectRef idx="0">
-            <a:schemeClr val="accent1"/>
-          </a:effectRef>
-          <a:fontRef idx="minor">
-            <a:schemeClr val="lt1"/>
-          </a:fontRef>
-        </p:style>
-        <p:txBody>
-          <a:bodyPr rtlCol="0" anchor="ctr"/>
-          <a:lstStyle/>
-          <a:p>
-            <a:pPr algn="ctr"/>
-            <a:r>
-              <a:rPr lang="de-CH" dirty="0" smtClean="0"/>
-              <a:t>Schwarz</a:t>
-            </a:r>
-            <a:endParaRPr lang="de-CH" dirty="0"/>
-          </a:p>
-        </p:txBody>
-      </p:sp>
-      <p:sp>
-        <p:nvSpPr>
-          <p:cNvPr id="28" name="Inhaltsplatzhalter 2"/>
-          <p:cNvSpPr txBox="1">
-            <a:spLocks/>
-          </p:cNvSpPr>
-          <p:nvPr/>
-        </p:nvSpPr>
-        <p:spPr>
-          <a:xfrm>
-            <a:off x="467544" y="2132856"/>
-            <a:ext cx="8207375" cy="936105"/>
-          </a:xfrm>
-          <a:prstGeom prst="rect">
-            <a:avLst/>
-          </a:prstGeom>
-        </p:spPr>
-        <p:txBody>
-          <a:bodyPr/>
-          <a:lstStyle>
-            <a:lvl1pPr marL="538163" indent="-273600" algn="l" defTabSz="914400" rtl="0" eaLnBrk="1" latinLnBrk="0" hangingPunct="1">
-              <a:spcBef>
-                <a:spcPct val="20000"/>
-              </a:spcBef>
-              <a:spcAft>
-                <a:spcPts val="1000"/>
-              </a:spcAft>
-              <a:buClr>
-                <a:schemeClr val="accent1"/>
-              </a:buClr>
-              <a:buSzPct val="94000"/>
-              <a:buFont typeface="Wingdings" pitchFamily="2" charset="2"/>
-              <a:buChar char="n"/>
-              <a:tabLst/>
-              <a:defRPr sz="1700" b="1" kern="1200">
-                <a:solidFill>
-                  <a:schemeClr val="tx1"/>
-                </a:solidFill>
-                <a:latin typeface="+mn-lt"/>
-                <a:ea typeface="+mn-ea"/>
-                <a:cs typeface="+mn-cs"/>
-              </a:defRPr>
-            </a:lvl1pPr>
-            <a:lvl2pPr marL="803275" indent="-273600" algn="l" defTabSz="914400" rtl="0" eaLnBrk="1" latinLnBrk="0" hangingPunct="1">
-              <a:spcBef>
-                <a:spcPts val="0"/>
-              </a:spcBef>
-              <a:spcAft>
-                <a:spcPts val="1000"/>
-              </a:spcAft>
-              <a:buClr>
-                <a:schemeClr val="bg2"/>
-              </a:buClr>
-              <a:buSzPct val="94000"/>
-              <a:buFont typeface="Wingdings" pitchFamily="2" charset="2"/>
-              <a:buChar char="n"/>
-              <a:tabLst/>
-              <a:defRPr sz="1700" kern="1200">
-                <a:solidFill>
-                  <a:schemeClr val="tx1"/>
-                </a:solidFill>
-                <a:latin typeface="+mn-lt"/>
-                <a:ea typeface="+mn-ea"/>
-                <a:cs typeface="+mn-cs"/>
-              </a:defRPr>
-            </a:lvl2pPr>
-            <a:lvl3pPr marL="1076325" indent="-273050" algn="l" defTabSz="914400" rtl="0" eaLnBrk="1" latinLnBrk="0" hangingPunct="1">
-              <a:spcBef>
-                <a:spcPts val="0"/>
-              </a:spcBef>
-              <a:spcAft>
-                <a:spcPts val="600"/>
-              </a:spcAft>
-              <a:buClr>
-                <a:schemeClr val="bg2"/>
-              </a:buClr>
-              <a:buSzPct val="80000"/>
-              <a:buFont typeface="Wingdings" pitchFamily="2" charset="2"/>
-              <a:buChar char="n"/>
-              <a:defRPr sz="1500" kern="1200">
-                <a:solidFill>
-                  <a:schemeClr val="tx1"/>
-                </a:solidFill>
-                <a:latin typeface="+mn-lt"/>
-                <a:ea typeface="+mn-ea"/>
-                <a:cs typeface="+mn-cs"/>
-              </a:defRPr>
-            </a:lvl3pPr>
-            <a:lvl4pPr marL="1341438" indent="-273600" algn="l" defTabSz="914400" rtl="0" eaLnBrk="1" latinLnBrk="0" hangingPunct="1">
-              <a:spcBef>
-                <a:spcPts val="0"/>
-              </a:spcBef>
-              <a:spcAft>
-                <a:spcPts val="1000"/>
-              </a:spcAft>
-              <a:buClr>
-                <a:schemeClr val="bg2"/>
-              </a:buClr>
-              <a:buSzPct val="80000"/>
-              <a:buFont typeface="Wingdings" pitchFamily="2" charset="2"/>
-              <a:buChar char="n"/>
-              <a:defRPr sz="1500" kern="1200">
-                <a:solidFill>
-                  <a:schemeClr val="tx1"/>
-                </a:solidFill>
-                <a:latin typeface="+mn-lt"/>
-                <a:ea typeface="+mn-ea"/>
-                <a:cs typeface="+mn-cs"/>
-              </a:defRPr>
-            </a:lvl4pPr>
-            <a:lvl5pPr marL="1616075" indent="-274638" algn="l" defTabSz="914400" rtl="0" eaLnBrk="1" latinLnBrk="0" hangingPunct="1">
-              <a:spcBef>
-                <a:spcPts val="0"/>
-              </a:spcBef>
-              <a:spcAft>
-                <a:spcPts val="1000"/>
-              </a:spcAft>
-              <a:buClr>
-                <a:schemeClr val="bg2"/>
-              </a:buClr>
-              <a:buSzPct val="80000"/>
-              <a:buFont typeface="Wingdings" pitchFamily="2" charset="2"/>
-              <a:buChar char="n"/>
-              <a:defRPr lang="de-CH" sz="1500" kern="1200" dirty="0">
-                <a:solidFill>
-                  <a:schemeClr val="tx1"/>
-                </a:solidFill>
-                <a:latin typeface="+mn-lt"/>
-                <a:ea typeface="+mn-ea"/>
-                <a:cs typeface="+mn-cs"/>
-              </a:defRPr>
-            </a:lvl5pPr>
-            <a:lvl6pPr marL="1341437" indent="0" algn="l" defTabSz="914400" rtl="0" eaLnBrk="1" latinLnBrk="0" hangingPunct="1">
-              <a:spcBef>
-                <a:spcPct val="20000"/>
-              </a:spcBef>
-              <a:buClr>
-                <a:schemeClr val="bg2"/>
-              </a:buClr>
-              <a:buFont typeface="Wingdings" pitchFamily="2" charset="2"/>
-              <a:buNone/>
-              <a:defRPr sz="1500" kern="1200">
-                <a:solidFill>
-                  <a:schemeClr val="tx1"/>
-                </a:solidFill>
-                <a:latin typeface="+mn-lt"/>
-                <a:ea typeface="+mn-ea"/>
-                <a:cs typeface="+mn-cs"/>
-              </a:defRPr>
-            </a:lvl6pPr>
-            <a:lvl7pPr marL="2971800" indent="-228600" algn="l" defTabSz="914400" rtl="0" eaLnBrk="1" latinLnBrk="0" hangingPunct="1">
-              <a:spcBef>
-                <a:spcPct val="20000"/>
-              </a:spcBef>
-              <a:buFont typeface="Arial" pitchFamily="34" charset="0"/>
-              <a:buChar char="•"/>
-              <a:defRPr sz="2000" kern="1200">
-                <a:solidFill>
-                  <a:schemeClr val="tx1"/>
-                </a:solidFill>
-                <a:latin typeface="+mn-lt"/>
-                <a:ea typeface="+mn-ea"/>
-                <a:cs typeface="+mn-cs"/>
-              </a:defRPr>
-            </a:lvl7pPr>
-            <a:lvl8pPr marL="3429000" indent="-228600" algn="l" defTabSz="914400" rtl="0" eaLnBrk="1" latinLnBrk="0" hangingPunct="1">
-              <a:spcBef>
-                <a:spcPct val="20000"/>
-              </a:spcBef>
-              <a:buFont typeface="Arial" pitchFamily="34" charset="0"/>
-              <a:buChar char="•"/>
-              <a:defRPr sz="2000" kern="1200">
-                <a:solidFill>
-                  <a:schemeClr val="tx1"/>
-                </a:solidFill>
-                <a:latin typeface="+mn-lt"/>
-                <a:ea typeface="+mn-ea"/>
-                <a:cs typeface="+mn-cs"/>
-              </a:defRPr>
-            </a:lvl8pPr>
-            <a:lvl9pPr marL="3886200" indent="-228600" algn="l" defTabSz="914400" rtl="0" eaLnBrk="1" latinLnBrk="0" hangingPunct="1">
-              <a:spcBef>
-                <a:spcPct val="20000"/>
-              </a:spcBef>
-              <a:buFont typeface="Arial" pitchFamily="34" charset="0"/>
-              <a:buChar char="•"/>
-              <a:defRPr sz="2000" kern="1200">
-                <a:solidFill>
-                  <a:schemeClr val="tx1"/>
-                </a:solidFill>
-                <a:latin typeface="+mn-lt"/>
-                <a:ea typeface="+mn-ea"/>
-                <a:cs typeface="+mn-cs"/>
-              </a:defRPr>
-            </a:lvl9pPr>
-          </a:lstStyle>
-          <a:p>
-            <a:pPr marL="264563" indent="0">
-              <a:spcAft>
-                <a:spcPts val="0"/>
-              </a:spcAft>
-              <a:buNone/>
-              <a:tabLst>
-                <a:tab pos="536400" algn="l"/>
-                <a:tab pos="2196000" algn="l"/>
-                <a:tab pos="2509200" algn="l"/>
-                <a:tab pos="4125600" algn="l"/>
-                <a:tab pos="4395600" algn="l"/>
-                <a:tab pos="6048000" algn="l"/>
-                <a:tab pos="6084000" algn="l"/>
-                <a:tab pos="6372000" algn="l"/>
-              </a:tabLst>
-            </a:pPr>
-            <a:r>
-              <a:rPr lang="de-CH" sz="1500" b="0" dirty="0" smtClean="0"/>
-              <a:t>R:	000	R:	110	R:	084	R:	123	</a:t>
-            </a:r>
-          </a:p>
-          <a:p>
-            <a:pPr marL="264563" indent="0">
-              <a:spcBef>
-                <a:spcPts val="0"/>
-              </a:spcBef>
-              <a:spcAft>
-                <a:spcPts val="0"/>
-              </a:spcAft>
-              <a:buNone/>
-              <a:tabLst>
-                <a:tab pos="536400" algn="l"/>
-                <a:tab pos="2196000" algn="l"/>
-                <a:tab pos="2509200" algn="l"/>
-                <a:tab pos="4125600" algn="l"/>
-                <a:tab pos="4395600" algn="l"/>
-                <a:tab pos="6048000" algn="l"/>
-                <a:tab pos="6084000" algn="l"/>
-                <a:tab pos="6372000" algn="l"/>
-              </a:tabLst>
-            </a:pPr>
-            <a:r>
-              <a:rPr lang="de-CH" sz="1500" b="0" dirty="0" smtClean="0"/>
-              <a:t>G: 101	G:	028	G:	140	G:	105</a:t>
-            </a:r>
-          </a:p>
-          <a:p>
-            <a:pPr marL="264563" indent="0">
-              <a:spcBef>
-                <a:spcPts val="0"/>
-              </a:spcBef>
-              <a:spcAft>
-                <a:spcPts val="0"/>
-              </a:spcAft>
-              <a:buNone/>
-              <a:tabLst>
-                <a:tab pos="536400" algn="l"/>
-                <a:tab pos="2196000" algn="l"/>
-                <a:tab pos="2509200" algn="l"/>
-                <a:tab pos="4125600" algn="l"/>
-                <a:tab pos="4395600" algn="l"/>
-                <a:tab pos="6048000" algn="l"/>
-                <a:tab pos="6084000" algn="l"/>
-                <a:tab pos="6372000" algn="l"/>
-              </a:tabLst>
-            </a:pPr>
-            <a:r>
-              <a:rPr lang="de-CH" sz="1500" b="0" dirty="0" smtClean="0"/>
-              <a:t>B:	163	B:	080	B:	134	B:	081</a:t>
-            </a:r>
-            <a:endParaRPr lang="de-CH" sz="1500" b="0" dirty="0"/>
-          </a:p>
-        </p:txBody>
-      </p:sp>
-      <p:sp>
-        <p:nvSpPr>
-          <p:cNvPr id="29" name="Inhaltsplatzhalter 2"/>
-          <p:cNvSpPr txBox="1">
-            <a:spLocks/>
-          </p:cNvSpPr>
-          <p:nvPr/>
-        </p:nvSpPr>
-        <p:spPr>
-          <a:xfrm>
-            <a:off x="467544" y="4077072"/>
-            <a:ext cx="8207375" cy="936105"/>
-          </a:xfrm>
-          <a:prstGeom prst="rect">
-            <a:avLst/>
-          </a:prstGeom>
-        </p:spPr>
-        <p:txBody>
-          <a:bodyPr/>
-          <a:lstStyle>
-            <a:lvl1pPr marL="538163" indent="-273600" algn="l" defTabSz="914400" rtl="0" eaLnBrk="1" latinLnBrk="0" hangingPunct="1">
-              <a:spcBef>
-                <a:spcPct val="20000"/>
-              </a:spcBef>
-              <a:spcAft>
-                <a:spcPts val="1000"/>
-              </a:spcAft>
-              <a:buClr>
-                <a:schemeClr val="accent1"/>
-              </a:buClr>
-              <a:buSzPct val="94000"/>
-              <a:buFont typeface="Wingdings" pitchFamily="2" charset="2"/>
-              <a:buChar char="n"/>
-              <a:tabLst/>
-              <a:defRPr sz="1700" b="1" kern="1200">
-                <a:solidFill>
-                  <a:schemeClr val="tx1"/>
-                </a:solidFill>
-                <a:latin typeface="+mn-lt"/>
-                <a:ea typeface="+mn-ea"/>
-                <a:cs typeface="+mn-cs"/>
-              </a:defRPr>
-            </a:lvl1pPr>
-            <a:lvl2pPr marL="803275" indent="-273600" algn="l" defTabSz="914400" rtl="0" eaLnBrk="1" latinLnBrk="0" hangingPunct="1">
-              <a:spcBef>
-                <a:spcPts val="0"/>
-              </a:spcBef>
-              <a:spcAft>
-                <a:spcPts val="1000"/>
-              </a:spcAft>
-              <a:buClr>
-                <a:schemeClr val="bg2"/>
-              </a:buClr>
-              <a:buSzPct val="94000"/>
-              <a:buFont typeface="Wingdings" pitchFamily="2" charset="2"/>
-              <a:buChar char="n"/>
-              <a:tabLst/>
-              <a:defRPr sz="1700" kern="1200">
-                <a:solidFill>
-                  <a:schemeClr val="tx1"/>
-                </a:solidFill>
-                <a:latin typeface="+mn-lt"/>
-                <a:ea typeface="+mn-ea"/>
-                <a:cs typeface="+mn-cs"/>
-              </a:defRPr>
-            </a:lvl2pPr>
-            <a:lvl3pPr marL="1076325" indent="-273050" algn="l" defTabSz="914400" rtl="0" eaLnBrk="1" latinLnBrk="0" hangingPunct="1">
-              <a:spcBef>
-                <a:spcPts val="0"/>
-              </a:spcBef>
-              <a:spcAft>
-                <a:spcPts val="600"/>
-              </a:spcAft>
-              <a:buClr>
-                <a:schemeClr val="bg2"/>
-              </a:buClr>
-              <a:buSzPct val="80000"/>
-              <a:buFont typeface="Wingdings" pitchFamily="2" charset="2"/>
-              <a:buChar char="n"/>
-              <a:defRPr sz="1500" kern="1200">
-                <a:solidFill>
-                  <a:schemeClr val="tx1"/>
-                </a:solidFill>
-                <a:latin typeface="+mn-lt"/>
-                <a:ea typeface="+mn-ea"/>
-                <a:cs typeface="+mn-cs"/>
-              </a:defRPr>
-            </a:lvl3pPr>
-            <a:lvl4pPr marL="1341438" indent="-273600" algn="l" defTabSz="914400" rtl="0" eaLnBrk="1" latinLnBrk="0" hangingPunct="1">
-              <a:spcBef>
-                <a:spcPts val="0"/>
-              </a:spcBef>
-              <a:spcAft>
-                <a:spcPts val="1000"/>
-              </a:spcAft>
-              <a:buClr>
-                <a:schemeClr val="bg2"/>
-              </a:buClr>
-              <a:buSzPct val="80000"/>
-              <a:buFont typeface="Wingdings" pitchFamily="2" charset="2"/>
-              <a:buChar char="n"/>
-              <a:defRPr sz="1500" kern="1200">
-                <a:solidFill>
-                  <a:schemeClr val="tx1"/>
-                </a:solidFill>
-                <a:latin typeface="+mn-lt"/>
-                <a:ea typeface="+mn-ea"/>
-                <a:cs typeface="+mn-cs"/>
-              </a:defRPr>
-            </a:lvl4pPr>
-            <a:lvl5pPr marL="1616075" indent="-274638" algn="l" defTabSz="914400" rtl="0" eaLnBrk="1" latinLnBrk="0" hangingPunct="1">
-              <a:spcBef>
-                <a:spcPts val="0"/>
-              </a:spcBef>
-              <a:spcAft>
-                <a:spcPts val="1000"/>
-              </a:spcAft>
-              <a:buClr>
-                <a:schemeClr val="bg2"/>
-              </a:buClr>
-              <a:buSzPct val="80000"/>
-              <a:buFont typeface="Wingdings" pitchFamily="2" charset="2"/>
-              <a:buChar char="n"/>
-              <a:defRPr lang="de-CH" sz="1500" kern="1200" dirty="0">
-                <a:solidFill>
-                  <a:schemeClr val="tx1"/>
-                </a:solidFill>
-                <a:latin typeface="+mn-lt"/>
-                <a:ea typeface="+mn-ea"/>
-                <a:cs typeface="+mn-cs"/>
-              </a:defRPr>
-            </a:lvl5pPr>
-            <a:lvl6pPr marL="1341437" indent="0" algn="l" defTabSz="914400" rtl="0" eaLnBrk="1" latinLnBrk="0" hangingPunct="1">
-              <a:spcBef>
-                <a:spcPct val="20000"/>
-              </a:spcBef>
-              <a:buClr>
-                <a:schemeClr val="bg2"/>
-              </a:buClr>
-              <a:buFont typeface="Wingdings" pitchFamily="2" charset="2"/>
-              <a:buNone/>
-              <a:defRPr sz="1500" kern="1200">
-                <a:solidFill>
-                  <a:schemeClr val="tx1"/>
-                </a:solidFill>
-                <a:latin typeface="+mn-lt"/>
-                <a:ea typeface="+mn-ea"/>
-                <a:cs typeface="+mn-cs"/>
-              </a:defRPr>
-            </a:lvl6pPr>
-            <a:lvl7pPr marL="2971800" indent="-228600" algn="l" defTabSz="914400" rtl="0" eaLnBrk="1" latinLnBrk="0" hangingPunct="1">
-              <a:spcBef>
-                <a:spcPct val="20000"/>
-              </a:spcBef>
-              <a:buFont typeface="Arial" pitchFamily="34" charset="0"/>
-              <a:buChar char="•"/>
-              <a:defRPr sz="2000" kern="1200">
-                <a:solidFill>
-                  <a:schemeClr val="tx1"/>
-                </a:solidFill>
-                <a:latin typeface="+mn-lt"/>
-                <a:ea typeface="+mn-ea"/>
-                <a:cs typeface="+mn-cs"/>
-              </a:defRPr>
-            </a:lvl7pPr>
-            <a:lvl8pPr marL="3429000" indent="-228600" algn="l" defTabSz="914400" rtl="0" eaLnBrk="1" latinLnBrk="0" hangingPunct="1">
-              <a:spcBef>
-                <a:spcPct val="20000"/>
-              </a:spcBef>
-              <a:buFont typeface="Arial" pitchFamily="34" charset="0"/>
-              <a:buChar char="•"/>
-              <a:defRPr sz="2000" kern="1200">
-                <a:solidFill>
-                  <a:schemeClr val="tx1"/>
-                </a:solidFill>
-                <a:latin typeface="+mn-lt"/>
-                <a:ea typeface="+mn-ea"/>
-                <a:cs typeface="+mn-cs"/>
-              </a:defRPr>
-            </a:lvl8pPr>
-            <a:lvl9pPr marL="3886200" indent="-228600" algn="l" defTabSz="914400" rtl="0" eaLnBrk="1" latinLnBrk="0" hangingPunct="1">
-              <a:spcBef>
-                <a:spcPct val="20000"/>
-              </a:spcBef>
-              <a:buFont typeface="Arial" pitchFamily="34" charset="0"/>
-              <a:buChar char="•"/>
-              <a:defRPr sz="2000" kern="1200">
-                <a:solidFill>
-                  <a:schemeClr val="tx1"/>
-                </a:solidFill>
-                <a:latin typeface="+mn-lt"/>
-                <a:ea typeface="+mn-ea"/>
-                <a:cs typeface="+mn-cs"/>
-              </a:defRPr>
-            </a:lvl9pPr>
-          </a:lstStyle>
-          <a:p>
-            <a:pPr marL="264563" indent="0">
-              <a:spcAft>
-                <a:spcPts val="0"/>
-              </a:spcAft>
-              <a:buNone/>
-              <a:tabLst>
-                <a:tab pos="536400" algn="l"/>
-                <a:tab pos="2196000" algn="l"/>
-                <a:tab pos="2509200" algn="l"/>
-                <a:tab pos="4125600" algn="l"/>
-                <a:tab pos="4395600" algn="l"/>
-                <a:tab pos="6048000" algn="l"/>
-                <a:tab pos="6372000" algn="l"/>
-              </a:tabLst>
-            </a:pPr>
-            <a:r>
-              <a:rPr lang="de-CH" sz="1500" b="0" dirty="0" smtClean="0"/>
-              <a:t>R:	000	R:	186	R:	198	R:	026	</a:t>
-            </a:r>
-          </a:p>
-          <a:p>
-            <a:pPr marL="264563" indent="0">
-              <a:spcBef>
-                <a:spcPts val="0"/>
-              </a:spcBef>
-              <a:spcAft>
-                <a:spcPts val="0"/>
-              </a:spcAft>
-              <a:buNone/>
-              <a:tabLst>
-                <a:tab pos="536400" algn="l"/>
-                <a:tab pos="2196000" algn="l"/>
-                <a:tab pos="2509200" algn="l"/>
-                <a:tab pos="4125600" algn="l"/>
-                <a:tab pos="4395600" algn="l"/>
-                <a:tab pos="6048000" algn="l"/>
-                <a:tab pos="6372000" algn="l"/>
-              </a:tabLst>
-            </a:pPr>
-            <a:r>
-              <a:rPr lang="de-CH" sz="1500" b="0" dirty="0" smtClean="0"/>
-              <a:t>G: 115	G:	189	G:	199	G:	023</a:t>
-            </a:r>
-          </a:p>
-          <a:p>
-            <a:pPr marL="264563" indent="0">
-              <a:spcBef>
-                <a:spcPts val="0"/>
-              </a:spcBef>
-              <a:spcAft>
-                <a:spcPts val="0"/>
-              </a:spcAft>
-              <a:buNone/>
-              <a:tabLst>
-                <a:tab pos="536400" algn="l"/>
-                <a:tab pos="2196000" algn="l"/>
-                <a:tab pos="2509200" algn="l"/>
-                <a:tab pos="4125600" algn="l"/>
-                <a:tab pos="4395600" algn="l"/>
-                <a:tab pos="6048000" algn="l"/>
-                <a:tab pos="6372000" algn="l"/>
-              </a:tabLst>
-            </a:pPr>
-            <a:r>
-              <a:rPr lang="de-CH" sz="1500" b="0" dirty="0" smtClean="0"/>
-              <a:t>B:	141	B:	093	B:	200	B:	027</a:t>
-            </a:r>
-            <a:endParaRPr lang="de-CH" sz="1500" b="0" dirty="0"/>
-          </a:p>
-        </p:txBody>
-      </p:sp>
-    </p:spTree>
-    <p:extLst>
-      <p:ext uri="{BB962C8B-B14F-4D97-AF65-F5344CB8AC3E}">
-        <p14:creationId xmlns:p14="http://schemas.microsoft.com/office/powerpoint/2010/main" val="3142347233"/>
-      </p:ext>
-    </p:extLst>
-  </p:cSld>
-  <p:clrMapOvr>
-    <a:masterClrMapping/>
-  </p:clrMapOvr>
-  <p:timing>
-    <p:tnLst>
-      <p:par>
-        <p:cTn id="1" dur="indefinite" restart="never" nodeType="tmRoot"/>
-      </p:par>
-    </p:tnLst>
-  </p:timing>
-</p:sld>
-</file>
-
-<file path=ppt/slides/slide25.xml><?xml version="1.0" encoding="utf-8"?>
-<p:sld xmlns:a="http://schemas.openxmlformats.org/drawingml/2006/main" xmlns:r="http://schemas.openxmlformats.org/officeDocument/2006/relationships" xmlns:p="http://schemas.openxmlformats.org/presentationml/2006/main">
-  <p:cSld>
-    <p:spTree>
-      <p:nvGrpSpPr>
-        <p:cNvPr id="1" name=""/>
-        <p:cNvGrpSpPr/>
-        <p:nvPr/>
-      </p:nvGrpSpPr>
-      <p:grpSpPr>
-        <a:xfrm>
-          <a:off x="0" y="0"/>
-          <a:ext cx="0" cy="0"/>
-          <a:chOff x="0" y="0"/>
-          <a:chExt cx="0" cy="0"/>
-        </a:xfrm>
-      </p:grpSpPr>
-      <p:sp>
-        <p:nvSpPr>
-          <p:cNvPr id="2" name="Titel 1"/>
-          <p:cNvSpPr>
-            <a:spLocks noGrp="1"/>
-          </p:cNvSpPr>
-          <p:nvPr>
-            <p:ph type="title"/>
-          </p:nvPr>
-        </p:nvSpPr>
-        <p:spPr/>
-        <p:txBody>
-          <a:bodyPr/>
-          <a:lstStyle/>
-          <a:p>
-            <a:r>
-              <a:rPr lang="de-CH" smtClean="0"/>
-              <a:t>Farben verwenden</a:t>
-            </a:r>
-            <a:endParaRPr lang="de-CH" dirty="0"/>
-          </a:p>
-        </p:txBody>
-      </p:sp>
-      <p:sp>
-        <p:nvSpPr>
-          <p:cNvPr id="3" name="Fußzeilenplatzhalter 2"/>
-          <p:cNvSpPr>
-            <a:spLocks noGrp="1"/>
-          </p:cNvSpPr>
-          <p:nvPr>
-            <p:ph type="ftr" sz="quarter" idx="3"/>
-          </p:nvPr>
-        </p:nvSpPr>
-        <p:spPr/>
-        <p:txBody>
-          <a:bodyPr/>
-          <a:lstStyle/>
-          <a:p>
-            <a:r>
-              <a:rPr lang="de-CH" smtClean="0"/>
-              <a:t>Zwischenbericht, BA PresWriter, Rapperswil, 9.4.2013</a:t>
-            </a:r>
-            <a:endParaRPr lang="de-CH" dirty="0"/>
-          </a:p>
-        </p:txBody>
-      </p:sp>
-      <p:sp>
-        <p:nvSpPr>
-          <p:cNvPr id="4" name="Foliennummernplatzhalter 3"/>
-          <p:cNvSpPr>
-            <a:spLocks noGrp="1"/>
-          </p:cNvSpPr>
-          <p:nvPr>
-            <p:ph type="sldNum" sz="quarter" idx="4"/>
-          </p:nvPr>
-        </p:nvSpPr>
-        <p:spPr/>
-        <p:txBody>
-          <a:bodyPr/>
-          <a:lstStyle/>
-          <a:p>
-            <a:fld id="{6CB3B594-2801-4864-9089-E42463258A4B}" type="slidenum">
-              <a:rPr lang="de-CH" smtClean="0"/>
-              <a:pPr/>
-              <a:t>25</a:t>
-            </a:fld>
-            <a:endParaRPr lang="de-CH"/>
-          </a:p>
-        </p:txBody>
-      </p:sp>
-      <p:sp>
-        <p:nvSpPr>
-          <p:cNvPr id="10" name="Bildplatzhalter 9"/>
-          <p:cNvSpPr>
-            <a:spLocks noGrp="1"/>
-          </p:cNvSpPr>
-          <p:nvPr>
-            <p:ph type="pic" sz="quarter" idx="14"/>
-          </p:nvPr>
-        </p:nvSpPr>
-        <p:spPr/>
-      </p:sp>
-      <p:cxnSp>
-        <p:nvCxnSpPr>
-          <p:cNvPr id="11" name="Gerade Verbindung mit Pfeil 10"/>
-          <p:cNvCxnSpPr/>
-          <p:nvPr/>
-        </p:nvCxnSpPr>
-        <p:spPr>
-          <a:xfrm flipH="1" flipV="1">
-            <a:off x="3697249" y="2245503"/>
-            <a:ext cx="874751" cy="1"/>
-          </a:xfrm>
-          <a:prstGeom prst="straightConnector1">
-            <a:avLst/>
-          </a:prstGeom>
-          <a:ln w="19050">
-            <a:solidFill>
-              <a:schemeClr val="tx1"/>
-            </a:solidFill>
-            <a:tailEnd type="arrow"/>
-          </a:ln>
-        </p:spPr>
-        <p:style>
-          <a:lnRef idx="1">
-            <a:schemeClr val="accent1"/>
-          </a:lnRef>
-          <a:fillRef idx="0">
-            <a:schemeClr val="accent1"/>
-          </a:fillRef>
-          <a:effectRef idx="0">
-            <a:schemeClr val="accent1"/>
-          </a:effectRef>
-          <a:fontRef idx="minor">
-            <a:schemeClr val="tx1"/>
-          </a:fontRef>
-        </p:style>
-      </p:cxnSp>
-      <p:cxnSp>
-        <p:nvCxnSpPr>
-          <p:cNvPr id="15" name="Gerade Verbindung mit Pfeil 14"/>
-          <p:cNvCxnSpPr/>
-          <p:nvPr/>
-        </p:nvCxnSpPr>
-        <p:spPr>
-          <a:xfrm flipH="1" flipV="1">
-            <a:off x="3697249" y="4149079"/>
-            <a:ext cx="874751" cy="1"/>
-          </a:xfrm>
-          <a:prstGeom prst="straightConnector1">
-            <a:avLst/>
-          </a:prstGeom>
-          <a:ln w="19050">
-            <a:solidFill>
-              <a:schemeClr val="tx1"/>
-            </a:solidFill>
-            <a:tailEnd type="arrow"/>
-          </a:ln>
-        </p:spPr>
-        <p:style>
-          <a:lnRef idx="1">
-            <a:schemeClr val="accent1"/>
-          </a:lnRef>
-          <a:fillRef idx="0">
-            <a:schemeClr val="accent1"/>
-          </a:fillRef>
-          <a:effectRef idx="0">
-            <a:schemeClr val="accent1"/>
-          </a:effectRef>
-          <a:fontRef idx="minor">
-            <a:schemeClr val="tx1"/>
-          </a:fontRef>
-        </p:style>
-      </p:cxnSp>
-      <p:cxnSp>
-        <p:nvCxnSpPr>
-          <p:cNvPr id="17" name="Gerade Verbindung mit Pfeil 16"/>
-          <p:cNvCxnSpPr/>
-          <p:nvPr/>
-        </p:nvCxnSpPr>
-        <p:spPr>
-          <a:xfrm flipH="1" flipV="1">
-            <a:off x="3862845" y="2780858"/>
-            <a:ext cx="709155" cy="216096"/>
-          </a:xfrm>
-          <a:prstGeom prst="straightConnector1">
-            <a:avLst/>
-          </a:prstGeom>
-          <a:ln w="19050">
-            <a:solidFill>
-              <a:schemeClr val="tx1"/>
-            </a:solidFill>
-            <a:tailEnd type="arrow"/>
-          </a:ln>
-        </p:spPr>
-        <p:style>
-          <a:lnRef idx="1">
-            <a:schemeClr val="accent1"/>
-          </a:lnRef>
-          <a:fillRef idx="0">
-            <a:schemeClr val="accent1"/>
-          </a:fillRef>
-          <a:effectRef idx="0">
-            <a:schemeClr val="accent1"/>
-          </a:effectRef>
-          <a:fontRef idx="minor">
-            <a:schemeClr val="tx1"/>
-          </a:fontRef>
-        </p:style>
-      </p:cxnSp>
-      <p:cxnSp>
-        <p:nvCxnSpPr>
-          <p:cNvPr id="18" name="Gerade Verbindung mit Pfeil 17"/>
-          <p:cNvCxnSpPr/>
-          <p:nvPr/>
-        </p:nvCxnSpPr>
-        <p:spPr>
-          <a:xfrm rot="10800000" flipV="1">
-            <a:off x="3697252" y="3356991"/>
-            <a:ext cx="874749" cy="432049"/>
-          </a:xfrm>
-          <a:prstGeom prst="straightConnector1">
-            <a:avLst/>
-          </a:prstGeom>
-          <a:ln w="19050">
-            <a:solidFill>
-              <a:schemeClr val="tx1"/>
-            </a:solidFill>
-            <a:tailEnd type="arrow"/>
-          </a:ln>
-        </p:spPr>
-        <p:style>
-          <a:lnRef idx="1">
-            <a:schemeClr val="accent1"/>
-          </a:lnRef>
-          <a:fillRef idx="0">
-            <a:schemeClr val="accent1"/>
-          </a:fillRef>
-          <a:effectRef idx="0">
-            <a:schemeClr val="accent1"/>
-          </a:effectRef>
-          <a:fontRef idx="minor">
-            <a:schemeClr val="tx1"/>
-          </a:fontRef>
-        </p:style>
-      </p:cxnSp>
-      <p:sp>
-        <p:nvSpPr>
-          <p:cNvPr id="21" name="Geschweifte Klammer rechts 20"/>
-          <p:cNvSpPr/>
-          <p:nvPr/>
-        </p:nvSpPr>
-        <p:spPr>
-          <a:xfrm>
-            <a:off x="3605932" y="2420888"/>
-            <a:ext cx="317996" cy="936104"/>
-          </a:xfrm>
-          <a:prstGeom prst="rightBrace">
-            <a:avLst/>
-          </a:prstGeom>
-        </p:spPr>
-        <p:style>
-          <a:lnRef idx="1">
-            <a:schemeClr val="accent1"/>
-          </a:lnRef>
-          <a:fillRef idx="0">
-            <a:schemeClr val="accent1"/>
-          </a:fillRef>
-          <a:effectRef idx="0">
-            <a:schemeClr val="accent1"/>
-          </a:effectRef>
-          <a:fontRef idx="minor">
-            <a:schemeClr val="tx1"/>
-          </a:fontRef>
-        </p:style>
-        <p:txBody>
-          <a:bodyPr rtlCol="0" anchor="ctr"/>
-          <a:lstStyle/>
-          <a:p>
-            <a:pPr algn="ctr"/>
-            <a:endParaRPr lang="de-CH"/>
-          </a:p>
-        </p:txBody>
       </p:sp>
       <p:pic>
         <p:nvPicPr>
-          <p:cNvPr id="5" name="Picture 2"/>
+          <p:cNvPr id="1026" name="Picture 2"/>
           <p:cNvPicPr>
             <a:picLocks noChangeAspect="1" noChangeArrowheads="1"/>
           </p:cNvPicPr>
           <p:nvPr/>
         </p:nvPicPr>
-        <p:blipFill rotWithShape="1">
+        <p:blipFill>
           <a:blip r:embed="rId2">
             <a:extLst>
               <a:ext uri="{28A0092B-C50C-407E-A947-70E740481C1C}">
@@ -10258,13 +5982,15 @@
               </a:ext>
             </a:extLst>
           </a:blip>
-          <a:srcRect b="28589"/>
-          <a:stretch/>
+          <a:srcRect/>
+          <a:stretch>
+            <a:fillRect/>
+          </a:stretch>
         </p:blipFill>
         <p:spPr bwMode="auto">
           <a:xfrm>
-            <a:off x="1330943" y="1552840"/>
-            <a:ext cx="2266305" cy="3030735"/>
+            <a:off x="6040711" y="2492896"/>
+            <a:ext cx="2609850" cy="1876425"/>
           </a:xfrm>
           <a:prstGeom prst="rect">
             <a:avLst/>
@@ -10304,594 +6030,16 @@
           </a:extLst>
         </p:spPr>
       </p:pic>
-      <p:sp>
-        <p:nvSpPr>
-          <p:cNvPr id="19" name="Inhaltsplatzhalter 2"/>
-          <p:cNvSpPr txBox="1">
-            <a:spLocks/>
-          </p:cNvSpPr>
-          <p:nvPr/>
-        </p:nvSpPr>
-        <p:spPr>
-          <a:xfrm>
-            <a:off x="4644008" y="1916832"/>
-            <a:ext cx="3384376" cy="3240360"/>
-          </a:xfrm>
-          <a:prstGeom prst="rect">
-            <a:avLst/>
-          </a:prstGeom>
-        </p:spPr>
-        <p:txBody>
-          <a:bodyPr/>
-          <a:lstStyle>
-            <a:lvl1pPr marL="538163" indent="-273600" algn="l" defTabSz="914400" rtl="0" eaLnBrk="1" latinLnBrk="0" hangingPunct="1">
-              <a:spcBef>
-                <a:spcPct val="20000"/>
-              </a:spcBef>
-              <a:spcAft>
-                <a:spcPts val="1000"/>
-              </a:spcAft>
-              <a:buClr>
-                <a:schemeClr val="accent1"/>
-              </a:buClr>
-              <a:buSzPct val="94000"/>
-              <a:buFont typeface="Wingdings" pitchFamily="2" charset="2"/>
-              <a:buChar char="n"/>
-              <a:tabLst/>
-              <a:defRPr sz="1700" b="1" kern="1200">
-                <a:solidFill>
-                  <a:schemeClr val="tx1"/>
-                </a:solidFill>
-                <a:latin typeface="+mn-lt"/>
-                <a:ea typeface="+mn-ea"/>
-                <a:cs typeface="+mn-cs"/>
-              </a:defRPr>
-            </a:lvl1pPr>
-            <a:lvl2pPr marL="803275" indent="-273600" algn="l" defTabSz="914400" rtl="0" eaLnBrk="1" latinLnBrk="0" hangingPunct="1">
-              <a:spcBef>
-                <a:spcPts val="0"/>
-              </a:spcBef>
-              <a:spcAft>
-                <a:spcPts val="1000"/>
-              </a:spcAft>
-              <a:buClr>
-                <a:schemeClr val="bg2"/>
-              </a:buClr>
-              <a:buSzPct val="94000"/>
-              <a:buFont typeface="Wingdings" pitchFamily="2" charset="2"/>
-              <a:buChar char="n"/>
-              <a:tabLst/>
-              <a:defRPr sz="1700" kern="1200">
-                <a:solidFill>
-                  <a:schemeClr val="tx1"/>
-                </a:solidFill>
-                <a:latin typeface="+mn-lt"/>
-                <a:ea typeface="+mn-ea"/>
-                <a:cs typeface="+mn-cs"/>
-              </a:defRPr>
-            </a:lvl2pPr>
-            <a:lvl3pPr marL="1076325" indent="-273050" algn="l" defTabSz="914400" rtl="0" eaLnBrk="1" latinLnBrk="0" hangingPunct="1">
-              <a:spcBef>
-                <a:spcPts val="0"/>
-              </a:spcBef>
-              <a:spcAft>
-                <a:spcPts val="600"/>
-              </a:spcAft>
-              <a:buClr>
-                <a:schemeClr val="bg2"/>
-              </a:buClr>
-              <a:buSzPct val="80000"/>
-              <a:buFont typeface="Wingdings" pitchFamily="2" charset="2"/>
-              <a:buChar char="n"/>
-              <a:defRPr sz="1500" kern="1200">
-                <a:solidFill>
-                  <a:schemeClr val="tx1"/>
-                </a:solidFill>
-                <a:latin typeface="+mn-lt"/>
-                <a:ea typeface="+mn-ea"/>
-                <a:cs typeface="+mn-cs"/>
-              </a:defRPr>
-            </a:lvl3pPr>
-            <a:lvl4pPr marL="1341438" indent="-273600" algn="l" defTabSz="914400" rtl="0" eaLnBrk="1" latinLnBrk="0" hangingPunct="1">
-              <a:spcBef>
-                <a:spcPts val="0"/>
-              </a:spcBef>
-              <a:spcAft>
-                <a:spcPts val="1000"/>
-              </a:spcAft>
-              <a:buClr>
-                <a:schemeClr val="bg2"/>
-              </a:buClr>
-              <a:buSzPct val="80000"/>
-              <a:buFont typeface="Wingdings" pitchFamily="2" charset="2"/>
-              <a:buChar char="n"/>
-              <a:defRPr sz="1500" kern="1200">
-                <a:solidFill>
-                  <a:schemeClr val="tx1"/>
-                </a:solidFill>
-                <a:latin typeface="+mn-lt"/>
-                <a:ea typeface="+mn-ea"/>
-                <a:cs typeface="+mn-cs"/>
-              </a:defRPr>
-            </a:lvl4pPr>
-            <a:lvl5pPr marL="1616075" indent="-274638" algn="l" defTabSz="914400" rtl="0" eaLnBrk="1" latinLnBrk="0" hangingPunct="1">
-              <a:spcBef>
-                <a:spcPts val="0"/>
-              </a:spcBef>
-              <a:spcAft>
-                <a:spcPts val="1000"/>
-              </a:spcAft>
-              <a:buClr>
-                <a:schemeClr val="bg2"/>
-              </a:buClr>
-              <a:buSzPct val="80000"/>
-              <a:buFont typeface="Wingdings" pitchFamily="2" charset="2"/>
-              <a:buChar char="n"/>
-              <a:defRPr lang="de-CH" sz="1500" kern="1200" dirty="0">
-                <a:solidFill>
-                  <a:schemeClr val="tx1"/>
-                </a:solidFill>
-                <a:latin typeface="+mn-lt"/>
-                <a:ea typeface="+mn-ea"/>
-                <a:cs typeface="+mn-cs"/>
-              </a:defRPr>
-            </a:lvl5pPr>
-            <a:lvl6pPr marL="1341437" indent="0" algn="l" defTabSz="914400" rtl="0" eaLnBrk="1" latinLnBrk="0" hangingPunct="1">
-              <a:spcBef>
-                <a:spcPct val="20000"/>
-              </a:spcBef>
-              <a:buClr>
-                <a:schemeClr val="bg2"/>
-              </a:buClr>
-              <a:buFont typeface="Wingdings" pitchFamily="2" charset="2"/>
-              <a:buNone/>
-              <a:defRPr sz="1500" kern="1200">
-                <a:solidFill>
-                  <a:schemeClr val="tx1"/>
-                </a:solidFill>
-                <a:latin typeface="+mn-lt"/>
-                <a:ea typeface="+mn-ea"/>
-                <a:cs typeface="+mn-cs"/>
-              </a:defRPr>
-            </a:lvl6pPr>
-            <a:lvl7pPr marL="2971800" indent="-228600" algn="l" defTabSz="914400" rtl="0" eaLnBrk="1" latinLnBrk="0" hangingPunct="1">
-              <a:spcBef>
-                <a:spcPct val="20000"/>
-              </a:spcBef>
-              <a:buFont typeface="Arial" pitchFamily="34" charset="0"/>
-              <a:buChar char="•"/>
-              <a:defRPr sz="2000" kern="1200">
-                <a:solidFill>
-                  <a:schemeClr val="tx1"/>
-                </a:solidFill>
-                <a:latin typeface="+mn-lt"/>
-                <a:ea typeface="+mn-ea"/>
-                <a:cs typeface="+mn-cs"/>
-              </a:defRPr>
-            </a:lvl7pPr>
-            <a:lvl8pPr marL="3429000" indent="-228600" algn="l" defTabSz="914400" rtl="0" eaLnBrk="1" latinLnBrk="0" hangingPunct="1">
-              <a:spcBef>
-                <a:spcPct val="20000"/>
-              </a:spcBef>
-              <a:buFont typeface="Arial" pitchFamily="34" charset="0"/>
-              <a:buChar char="•"/>
-              <a:defRPr sz="2000" kern="1200">
-                <a:solidFill>
-                  <a:schemeClr val="tx1"/>
-                </a:solidFill>
-                <a:latin typeface="+mn-lt"/>
-                <a:ea typeface="+mn-ea"/>
-                <a:cs typeface="+mn-cs"/>
-              </a:defRPr>
-            </a:lvl8pPr>
-            <a:lvl9pPr marL="3886200" indent="-228600" algn="l" defTabSz="914400" rtl="0" eaLnBrk="1" latinLnBrk="0" hangingPunct="1">
-              <a:spcBef>
-                <a:spcPct val="20000"/>
-              </a:spcBef>
-              <a:buFont typeface="Arial" pitchFamily="34" charset="0"/>
-              <a:buChar char="•"/>
-              <a:defRPr sz="2000" kern="1200">
-                <a:solidFill>
-                  <a:schemeClr val="tx1"/>
-                </a:solidFill>
-                <a:latin typeface="+mn-lt"/>
-                <a:ea typeface="+mn-ea"/>
-                <a:cs typeface="+mn-cs"/>
-              </a:defRPr>
-            </a:lvl9pPr>
-          </a:lstStyle>
-          <a:p>
-            <a:pPr marL="264563" indent="0">
-              <a:spcAft>
-                <a:spcPts val="3000"/>
-              </a:spcAft>
-              <a:buNone/>
-            </a:pPr>
-            <a:r>
-              <a:rPr lang="de-CH" b="0" dirty="0"/>
-              <a:t>Diese Farben dürfen Sie in </a:t>
-            </a:r>
-            <a:r>
-              <a:rPr lang="de-CH" b="0" dirty="0" smtClean="0"/>
-              <a:t>Präsentationen verwenden</a:t>
-            </a:r>
-          </a:p>
-          <a:p>
-            <a:pPr marL="264563" indent="0">
-              <a:buNone/>
-            </a:pPr>
-            <a:r>
-              <a:rPr lang="de-CH" b="0" dirty="0" smtClean="0"/>
-              <a:t>Diese </a:t>
-            </a:r>
-            <a:r>
-              <a:rPr lang="de-CH" b="0" dirty="0"/>
-              <a:t>Farben bitte nicht </a:t>
-            </a:r>
-            <a:r>
-              <a:rPr lang="de-CH" b="0" dirty="0" smtClean="0"/>
-              <a:t>verwenden</a:t>
-            </a:r>
-          </a:p>
-          <a:p>
-            <a:pPr marL="264563" indent="0">
-              <a:buNone/>
-            </a:pPr>
-            <a:r>
-              <a:rPr lang="de-CH" b="0" dirty="0"/>
-              <a:t>Diese Farben dürfen Sie in Präsentationen verwenden; es sind Abstufungen der Designfarben oben</a:t>
-            </a:r>
-          </a:p>
-          <a:p>
-            <a:pPr marL="264563" indent="0">
-              <a:buNone/>
-            </a:pPr>
-            <a:endParaRPr lang="de-CH" b="0" dirty="0"/>
-          </a:p>
-          <a:p>
-            <a:pPr marL="264563" indent="0">
-              <a:buNone/>
-            </a:pPr>
-            <a:endParaRPr lang="de-CH" b="0" dirty="0"/>
-          </a:p>
-        </p:txBody>
-      </p:sp>
-      <p:sp>
-        <p:nvSpPr>
-          <p:cNvPr id="20" name="Inhaltsplatzhalter 2"/>
-          <p:cNvSpPr txBox="1">
-            <a:spLocks/>
-          </p:cNvSpPr>
-          <p:nvPr/>
-        </p:nvSpPr>
-        <p:spPr>
-          <a:xfrm>
-            <a:off x="468313" y="5229199"/>
-            <a:ext cx="8207375" cy="762025"/>
-          </a:xfrm>
-          <a:prstGeom prst="rect">
-            <a:avLst/>
-          </a:prstGeom>
-        </p:spPr>
-        <p:txBody>
-          <a:bodyPr/>
-          <a:lstStyle>
-            <a:lvl1pPr marL="538163" indent="-273600" algn="l" defTabSz="914400" rtl="0" eaLnBrk="1" latinLnBrk="0" hangingPunct="1">
-              <a:spcBef>
-                <a:spcPct val="20000"/>
-              </a:spcBef>
-              <a:spcAft>
-                <a:spcPts val="1000"/>
-              </a:spcAft>
-              <a:buClr>
-                <a:schemeClr val="accent1"/>
-              </a:buClr>
-              <a:buSzPct val="94000"/>
-              <a:buFont typeface="Wingdings" pitchFamily="2" charset="2"/>
-              <a:buChar char="n"/>
-              <a:tabLst/>
-              <a:defRPr sz="1700" b="1" kern="1200">
-                <a:solidFill>
-                  <a:schemeClr val="tx1"/>
-                </a:solidFill>
-                <a:latin typeface="+mn-lt"/>
-                <a:ea typeface="+mn-ea"/>
-                <a:cs typeface="+mn-cs"/>
-              </a:defRPr>
-            </a:lvl1pPr>
-            <a:lvl2pPr marL="803275" indent="-273600" algn="l" defTabSz="914400" rtl="0" eaLnBrk="1" latinLnBrk="0" hangingPunct="1">
-              <a:spcBef>
-                <a:spcPts val="0"/>
-              </a:spcBef>
-              <a:spcAft>
-                <a:spcPts val="1000"/>
-              </a:spcAft>
-              <a:buClr>
-                <a:schemeClr val="bg2"/>
-              </a:buClr>
-              <a:buSzPct val="94000"/>
-              <a:buFont typeface="Wingdings" pitchFamily="2" charset="2"/>
-              <a:buChar char="n"/>
-              <a:tabLst/>
-              <a:defRPr sz="1700" kern="1200">
-                <a:solidFill>
-                  <a:schemeClr val="tx1"/>
-                </a:solidFill>
-                <a:latin typeface="+mn-lt"/>
-                <a:ea typeface="+mn-ea"/>
-                <a:cs typeface="+mn-cs"/>
-              </a:defRPr>
-            </a:lvl2pPr>
-            <a:lvl3pPr marL="1076325" indent="-273050" algn="l" defTabSz="914400" rtl="0" eaLnBrk="1" latinLnBrk="0" hangingPunct="1">
-              <a:spcBef>
-                <a:spcPts val="0"/>
-              </a:spcBef>
-              <a:spcAft>
-                <a:spcPts val="600"/>
-              </a:spcAft>
-              <a:buClr>
-                <a:schemeClr val="bg2"/>
-              </a:buClr>
-              <a:buSzPct val="80000"/>
-              <a:buFont typeface="Wingdings" pitchFamily="2" charset="2"/>
-              <a:buChar char="n"/>
-              <a:defRPr sz="1500" kern="1200">
-                <a:solidFill>
-                  <a:schemeClr val="tx1"/>
-                </a:solidFill>
-                <a:latin typeface="+mn-lt"/>
-                <a:ea typeface="+mn-ea"/>
-                <a:cs typeface="+mn-cs"/>
-              </a:defRPr>
-            </a:lvl3pPr>
-            <a:lvl4pPr marL="1341438" indent="-273600" algn="l" defTabSz="914400" rtl="0" eaLnBrk="1" latinLnBrk="0" hangingPunct="1">
-              <a:spcBef>
-                <a:spcPts val="0"/>
-              </a:spcBef>
-              <a:spcAft>
-                <a:spcPts val="1000"/>
-              </a:spcAft>
-              <a:buClr>
-                <a:schemeClr val="bg2"/>
-              </a:buClr>
-              <a:buSzPct val="80000"/>
-              <a:buFont typeface="Wingdings" pitchFamily="2" charset="2"/>
-              <a:buChar char="n"/>
-              <a:defRPr sz="1500" kern="1200">
-                <a:solidFill>
-                  <a:schemeClr val="tx1"/>
-                </a:solidFill>
-                <a:latin typeface="+mn-lt"/>
-                <a:ea typeface="+mn-ea"/>
-                <a:cs typeface="+mn-cs"/>
-              </a:defRPr>
-            </a:lvl4pPr>
-            <a:lvl5pPr marL="1616075" indent="-274638" algn="l" defTabSz="914400" rtl="0" eaLnBrk="1" latinLnBrk="0" hangingPunct="1">
-              <a:spcBef>
-                <a:spcPts val="0"/>
-              </a:spcBef>
-              <a:spcAft>
-                <a:spcPts val="1000"/>
-              </a:spcAft>
-              <a:buClr>
-                <a:schemeClr val="bg2"/>
-              </a:buClr>
-              <a:buSzPct val="80000"/>
-              <a:buFont typeface="Wingdings" pitchFamily="2" charset="2"/>
-              <a:buChar char="n"/>
-              <a:defRPr lang="de-CH" sz="1500" kern="1200" dirty="0">
-                <a:solidFill>
-                  <a:schemeClr val="tx1"/>
-                </a:solidFill>
-                <a:latin typeface="+mn-lt"/>
-                <a:ea typeface="+mn-ea"/>
-                <a:cs typeface="+mn-cs"/>
-              </a:defRPr>
-            </a:lvl5pPr>
-            <a:lvl6pPr marL="1341437" indent="0" algn="l" defTabSz="914400" rtl="0" eaLnBrk="1" latinLnBrk="0" hangingPunct="1">
-              <a:spcBef>
-                <a:spcPct val="20000"/>
-              </a:spcBef>
-              <a:buClr>
-                <a:schemeClr val="bg2"/>
-              </a:buClr>
-              <a:buFont typeface="Wingdings" pitchFamily="2" charset="2"/>
-              <a:buNone/>
-              <a:defRPr sz="1500" kern="1200">
-                <a:solidFill>
-                  <a:schemeClr val="tx1"/>
-                </a:solidFill>
-                <a:latin typeface="+mn-lt"/>
-                <a:ea typeface="+mn-ea"/>
-                <a:cs typeface="+mn-cs"/>
-              </a:defRPr>
-            </a:lvl6pPr>
-            <a:lvl7pPr marL="2971800" indent="-228600" algn="l" defTabSz="914400" rtl="0" eaLnBrk="1" latinLnBrk="0" hangingPunct="1">
-              <a:spcBef>
-                <a:spcPct val="20000"/>
-              </a:spcBef>
-              <a:buFont typeface="Arial" pitchFamily="34" charset="0"/>
-              <a:buChar char="•"/>
-              <a:defRPr sz="2000" kern="1200">
-                <a:solidFill>
-                  <a:schemeClr val="tx1"/>
-                </a:solidFill>
-                <a:latin typeface="+mn-lt"/>
-                <a:ea typeface="+mn-ea"/>
-                <a:cs typeface="+mn-cs"/>
-              </a:defRPr>
-            </a:lvl7pPr>
-            <a:lvl8pPr marL="3429000" indent="-228600" algn="l" defTabSz="914400" rtl="0" eaLnBrk="1" latinLnBrk="0" hangingPunct="1">
-              <a:spcBef>
-                <a:spcPct val="20000"/>
-              </a:spcBef>
-              <a:buFont typeface="Arial" pitchFamily="34" charset="0"/>
-              <a:buChar char="•"/>
-              <a:defRPr sz="2000" kern="1200">
-                <a:solidFill>
-                  <a:schemeClr val="tx1"/>
-                </a:solidFill>
-                <a:latin typeface="+mn-lt"/>
-                <a:ea typeface="+mn-ea"/>
-                <a:cs typeface="+mn-cs"/>
-              </a:defRPr>
-            </a:lvl8pPr>
-            <a:lvl9pPr marL="3886200" indent="-228600" algn="l" defTabSz="914400" rtl="0" eaLnBrk="1" latinLnBrk="0" hangingPunct="1">
-              <a:spcBef>
-                <a:spcPct val="20000"/>
-              </a:spcBef>
-              <a:buFont typeface="Arial" pitchFamily="34" charset="0"/>
-              <a:buChar char="•"/>
-              <a:defRPr sz="2000" kern="1200">
-                <a:solidFill>
-                  <a:schemeClr val="tx1"/>
-                </a:solidFill>
-                <a:latin typeface="+mn-lt"/>
-                <a:ea typeface="+mn-ea"/>
-                <a:cs typeface="+mn-cs"/>
-              </a:defRPr>
-            </a:lvl9pPr>
-          </a:lstStyle>
-          <a:p>
-            <a:pPr marL="264563" indent="0">
-              <a:buNone/>
-            </a:pPr>
-            <a:r>
-              <a:rPr lang="de-CH" b="0" dirty="0"/>
-              <a:t>Für weitere Farben konsultieren Sie das Dokument HSR-Farbschema im Intranet oder das CD-Handbuch</a:t>
-            </a:r>
-          </a:p>
-        </p:txBody>
-      </p:sp>
-    </p:spTree>
-    <p:extLst>
-      <p:ext uri="{BB962C8B-B14F-4D97-AF65-F5344CB8AC3E}">
-        <p14:creationId xmlns:p14="http://schemas.microsoft.com/office/powerpoint/2010/main" val="3696248067"/>
-      </p:ext>
-    </p:extLst>
-  </p:cSld>
-  <p:clrMapOvr>
-    <a:masterClrMapping/>
-  </p:clrMapOvr>
-  <p:timing>
-    <p:tnLst>
-      <p:par>
-        <p:cTn id="1" dur="indefinite" restart="never" nodeType="tmRoot"/>
-      </p:par>
-    </p:tnLst>
-  </p:timing>
-</p:sld>
-</file>
-
-<file path=ppt/slides/slide26.xml><?xml version="1.0" encoding="utf-8"?>
-<p:sld xmlns:a="http://schemas.openxmlformats.org/drawingml/2006/main" xmlns:r="http://schemas.openxmlformats.org/officeDocument/2006/relationships" xmlns:p="http://schemas.openxmlformats.org/presentationml/2006/main">
-  <p:cSld>
-    <p:spTree>
-      <p:nvGrpSpPr>
-        <p:cNvPr id="1" name=""/>
-        <p:cNvGrpSpPr/>
-        <p:nvPr/>
-      </p:nvGrpSpPr>
-      <p:grpSpPr>
-        <a:xfrm>
-          <a:off x="0" y="0"/>
-          <a:ext cx="0" cy="0"/>
-          <a:chOff x="0" y="0"/>
-          <a:chExt cx="0" cy="0"/>
-        </a:xfrm>
-      </p:grpSpPr>
-      <p:sp>
-        <p:nvSpPr>
-          <p:cNvPr id="2" name="Titel 1"/>
-          <p:cNvSpPr>
-            <a:spLocks noGrp="1"/>
-          </p:cNvSpPr>
-          <p:nvPr>
-            <p:ph type="title"/>
-          </p:nvPr>
-        </p:nvSpPr>
-        <p:spPr/>
-        <p:txBody>
-          <a:bodyPr/>
-          <a:lstStyle/>
-          <a:p>
-            <a:r>
-              <a:rPr lang="de-CH" dirty="0" smtClean="0"/>
-              <a:t>Fusszeile ändern</a:t>
-            </a:r>
-            <a:endParaRPr lang="de-CH" dirty="0"/>
-          </a:p>
-        </p:txBody>
-      </p:sp>
-      <p:sp>
-        <p:nvSpPr>
-          <p:cNvPr id="3" name="Fußzeilenplatzhalter 2"/>
-          <p:cNvSpPr>
-            <a:spLocks noGrp="1"/>
-          </p:cNvSpPr>
-          <p:nvPr>
-            <p:ph type="ftr" sz="quarter" idx="3"/>
-          </p:nvPr>
-        </p:nvSpPr>
-        <p:spPr/>
-        <p:txBody>
-          <a:bodyPr/>
-          <a:lstStyle/>
-          <a:p>
-            <a:r>
-              <a:rPr lang="de-CH" smtClean="0"/>
-              <a:t>Zwischenbericht, BA PresWriter, Rapperswil, 9.4.2013</a:t>
-            </a:r>
-            <a:endParaRPr lang="de-CH" dirty="0"/>
-          </a:p>
-        </p:txBody>
-      </p:sp>
-      <p:sp>
-        <p:nvSpPr>
-          <p:cNvPr id="4" name="Foliennummernplatzhalter 3"/>
-          <p:cNvSpPr>
-            <a:spLocks noGrp="1"/>
-          </p:cNvSpPr>
-          <p:nvPr>
-            <p:ph type="sldNum" sz="quarter" idx="4"/>
-          </p:nvPr>
-        </p:nvSpPr>
-        <p:spPr/>
-        <p:txBody>
-          <a:bodyPr/>
-          <a:lstStyle/>
-          <a:p>
-            <a:fld id="{6CB3B594-2801-4864-9089-E42463258A4B}" type="slidenum">
-              <a:rPr lang="de-CH" smtClean="0"/>
-              <a:pPr/>
-              <a:t>26</a:t>
-            </a:fld>
-            <a:endParaRPr lang="de-CH"/>
-          </a:p>
-        </p:txBody>
-      </p:sp>
-      <p:sp>
-        <p:nvSpPr>
-          <p:cNvPr id="10" name="Bildplatzhalter 9"/>
-          <p:cNvSpPr>
-            <a:spLocks noGrp="1"/>
-          </p:cNvSpPr>
-          <p:nvPr>
-            <p:ph type="pic" sz="quarter" idx="14"/>
-          </p:nvPr>
-        </p:nvSpPr>
-        <p:spPr/>
-      </p:sp>
       <p:pic>
         <p:nvPicPr>
-          <p:cNvPr id="5" name="Picture 2"/>
+          <p:cNvPr id="1027" name="Picture 3"/>
           <p:cNvPicPr>
             <a:picLocks noChangeAspect="1" noChangeArrowheads="1"/>
           </p:cNvPicPr>
           <p:nvPr/>
         </p:nvPicPr>
         <p:blipFill>
-          <a:blip r:embed="rId2" cstate="print">
+          <a:blip r:embed="rId3">
             <a:extLst>
               <a:ext uri="{28A0092B-C50C-407E-A947-70E740481C1C}">
                 <a14:useLocalDpi xmlns:a14="http://schemas.microsoft.com/office/drawing/2010/main" val="0"/>
@@ -10905,8 +6053,8 @@
         </p:blipFill>
         <p:spPr bwMode="auto">
           <a:xfrm>
-            <a:off x="3923928" y="1484784"/>
-            <a:ext cx="4619345" cy="3049314"/>
+            <a:off x="1403648" y="2492897"/>
+            <a:ext cx="2526357" cy="1881518"/>
           </a:xfrm>
           <a:prstGeom prst="rect">
             <a:avLst/>
@@ -10946,248 +6094,580 @@
           </a:extLst>
         </p:spPr>
       </p:pic>
-      <p:sp>
-        <p:nvSpPr>
-          <p:cNvPr id="8" name="Inhaltsplatzhalter 2"/>
-          <p:cNvSpPr txBox="1">
-            <a:spLocks/>
-          </p:cNvSpPr>
+      <p:pic>
+        <p:nvPicPr>
+          <p:cNvPr id="1028" name="Picture 4"/>
+          <p:cNvPicPr>
+            <a:picLocks noChangeAspect="1" noChangeArrowheads="1"/>
+          </p:cNvPicPr>
           <p:nvPr/>
-        </p:nvSpPr>
-        <p:spPr>
-          <a:xfrm>
-            <a:off x="468313" y="1166813"/>
-            <a:ext cx="3239591" cy="4824412"/>
+        </p:nvPicPr>
+        <p:blipFill>
+          <a:blip r:embed="rId4">
+            <a:extLst>
+              <a:ext uri="{28A0092B-C50C-407E-A947-70E740481C1C}">
+                <a14:useLocalDpi xmlns:a14="http://schemas.microsoft.com/office/drawing/2010/main" val="0"/>
+              </a:ext>
+            </a:extLst>
+          </a:blip>
+          <a:srcRect/>
+          <a:stretch>
+            <a:fillRect/>
+          </a:stretch>
+        </p:blipFill>
+        <p:spPr bwMode="auto">
+          <a:xfrm>
+            <a:off x="4781550" y="3228868"/>
+            <a:ext cx="419100" cy="409575"/>
           </a:xfrm>
           <a:prstGeom prst="rect">
             <a:avLst/>
           </a:prstGeom>
-        </p:spPr>
-        <p:txBody>
-          <a:bodyPr/>
-          <a:lstStyle>
-            <a:lvl1pPr marL="538163" indent="-273600" algn="l" defTabSz="914400" rtl="0" eaLnBrk="1" latinLnBrk="0" hangingPunct="1">
-              <a:spcBef>
-                <a:spcPct val="20000"/>
-              </a:spcBef>
-              <a:spcAft>
-                <a:spcPts val="1000"/>
-              </a:spcAft>
-              <a:buClr>
-                <a:schemeClr val="accent1"/>
-              </a:buClr>
-              <a:buSzPct val="94000"/>
-              <a:buFont typeface="Wingdings" pitchFamily="2" charset="2"/>
-              <a:buChar char="n"/>
-              <a:tabLst/>
-              <a:defRPr sz="1700" b="1" kern="1200">
+          <a:noFill/>
+          <a:ln>
+            <a:noFill/>
+          </a:ln>
+          <a:effectLst/>
+          <a:extLst>
+            <a:ext uri="{909E8E84-426E-40DD-AFC4-6F175D3DCCD1}">
+              <a14:hiddenFill xmlns:a14="http://schemas.microsoft.com/office/drawing/2010/main">
+                <a:solidFill>
+                  <a:schemeClr val="accent1"/>
+                </a:solidFill>
+              </a14:hiddenFill>
+            </a:ext>
+            <a:ext uri="{91240B29-F687-4F45-9708-019B960494DF}">
+              <a14:hiddenLine xmlns:a14="http://schemas.microsoft.com/office/drawing/2010/main" w="9525">
                 <a:solidFill>
                   <a:schemeClr val="tx1"/>
                 </a:solidFill>
-                <a:latin typeface="+mn-lt"/>
-                <a:ea typeface="+mn-ea"/>
-                <a:cs typeface="+mn-cs"/>
-              </a:defRPr>
-            </a:lvl1pPr>
-            <a:lvl2pPr marL="803275" indent="-273600" algn="l" defTabSz="914400" rtl="0" eaLnBrk="1" latinLnBrk="0" hangingPunct="1">
-              <a:spcBef>
-                <a:spcPts val="0"/>
-              </a:spcBef>
-              <a:spcAft>
-                <a:spcPts val="1000"/>
-              </a:spcAft>
-              <a:buClr>
-                <a:schemeClr val="bg2"/>
-              </a:buClr>
-              <a:buSzPct val="94000"/>
-              <a:buFont typeface="Wingdings" pitchFamily="2" charset="2"/>
-              <a:buChar char="n"/>
-              <a:tabLst/>
-              <a:defRPr sz="1700" kern="1200">
-                <a:solidFill>
-                  <a:schemeClr val="tx1"/>
-                </a:solidFill>
-                <a:latin typeface="+mn-lt"/>
-                <a:ea typeface="+mn-ea"/>
-                <a:cs typeface="+mn-cs"/>
-              </a:defRPr>
-            </a:lvl2pPr>
-            <a:lvl3pPr marL="1076325" indent="-273050" algn="l" defTabSz="914400" rtl="0" eaLnBrk="1" latinLnBrk="0" hangingPunct="1">
-              <a:spcBef>
-                <a:spcPts val="0"/>
-              </a:spcBef>
-              <a:spcAft>
-                <a:spcPts val="600"/>
-              </a:spcAft>
-              <a:buClr>
-                <a:schemeClr val="bg2"/>
-              </a:buClr>
-              <a:buSzPct val="80000"/>
-              <a:buFont typeface="Wingdings" pitchFamily="2" charset="2"/>
-              <a:buChar char="n"/>
-              <a:defRPr sz="1500" kern="1200">
-                <a:solidFill>
-                  <a:schemeClr val="tx1"/>
-                </a:solidFill>
-                <a:latin typeface="+mn-lt"/>
-                <a:ea typeface="+mn-ea"/>
-                <a:cs typeface="+mn-cs"/>
-              </a:defRPr>
-            </a:lvl3pPr>
-            <a:lvl4pPr marL="1341438" indent="-273600" algn="l" defTabSz="914400" rtl="0" eaLnBrk="1" latinLnBrk="0" hangingPunct="1">
-              <a:spcBef>
-                <a:spcPts val="0"/>
-              </a:spcBef>
-              <a:spcAft>
-                <a:spcPts val="1000"/>
-              </a:spcAft>
-              <a:buClr>
-                <a:schemeClr val="bg2"/>
-              </a:buClr>
-              <a:buSzPct val="80000"/>
-              <a:buFont typeface="Wingdings" pitchFamily="2" charset="2"/>
-              <a:buChar char="n"/>
-              <a:defRPr sz="1500" kern="1200">
-                <a:solidFill>
-                  <a:schemeClr val="tx1"/>
-                </a:solidFill>
-                <a:latin typeface="+mn-lt"/>
-                <a:ea typeface="+mn-ea"/>
-                <a:cs typeface="+mn-cs"/>
-              </a:defRPr>
-            </a:lvl4pPr>
-            <a:lvl5pPr marL="1616075" indent="-274638" algn="l" defTabSz="914400" rtl="0" eaLnBrk="1" latinLnBrk="0" hangingPunct="1">
-              <a:spcBef>
-                <a:spcPts val="0"/>
-              </a:spcBef>
-              <a:spcAft>
-                <a:spcPts val="1000"/>
-              </a:spcAft>
-              <a:buClr>
-                <a:schemeClr val="bg2"/>
-              </a:buClr>
-              <a:buSzPct val="80000"/>
-              <a:buFont typeface="Wingdings" pitchFamily="2" charset="2"/>
-              <a:buChar char="n"/>
-              <a:defRPr lang="de-CH" sz="1500" kern="1200" dirty="0">
-                <a:solidFill>
-                  <a:schemeClr val="tx1"/>
-                </a:solidFill>
-                <a:latin typeface="+mn-lt"/>
-                <a:ea typeface="+mn-ea"/>
-                <a:cs typeface="+mn-cs"/>
-              </a:defRPr>
-            </a:lvl5pPr>
-            <a:lvl6pPr marL="1341437" indent="0" algn="l" defTabSz="914400" rtl="0" eaLnBrk="1" latinLnBrk="0" hangingPunct="1">
-              <a:spcBef>
-                <a:spcPct val="20000"/>
-              </a:spcBef>
-              <a:buClr>
-                <a:schemeClr val="bg2"/>
-              </a:buClr>
-              <a:buFont typeface="Wingdings" pitchFamily="2" charset="2"/>
-              <a:buNone/>
-              <a:defRPr sz="1500" kern="1200">
-                <a:solidFill>
-                  <a:schemeClr val="tx1"/>
-                </a:solidFill>
-                <a:latin typeface="+mn-lt"/>
-                <a:ea typeface="+mn-ea"/>
-                <a:cs typeface="+mn-cs"/>
-              </a:defRPr>
-            </a:lvl6pPr>
-            <a:lvl7pPr marL="2971800" indent="-228600" algn="l" defTabSz="914400" rtl="0" eaLnBrk="1" latinLnBrk="0" hangingPunct="1">
-              <a:spcBef>
-                <a:spcPct val="20000"/>
-              </a:spcBef>
-              <a:buFont typeface="Arial" pitchFamily="34" charset="0"/>
-              <a:buChar char="•"/>
-              <a:defRPr sz="2000" kern="1200">
-                <a:solidFill>
-                  <a:schemeClr val="tx1"/>
-                </a:solidFill>
-                <a:latin typeface="+mn-lt"/>
-                <a:ea typeface="+mn-ea"/>
-                <a:cs typeface="+mn-cs"/>
-              </a:defRPr>
-            </a:lvl7pPr>
-            <a:lvl8pPr marL="3429000" indent="-228600" algn="l" defTabSz="914400" rtl="0" eaLnBrk="1" latinLnBrk="0" hangingPunct="1">
-              <a:spcBef>
-                <a:spcPct val="20000"/>
-              </a:spcBef>
-              <a:buFont typeface="Arial" pitchFamily="34" charset="0"/>
-              <a:buChar char="•"/>
-              <a:defRPr sz="2000" kern="1200">
-                <a:solidFill>
-                  <a:schemeClr val="tx1"/>
-                </a:solidFill>
-                <a:latin typeface="+mn-lt"/>
-                <a:ea typeface="+mn-ea"/>
-                <a:cs typeface="+mn-cs"/>
-              </a:defRPr>
-            </a:lvl8pPr>
-            <a:lvl9pPr marL="3886200" indent="-228600" algn="l" defTabSz="914400" rtl="0" eaLnBrk="1" latinLnBrk="0" hangingPunct="1">
-              <a:spcBef>
-                <a:spcPct val="20000"/>
-              </a:spcBef>
-              <a:buFont typeface="Arial" pitchFamily="34" charset="0"/>
-              <a:buChar char="•"/>
-              <a:defRPr sz="2000" kern="1200">
-                <a:solidFill>
-                  <a:schemeClr val="tx1"/>
-                </a:solidFill>
-                <a:latin typeface="+mn-lt"/>
-                <a:ea typeface="+mn-ea"/>
-                <a:cs typeface="+mn-cs"/>
-              </a:defRPr>
-            </a:lvl9pPr>
-          </a:lstStyle>
-          <a:p>
-            <a:pPr marL="264563" indent="0">
-              <a:buClr>
-                <a:schemeClr val="tx2"/>
-              </a:buClr>
-              <a:buSzPct val="90000"/>
-              <a:buNone/>
-            </a:pPr>
-            <a:r>
-              <a:rPr lang="de-CH" b="0" dirty="0"/>
-              <a:t>Wichtig: Ändern Sie die Fusszeile mit dem Befehl </a:t>
-            </a:r>
-            <a:r>
-              <a:rPr lang="de-CH" dirty="0"/>
-              <a:t>Einfügen -&gt; Kopf- und Fusszeile</a:t>
-            </a:r>
-          </a:p>
-          <a:p>
-            <a:pPr marL="264563" indent="0">
-              <a:buNone/>
-            </a:pPr>
-            <a:endParaRPr lang="de-CH" b="0" dirty="0"/>
-          </a:p>
-          <a:p>
-            <a:pPr marL="264563" indent="0">
-              <a:buNone/>
-            </a:pPr>
-            <a:r>
-              <a:rPr lang="de-CH" b="0" dirty="0"/>
-              <a:t>Anschliessend auf </a:t>
-            </a:r>
-            <a:r>
-              <a:rPr lang="de-CH" dirty="0"/>
-              <a:t>Für alle übernehmen</a:t>
-            </a:r>
-            <a:r>
-              <a:rPr lang="de-CH" b="0" dirty="0"/>
-              <a:t> klicken</a:t>
-            </a:r>
-          </a:p>
-        </p:txBody>
-      </p:sp>
+                <a:miter lim="800000"/>
+                <a:headEnd/>
+                <a:tailEnd/>
+              </a14:hiddenLine>
+            </a:ext>
+            <a:ext uri="{AF507438-7753-43E0-B8FC-AC1667EBCBE1}">
+              <a14:hiddenEffects xmlns:a14="http://schemas.microsoft.com/office/drawing/2010/main">
+                <a:effectLst>
+                  <a:outerShdw dist="35921" dir="2700000" algn="ctr" rotWithShape="0">
+                    <a:schemeClr val="bg2"/>
+                  </a:outerShdw>
+                </a:effectLst>
+              </a14:hiddenEffects>
+            </a:ext>
+          </a:extLst>
+        </p:spPr>
+      </p:pic>
+      <p:cxnSp>
+        <p:nvCxnSpPr>
+          <p:cNvPr id="8" name="Gerade Verbindung mit Pfeil 7"/>
+          <p:cNvCxnSpPr/>
+          <p:nvPr/>
+        </p:nvCxnSpPr>
+        <p:spPr>
+          <a:xfrm flipV="1">
+            <a:off x="4067944" y="3431108"/>
+            <a:ext cx="540060" cy="2548"/>
+          </a:xfrm>
+          <a:prstGeom prst="straightConnector1">
+            <a:avLst/>
+          </a:prstGeom>
+          <a:ln>
+            <a:tailEnd type="arrow"/>
+          </a:ln>
+        </p:spPr>
+        <p:style>
+          <a:lnRef idx="1">
+            <a:schemeClr val="accent1"/>
+          </a:lnRef>
+          <a:fillRef idx="0">
+            <a:schemeClr val="accent1"/>
+          </a:fillRef>
+          <a:effectRef idx="0">
+            <a:schemeClr val="accent1"/>
+          </a:effectRef>
+          <a:fontRef idx="minor">
+            <a:schemeClr val="tx1"/>
+          </a:fontRef>
+        </p:style>
+      </p:cxnSp>
+      <p:cxnSp>
+        <p:nvCxnSpPr>
+          <p:cNvPr id="10" name="Gerade Verbindung mit Pfeil 9"/>
+          <p:cNvCxnSpPr/>
+          <p:nvPr/>
+        </p:nvCxnSpPr>
+        <p:spPr>
+          <a:xfrm>
+            <a:off x="5400092" y="3433656"/>
+            <a:ext cx="468052" cy="0"/>
+          </a:xfrm>
+          <a:prstGeom prst="straightConnector1">
+            <a:avLst/>
+          </a:prstGeom>
+          <a:ln>
+            <a:tailEnd type="arrow"/>
+          </a:ln>
+        </p:spPr>
+        <p:style>
+          <a:lnRef idx="1">
+            <a:schemeClr val="accent1"/>
+          </a:lnRef>
+          <a:fillRef idx="0">
+            <a:schemeClr val="accent1"/>
+          </a:fillRef>
+          <a:effectRef idx="0">
+            <a:schemeClr val="accent1"/>
+          </a:effectRef>
+          <a:fontRef idx="minor">
+            <a:schemeClr val="tx1"/>
+          </a:fontRef>
+        </p:style>
+      </p:cxnSp>
     </p:spTree>
     <p:extLst>
       <p:ext uri="{BB962C8B-B14F-4D97-AF65-F5344CB8AC3E}">
-        <p14:creationId xmlns:p14="http://schemas.microsoft.com/office/powerpoint/2010/main" val="1929415801"/>
+        <p14:creationId xmlns:p14="http://schemas.microsoft.com/office/powerpoint/2010/main" val="2773809055"/>
+      </p:ext>
+    </p:extLst>
+  </p:cSld>
+  <p:clrMapOvr>
+    <a:masterClrMapping/>
+  </p:clrMapOvr>
+  <p:timing>
+    <p:tnLst>
+      <p:par>
+        <p:cTn id="1" dur="indefinite" restart="never" nodeType="tmRoot"/>
+      </p:par>
+    </p:tnLst>
+  </p:timing>
+</p:sld>
+</file>
+
+<file path=ppt/slides/slide17.xml><?xml version="1.0" encoding="utf-8"?>
+<p:sld xmlns:a="http://schemas.openxmlformats.org/drawingml/2006/main" xmlns:r="http://schemas.openxmlformats.org/officeDocument/2006/relationships" xmlns:p="http://schemas.openxmlformats.org/presentationml/2006/main">
+  <p:cSld>
+    <p:spTree>
+      <p:nvGrpSpPr>
+        <p:cNvPr id="1" name=""/>
+        <p:cNvGrpSpPr/>
+        <p:nvPr/>
+      </p:nvGrpSpPr>
+      <p:grpSpPr>
+        <a:xfrm>
+          <a:off x="0" y="0"/>
+          <a:ext cx="0" cy="0"/>
+          <a:chOff x="0" y="0"/>
+          <a:chExt cx="0" cy="0"/>
+        </a:xfrm>
+      </p:grpSpPr>
+      <p:sp>
+        <p:nvSpPr>
+          <p:cNvPr id="2" name="Titel 1"/>
+          <p:cNvSpPr>
+            <a:spLocks noGrp="1"/>
+          </p:cNvSpPr>
+          <p:nvPr>
+            <p:ph type="title"/>
+          </p:nvPr>
+        </p:nvSpPr>
+        <p:spPr/>
+        <p:txBody>
+          <a:bodyPr/>
+          <a:lstStyle/>
+          <a:p>
+            <a:r>
+              <a:rPr lang="de-CH" dirty="0" smtClean="0"/>
+              <a:t>Handfläche</a:t>
+            </a:r>
+            <a:endParaRPr lang="de-CH" dirty="0"/>
+          </a:p>
+        </p:txBody>
+      </p:sp>
+      <p:sp>
+        <p:nvSpPr>
+          <p:cNvPr id="4" name="Fußzeilenplatzhalter 3"/>
+          <p:cNvSpPr>
+            <a:spLocks noGrp="1"/>
+          </p:cNvSpPr>
+          <p:nvPr>
+            <p:ph type="ftr" sz="quarter" idx="3"/>
+          </p:nvPr>
+        </p:nvSpPr>
+        <p:spPr/>
+        <p:txBody>
+          <a:bodyPr/>
+          <a:lstStyle/>
+          <a:p>
+            <a:r>
+              <a:rPr lang="de-CH" smtClean="0"/>
+              <a:t>Zwischenbericht, BA PresWriter, Rapperswil, 9.4.2013</a:t>
+            </a:r>
+            <a:endParaRPr lang="de-CH" dirty="0"/>
+          </a:p>
+        </p:txBody>
+      </p:sp>
+      <p:sp>
+        <p:nvSpPr>
+          <p:cNvPr id="5" name="Foliennummernplatzhalter 4"/>
+          <p:cNvSpPr>
+            <a:spLocks noGrp="1"/>
+          </p:cNvSpPr>
+          <p:nvPr>
+            <p:ph type="sldNum" sz="quarter" idx="4"/>
+          </p:nvPr>
+        </p:nvSpPr>
+        <p:spPr/>
+        <p:txBody>
+          <a:bodyPr/>
+          <a:lstStyle/>
+          <a:p>
+            <a:fld id="{6CB3B594-2801-4864-9089-E42463258A4B}" type="slidenum">
+              <a:rPr lang="de-CH" smtClean="0"/>
+              <a:pPr/>
+              <a:t>17</a:t>
+            </a:fld>
+            <a:endParaRPr lang="de-CH"/>
+          </a:p>
+        </p:txBody>
+      </p:sp>
+      <p:pic>
+        <p:nvPicPr>
+          <p:cNvPr id="7" name="Grafik 6"/>
+          <p:cNvPicPr>
+            <a:picLocks noChangeAspect="1"/>
+          </p:cNvPicPr>
+          <p:nvPr/>
+        </p:nvPicPr>
+        <p:blipFill>
+          <a:blip r:embed="rId2">
+            <a:extLst>
+              <a:ext uri="{28A0092B-C50C-407E-A947-70E740481C1C}">
+                <a14:useLocalDpi xmlns:a14="http://schemas.microsoft.com/office/drawing/2010/main" val="0"/>
+              </a:ext>
+            </a:extLst>
+          </a:blip>
+          <a:stretch>
+            <a:fillRect/>
+          </a:stretch>
+        </p:blipFill>
+        <p:spPr>
+          <a:xfrm>
+            <a:off x="0" y="1152485"/>
+            <a:ext cx="9144000" cy="4553029"/>
+          </a:xfrm>
+          <a:prstGeom prst="rect">
+            <a:avLst/>
+          </a:prstGeom>
+        </p:spPr>
+      </p:pic>
+    </p:spTree>
+    <p:extLst>
+      <p:ext uri="{BB962C8B-B14F-4D97-AF65-F5344CB8AC3E}">
+        <p14:creationId xmlns:p14="http://schemas.microsoft.com/office/powerpoint/2010/main" val="367152227"/>
+      </p:ext>
+    </p:extLst>
+  </p:cSld>
+  <p:clrMapOvr>
+    <a:masterClrMapping/>
+  </p:clrMapOvr>
+</p:sld>
+</file>
+
+<file path=ppt/slides/slide18.xml><?xml version="1.0" encoding="utf-8"?>
+<p:sld xmlns:a="http://schemas.openxmlformats.org/drawingml/2006/main" xmlns:r="http://schemas.openxmlformats.org/officeDocument/2006/relationships" xmlns:p="http://schemas.openxmlformats.org/presentationml/2006/main">
+  <p:cSld>
+    <p:spTree>
+      <p:nvGrpSpPr>
+        <p:cNvPr id="1" name=""/>
+        <p:cNvGrpSpPr/>
+        <p:nvPr/>
+      </p:nvGrpSpPr>
+      <p:grpSpPr>
+        <a:xfrm>
+          <a:off x="0" y="0"/>
+          <a:ext cx="0" cy="0"/>
+          <a:chOff x="0" y="0"/>
+          <a:chExt cx="0" cy="0"/>
+        </a:xfrm>
+      </p:grpSpPr>
+      <p:sp>
+        <p:nvSpPr>
+          <p:cNvPr id="2" name="Titel 1"/>
+          <p:cNvSpPr>
+            <a:spLocks noGrp="1"/>
+          </p:cNvSpPr>
+          <p:nvPr>
+            <p:ph type="title"/>
+          </p:nvPr>
+        </p:nvSpPr>
+        <p:spPr/>
+        <p:txBody>
+          <a:bodyPr/>
+          <a:lstStyle/>
+          <a:p>
+            <a:r>
+              <a:rPr lang="de-CH" dirty="0" smtClean="0"/>
+              <a:t>Mit Finger zeigen</a:t>
+            </a:r>
+            <a:endParaRPr lang="de-CH" dirty="0"/>
+          </a:p>
+        </p:txBody>
+      </p:sp>
+      <p:sp>
+        <p:nvSpPr>
+          <p:cNvPr id="4" name="Fußzeilenplatzhalter 3"/>
+          <p:cNvSpPr>
+            <a:spLocks noGrp="1"/>
+          </p:cNvSpPr>
+          <p:nvPr>
+            <p:ph type="ftr" sz="quarter" idx="3"/>
+          </p:nvPr>
+        </p:nvSpPr>
+        <p:spPr/>
+        <p:txBody>
+          <a:bodyPr/>
+          <a:lstStyle/>
+          <a:p>
+            <a:r>
+              <a:rPr lang="de-CH" smtClean="0"/>
+              <a:t>Zwischenbericht, BA PresWriter, Rapperswil, 9.4.2013</a:t>
+            </a:r>
+            <a:endParaRPr lang="de-CH" dirty="0"/>
+          </a:p>
+        </p:txBody>
+      </p:sp>
+      <p:sp>
+        <p:nvSpPr>
+          <p:cNvPr id="5" name="Foliennummernplatzhalter 4"/>
+          <p:cNvSpPr>
+            <a:spLocks noGrp="1"/>
+          </p:cNvSpPr>
+          <p:nvPr>
+            <p:ph type="sldNum" sz="quarter" idx="4"/>
+          </p:nvPr>
+        </p:nvSpPr>
+        <p:spPr/>
+        <p:txBody>
+          <a:bodyPr/>
+          <a:lstStyle/>
+          <a:p>
+            <a:fld id="{6CB3B594-2801-4864-9089-E42463258A4B}" type="slidenum">
+              <a:rPr lang="de-CH" smtClean="0"/>
+              <a:pPr/>
+              <a:t>18</a:t>
+            </a:fld>
+            <a:endParaRPr lang="de-CH"/>
+          </a:p>
+        </p:txBody>
+      </p:sp>
+      <p:pic>
+        <p:nvPicPr>
+          <p:cNvPr id="3" name="Grafik 2"/>
+          <p:cNvPicPr>
+            <a:picLocks noChangeAspect="1"/>
+          </p:cNvPicPr>
+          <p:nvPr/>
+        </p:nvPicPr>
+        <p:blipFill>
+          <a:blip r:embed="rId2">
+            <a:extLst>
+              <a:ext uri="{28A0092B-C50C-407E-A947-70E740481C1C}">
+                <a14:useLocalDpi xmlns:a14="http://schemas.microsoft.com/office/drawing/2010/main" val="0"/>
+              </a:ext>
+            </a:extLst>
+          </a:blip>
+          <a:stretch>
+            <a:fillRect/>
+          </a:stretch>
+        </p:blipFill>
+        <p:spPr>
+          <a:xfrm>
+            <a:off x="0" y="1157199"/>
+            <a:ext cx="9144000" cy="4543602"/>
+          </a:xfrm>
+          <a:prstGeom prst="rect">
+            <a:avLst/>
+          </a:prstGeom>
+        </p:spPr>
+      </p:pic>
+    </p:spTree>
+    <p:extLst>
+      <p:ext uri="{BB962C8B-B14F-4D97-AF65-F5344CB8AC3E}">
+        <p14:creationId xmlns:p14="http://schemas.microsoft.com/office/powerpoint/2010/main" val="607987202"/>
+      </p:ext>
+    </p:extLst>
+  </p:cSld>
+  <p:clrMapOvr>
+    <a:masterClrMapping/>
+  </p:clrMapOvr>
+</p:sld>
+</file>
+
+<file path=ppt/slides/slide2.xml><?xml version="1.0" encoding="utf-8"?>
+<p:sld xmlns:a="http://schemas.openxmlformats.org/drawingml/2006/main" xmlns:r="http://schemas.openxmlformats.org/officeDocument/2006/relationships" xmlns:p="http://schemas.openxmlformats.org/presentationml/2006/main">
+  <p:cSld>
+    <p:spTree>
+      <p:nvGrpSpPr>
+        <p:cNvPr id="1" name=""/>
+        <p:cNvGrpSpPr/>
+        <p:nvPr/>
+      </p:nvGrpSpPr>
+      <p:grpSpPr>
+        <a:xfrm>
+          <a:off x="0" y="0"/>
+          <a:ext cx="0" cy="0"/>
+          <a:chOff x="0" y="0"/>
+          <a:chExt cx="0" cy="0"/>
+        </a:xfrm>
+      </p:grpSpPr>
+      <p:sp>
+        <p:nvSpPr>
+          <p:cNvPr id="2" name="Titel 1"/>
+          <p:cNvSpPr>
+            <a:spLocks noGrp="1"/>
+          </p:cNvSpPr>
+          <p:nvPr>
+            <p:ph type="title"/>
+          </p:nvPr>
+        </p:nvSpPr>
+        <p:spPr/>
+        <p:txBody>
+          <a:bodyPr/>
+          <a:lstStyle/>
+          <a:p>
+            <a:r>
+              <a:rPr lang="de-CH" smtClean="0"/>
+              <a:t>Inhaltsverzeichnis</a:t>
+            </a:r>
+            <a:endParaRPr lang="de-CH" dirty="0"/>
+          </a:p>
+        </p:txBody>
+      </p:sp>
+      <p:sp>
+        <p:nvSpPr>
+          <p:cNvPr id="3" name="Inhaltsplatzhalter 2"/>
+          <p:cNvSpPr>
+            <a:spLocks noGrp="1"/>
+          </p:cNvSpPr>
+          <p:nvPr>
+            <p:ph sz="quarter" idx="13"/>
+          </p:nvPr>
+        </p:nvSpPr>
+        <p:spPr/>
+        <p:txBody>
+          <a:bodyPr/>
+          <a:lstStyle/>
+          <a:p>
+            <a:r>
+              <a:rPr lang="de-CH" dirty="0" smtClean="0"/>
+              <a:t>Pen Tracking</a:t>
+            </a:r>
+          </a:p>
+          <a:p>
+            <a:r>
+              <a:rPr lang="de-CH" dirty="0" smtClean="0">
+                <a:solidFill>
+                  <a:srgbClr val="C6C7C8"/>
+                </a:solidFill>
+              </a:rPr>
+              <a:t>Kalibrierung</a:t>
+            </a:r>
+          </a:p>
+          <a:p>
+            <a:r>
+              <a:rPr lang="de-CH" dirty="0" smtClean="0">
+                <a:solidFill>
+                  <a:srgbClr val="C6C7C8"/>
+                </a:solidFill>
+              </a:rPr>
+              <a:t>Architektur</a:t>
+            </a:r>
+          </a:p>
+          <a:p>
+            <a:r>
+              <a:rPr lang="de-CH" dirty="0" smtClean="0">
+                <a:solidFill>
+                  <a:srgbClr val="C6C7C8"/>
+                </a:solidFill>
+              </a:rPr>
+              <a:t>Ausblick</a:t>
+            </a:r>
+          </a:p>
+          <a:p>
+            <a:endParaRPr lang="de-CH" dirty="0" smtClean="0"/>
+          </a:p>
+          <a:p>
+            <a:endParaRPr lang="de-CH" dirty="0" smtClean="0"/>
+          </a:p>
+          <a:p>
+            <a:endParaRPr lang="de-CH" dirty="0"/>
+          </a:p>
+        </p:txBody>
+      </p:sp>
+      <p:sp>
+        <p:nvSpPr>
+          <p:cNvPr id="4" name="Fußzeilenplatzhalter 3"/>
+          <p:cNvSpPr>
+            <a:spLocks noGrp="1"/>
+          </p:cNvSpPr>
+          <p:nvPr>
+            <p:ph type="ftr" sz="quarter" idx="3"/>
+          </p:nvPr>
+        </p:nvSpPr>
+        <p:spPr/>
+        <p:txBody>
+          <a:bodyPr/>
+          <a:lstStyle/>
+          <a:p>
+            <a:r>
+              <a:rPr lang="de-CH" smtClean="0"/>
+              <a:t>Zwischenbericht, BA PresWriter, Rapperswil, 9.4.2013</a:t>
+            </a:r>
+            <a:endParaRPr lang="de-CH" dirty="0" smtClean="0"/>
+          </a:p>
+        </p:txBody>
+      </p:sp>
+      <p:sp>
+        <p:nvSpPr>
+          <p:cNvPr id="5" name="Foliennummernplatzhalter 4"/>
+          <p:cNvSpPr>
+            <a:spLocks noGrp="1"/>
+          </p:cNvSpPr>
+          <p:nvPr>
+            <p:ph type="sldNum" sz="quarter" idx="4"/>
+          </p:nvPr>
+        </p:nvSpPr>
+        <p:spPr/>
+        <p:txBody>
+          <a:bodyPr/>
+          <a:lstStyle/>
+          <a:p>
+            <a:fld id="{6CB3B594-2801-4864-9089-E42463258A4B}" type="slidenum">
+              <a:rPr lang="de-CH" smtClean="0"/>
+              <a:pPr/>
+              <a:t>2</a:t>
+            </a:fld>
+            <a:endParaRPr lang="de-CH"/>
+          </a:p>
+        </p:txBody>
+      </p:sp>
+      <p:sp>
+        <p:nvSpPr>
+          <p:cNvPr id="10" name="Bildplatzhalter 9"/>
+          <p:cNvSpPr>
+            <a:spLocks noGrp="1"/>
+          </p:cNvSpPr>
+          <p:nvPr>
+            <p:ph type="pic" sz="quarter" idx="14"/>
+          </p:nvPr>
+        </p:nvSpPr>
+        <p:spPr/>
+      </p:sp>
+    </p:spTree>
+    <p:extLst>
+      <p:ext uri="{BB962C8B-B14F-4D97-AF65-F5344CB8AC3E}">
+        <p14:creationId xmlns:p14="http://schemas.microsoft.com/office/powerpoint/2010/main" val="1288493306"/>
       </p:ext>
     </p:extLst>
   </p:cSld>
@@ -11479,9 +6959,61 @@
             <a:pPr lvl="1"/>
             <a:r>
               <a:rPr lang="de-CH" dirty="0" smtClean="0"/>
-              <a:t>Punkte mittels Interpolation finden</a:t>
-            </a:r>
-            <a:endParaRPr lang="de-CH" dirty="0"/>
+              <a:t>Punkte mittels Interpolation </a:t>
+            </a:r>
+            <a:r>
+              <a:rPr lang="de-CH" dirty="0" smtClean="0"/>
+              <a:t>finden</a:t>
+            </a:r>
+          </a:p>
+          <a:p>
+            <a:r>
+              <a:rPr lang="de-CH" dirty="0" smtClean="0"/>
+              <a:t>Performance</a:t>
+            </a:r>
+          </a:p>
+          <a:p>
+            <a:pPr lvl="1"/>
+            <a:r>
+              <a:rPr lang="de-CH" dirty="0" smtClean="0"/>
+              <a:t>ca. alle 40ms ein Punkt finden</a:t>
+            </a:r>
+          </a:p>
+          <a:p>
+            <a:pPr lvl="1"/>
+            <a:r>
+              <a:rPr lang="de-CH" dirty="0">
+                <a:sym typeface="Wingdings" pitchFamily="2" charset="2"/>
+              </a:rPr>
+              <a:t>c</a:t>
+            </a:r>
+            <a:r>
+              <a:rPr lang="de-CH" dirty="0" smtClean="0">
+                <a:sym typeface="Wingdings" pitchFamily="2" charset="2"/>
+              </a:rPr>
+              <a:t>a. 20ms Rückstand, da zwischen aktuellem und letztem Bild interpoliert wird.</a:t>
+            </a:r>
+            <a:endParaRPr lang="de-CH" dirty="0">
+              <a:sym typeface="Wingdings" pitchFamily="2" charset="2"/>
+            </a:endParaRPr>
+          </a:p>
+          <a:p>
+            <a:pPr lvl="1"/>
+            <a:r>
+              <a:rPr lang="de-CH" dirty="0" smtClean="0">
+                <a:sym typeface="Wingdings" pitchFamily="2" charset="2"/>
+              </a:rPr>
+              <a:t>Multithreading </a:t>
+            </a:r>
+            <a:r>
+              <a:rPr lang="de-CH" smtClean="0">
+                <a:sym typeface="Wingdings" pitchFamily="2" charset="2"/>
+              </a:rPr>
+              <a:t>gut möglich</a:t>
+            </a:r>
+            <a:endParaRPr lang="de-CH" dirty="0" smtClean="0">
+              <a:sym typeface="Wingdings" pitchFamily="2" charset="2"/>
+            </a:endParaRPr>
           </a:p>
         </p:txBody>
       </p:sp>
@@ -13297,566 +8829,4 @@
   <a:objectDefaults/>
   <a:extraClrSchemeLst/>
 </a:theme>
-</file>
-
-<file path=ppt/theme/themeOverride1.xml><?xml version="1.0" encoding="utf-8"?>
-<a:themeOverride xmlns:a="http://schemas.openxmlformats.org/drawingml/2006/main">
-  <a:clrScheme name="HSR">
-    <a:dk1>
-      <a:sysClr val="windowText" lastClr="000000"/>
-    </a:dk1>
-    <a:lt1>
-      <a:sysClr val="window" lastClr="FFFFFF"/>
-    </a:lt1>
-    <a:dk2>
-      <a:srgbClr val="1F497D"/>
-    </a:dk2>
-    <a:lt2>
-      <a:srgbClr val="C4C4C2"/>
-    </a:lt2>
-    <a:accent1>
-      <a:srgbClr val="3F6DA6"/>
-    </a:accent1>
-    <a:accent2>
-      <a:srgbClr val="702052"/>
-    </a:accent2>
-    <a:accent3>
-      <a:srgbClr val="548D8B"/>
-    </a:accent3>
-    <a:accent4>
-      <a:srgbClr val="7A6A51"/>
-    </a:accent4>
-    <a:accent5>
-      <a:srgbClr val="00748E"/>
-    </a:accent5>
-    <a:accent6>
-      <a:srgbClr val="BABE5E"/>
-    </a:accent6>
-    <a:hlink>
-      <a:srgbClr val="3F6DA6"/>
-    </a:hlink>
-    <a:folHlink>
-      <a:srgbClr val="800080"/>
-    </a:folHlink>
-  </a:clrScheme>
-  <a:fontScheme name="Larissa Klassisch 2">
-    <a:majorFont>
-      <a:latin typeface="Arial"/>
-      <a:ea typeface=""/>
-      <a:cs typeface=""/>
-      <a:font script="Jpan" typeface="ＭＳ Ｐゴシック"/>
-      <a:font script="Hang" typeface="굴림"/>
-      <a:font script="Hans" typeface="黑体"/>
-      <a:font script="Hant" typeface="微軟正黑體"/>
-      <a:font script="Arab" typeface="Arial"/>
-      <a:font script="Hebr" typeface="Arial"/>
-      <a:font script="Thai" typeface="Cordia New"/>
-      <a:font script="Ethi" typeface="Nyala"/>
-      <a:font script="Beng" typeface="Vrinda"/>
-      <a:font script="Gujr" typeface="Shruti"/>
-      <a:font script="Khmr" typeface="DaunPenh"/>
-      <a:font script="Knda" typeface="Tunga"/>
-      <a:font script="Guru" typeface="Raavi"/>
-      <a:font script="Cans" typeface="Euphemia"/>
-      <a:font script="Cher" typeface="Plantagenet Cherokee"/>
-      <a:font script="Yiii" typeface="Microsoft Yi Baiti"/>
-      <a:font script="Tibt" typeface="Microsoft Himalaya"/>
-      <a:font script="Thaa" typeface="MV Boli"/>
-      <a:font script="Deva" typeface="Mangal"/>
-      <a:font script="Telu" typeface="Gautami"/>
-      <a:font script="Taml" typeface="Latha"/>
-      <a:font script="Syrc" typeface="Estrangelo Edessa"/>
-      <a:font script="Orya" typeface="Kalinga"/>
-      <a:font script="Mlym" typeface="Kartika"/>
-      <a:font script="Laoo" typeface="DokChampa"/>
-      <a:font script="Sinh" typeface="Iskoola Pota"/>
-      <a:font script="Mong" typeface="Mongolian Baiti"/>
-      <a:font script="Viet" typeface="Arial"/>
-      <a:font script="Uigh" typeface="Microsoft Uighur"/>
-      <a:font script="Geor" typeface="Sylfaen"/>
-    </a:majorFont>
-    <a:minorFont>
-      <a:latin typeface="Arial"/>
-      <a:ea typeface=""/>
-      <a:cs typeface=""/>
-      <a:font script="Jpan" typeface="ＭＳ Ｐゴシック"/>
-      <a:font script="Hang" typeface="굴림"/>
-      <a:font script="Hans" typeface="黑体"/>
-      <a:font script="Hant" typeface="微軟正黑體"/>
-      <a:font script="Arab" typeface="Arial"/>
-      <a:font script="Hebr" typeface="Arial"/>
-      <a:font script="Thai" typeface="Cordia New"/>
-      <a:font script="Ethi" typeface="Nyala"/>
-      <a:font script="Beng" typeface="Vrinda"/>
-      <a:font script="Gujr" typeface="Shruti"/>
-      <a:font script="Khmr" typeface="DaunPenh"/>
-      <a:font script="Knda" typeface="Tunga"/>
-      <a:font script="Guru" typeface="Raavi"/>
-      <a:font script="Cans" typeface="Euphemia"/>
-      <a:font script="Cher" typeface="Plantagenet Cherokee"/>
-      <a:font script="Yiii" typeface="Microsoft Yi Baiti"/>
-      <a:font script="Tibt" typeface="Microsoft Himalaya"/>
-      <a:font script="Thaa" typeface="MV Boli"/>
-      <a:font script="Deva" typeface="Mangal"/>
-      <a:font script="Telu" typeface="Gautami"/>
-      <a:font script="Taml" typeface="Latha"/>
-      <a:font script="Syrc" typeface="Estrangelo Edessa"/>
-      <a:font script="Orya" typeface="Kalinga"/>
-      <a:font script="Mlym" typeface="Kartika"/>
-      <a:font script="Laoo" typeface="DokChampa"/>
-      <a:font script="Sinh" typeface="Iskoola Pota"/>
-      <a:font script="Mong" typeface="Mongolian Baiti"/>
-      <a:font script="Viet" typeface="Arial"/>
-      <a:font script="Uigh" typeface="Microsoft Uighur"/>
-      <a:font script="Geor" typeface="Sylfaen"/>
-    </a:minorFont>
-  </a:fontScheme>
-  <a:fmtScheme name="Larissa">
-    <a:fillStyleLst>
-      <a:solidFill>
-        <a:schemeClr val="phClr"/>
-      </a:solidFill>
-      <a:gradFill rotWithShape="1">
-        <a:gsLst>
-          <a:gs pos="0">
-            <a:schemeClr val="phClr">
-              <a:tint val="50000"/>
-              <a:satMod val="300000"/>
-            </a:schemeClr>
-          </a:gs>
-          <a:gs pos="35000">
-            <a:schemeClr val="phClr">
-              <a:tint val="37000"/>
-              <a:satMod val="300000"/>
-            </a:schemeClr>
-          </a:gs>
-          <a:gs pos="100000">
-            <a:schemeClr val="phClr">
-              <a:tint val="15000"/>
-              <a:satMod val="350000"/>
-            </a:schemeClr>
-          </a:gs>
-        </a:gsLst>
-        <a:lin ang="16200000" scaled="1"/>
-      </a:gradFill>
-      <a:gradFill rotWithShape="1">
-        <a:gsLst>
-          <a:gs pos="0">
-            <a:schemeClr val="phClr">
-              <a:shade val="51000"/>
-              <a:satMod val="130000"/>
-            </a:schemeClr>
-          </a:gs>
-          <a:gs pos="80000">
-            <a:schemeClr val="phClr">
-              <a:shade val="93000"/>
-              <a:satMod val="130000"/>
-            </a:schemeClr>
-          </a:gs>
-          <a:gs pos="100000">
-            <a:schemeClr val="phClr">
-              <a:shade val="94000"/>
-              <a:satMod val="135000"/>
-            </a:schemeClr>
-          </a:gs>
-        </a:gsLst>
-        <a:lin ang="16200000" scaled="0"/>
-      </a:gradFill>
-    </a:fillStyleLst>
-    <a:lnStyleLst>
-      <a:ln w="9525" cap="flat" cmpd="sng" algn="ctr">
-        <a:solidFill>
-          <a:schemeClr val="phClr">
-            <a:shade val="95000"/>
-            <a:satMod val="105000"/>
-          </a:schemeClr>
-        </a:solidFill>
-        <a:prstDash val="solid"/>
-      </a:ln>
-      <a:ln w="25400" cap="flat" cmpd="sng" algn="ctr">
-        <a:solidFill>
-          <a:schemeClr val="phClr"/>
-        </a:solidFill>
-        <a:prstDash val="solid"/>
-      </a:ln>
-      <a:ln w="38100" cap="flat" cmpd="sng" algn="ctr">
-        <a:solidFill>
-          <a:schemeClr val="phClr"/>
-        </a:solidFill>
-        <a:prstDash val="solid"/>
-      </a:ln>
-    </a:lnStyleLst>
-    <a:effectStyleLst>
-      <a:effectStyle>
-        <a:effectLst>
-          <a:outerShdw blurRad="40000" dist="20000" dir="5400000" rotWithShape="0">
-            <a:srgbClr val="000000">
-              <a:alpha val="38000"/>
-            </a:srgbClr>
-          </a:outerShdw>
-        </a:effectLst>
-      </a:effectStyle>
-      <a:effectStyle>
-        <a:effectLst>
-          <a:outerShdw blurRad="40000" dist="23000" dir="5400000" rotWithShape="0">
-            <a:srgbClr val="000000">
-              <a:alpha val="35000"/>
-            </a:srgbClr>
-          </a:outerShdw>
-        </a:effectLst>
-      </a:effectStyle>
-      <a:effectStyle>
-        <a:effectLst>
-          <a:outerShdw blurRad="40000" dist="23000" dir="5400000" rotWithShape="0">
-            <a:srgbClr val="000000">
-              <a:alpha val="35000"/>
-            </a:srgbClr>
-          </a:outerShdw>
-        </a:effectLst>
-        <a:scene3d>
-          <a:camera prst="orthographicFront">
-            <a:rot lat="0" lon="0" rev="0"/>
-          </a:camera>
-          <a:lightRig rig="threePt" dir="t">
-            <a:rot lat="0" lon="0" rev="1200000"/>
-          </a:lightRig>
-        </a:scene3d>
-        <a:sp3d>
-          <a:bevelT w="63500" h="25400"/>
-        </a:sp3d>
-      </a:effectStyle>
-    </a:effectStyleLst>
-    <a:bgFillStyleLst>
-      <a:solidFill>
-        <a:schemeClr val="phClr"/>
-      </a:solidFill>
-      <a:gradFill rotWithShape="1">
-        <a:gsLst>
-          <a:gs pos="0">
-            <a:schemeClr val="phClr">
-              <a:tint val="40000"/>
-              <a:satMod val="350000"/>
-            </a:schemeClr>
-          </a:gs>
-          <a:gs pos="40000">
-            <a:schemeClr val="phClr">
-              <a:tint val="45000"/>
-              <a:shade val="99000"/>
-              <a:satMod val="350000"/>
-            </a:schemeClr>
-          </a:gs>
-          <a:gs pos="100000">
-            <a:schemeClr val="phClr">
-              <a:shade val="20000"/>
-              <a:satMod val="255000"/>
-            </a:schemeClr>
-          </a:gs>
-        </a:gsLst>
-        <a:path path="circle">
-          <a:fillToRect l="50000" t="-80000" r="50000" b="180000"/>
-        </a:path>
-      </a:gradFill>
-      <a:gradFill rotWithShape="1">
-        <a:gsLst>
-          <a:gs pos="0">
-            <a:schemeClr val="phClr">
-              <a:tint val="80000"/>
-              <a:satMod val="300000"/>
-            </a:schemeClr>
-          </a:gs>
-          <a:gs pos="100000">
-            <a:schemeClr val="phClr">
-              <a:shade val="30000"/>
-              <a:satMod val="200000"/>
-            </a:schemeClr>
-          </a:gs>
-        </a:gsLst>
-        <a:path path="circle">
-          <a:fillToRect l="50000" t="50000" r="50000" b="50000"/>
-        </a:path>
-      </a:gradFill>
-    </a:bgFillStyleLst>
-  </a:fmtScheme>
-</a:themeOverride>
-</file>
-
-<file path=ppt/theme/themeOverride2.xml><?xml version="1.0" encoding="utf-8"?>
-<a:themeOverride xmlns:a="http://schemas.openxmlformats.org/drawingml/2006/main">
-  <a:clrScheme name="HSR">
-    <a:dk1>
-      <a:sysClr val="windowText" lastClr="000000"/>
-    </a:dk1>
-    <a:lt1>
-      <a:sysClr val="window" lastClr="FFFFFF"/>
-    </a:lt1>
-    <a:dk2>
-      <a:srgbClr val="1F497D"/>
-    </a:dk2>
-    <a:lt2>
-      <a:srgbClr val="C4C4C2"/>
-    </a:lt2>
-    <a:accent1>
-      <a:srgbClr val="3F6DA6"/>
-    </a:accent1>
-    <a:accent2>
-      <a:srgbClr val="702052"/>
-    </a:accent2>
-    <a:accent3>
-      <a:srgbClr val="548D8B"/>
-    </a:accent3>
-    <a:accent4>
-      <a:srgbClr val="7A6A51"/>
-    </a:accent4>
-    <a:accent5>
-      <a:srgbClr val="00748E"/>
-    </a:accent5>
-    <a:accent6>
-      <a:srgbClr val="BABE5E"/>
-    </a:accent6>
-    <a:hlink>
-      <a:srgbClr val="3F6DA6"/>
-    </a:hlink>
-    <a:folHlink>
-      <a:srgbClr val="800080"/>
-    </a:folHlink>
-  </a:clrScheme>
-  <a:fontScheme name="Larissa Klassisch 2">
-    <a:majorFont>
-      <a:latin typeface="Arial"/>
-      <a:ea typeface=""/>
-      <a:cs typeface=""/>
-      <a:font script="Jpan" typeface="ＭＳ Ｐゴシック"/>
-      <a:font script="Hang" typeface="굴림"/>
-      <a:font script="Hans" typeface="黑体"/>
-      <a:font script="Hant" typeface="微軟正黑體"/>
-      <a:font script="Arab" typeface="Arial"/>
-      <a:font script="Hebr" typeface="Arial"/>
-      <a:font script="Thai" typeface="Cordia New"/>
-      <a:font script="Ethi" typeface="Nyala"/>
-      <a:font script="Beng" typeface="Vrinda"/>
-      <a:font script="Gujr" typeface="Shruti"/>
-      <a:font script="Khmr" typeface="DaunPenh"/>
-      <a:font script="Knda" typeface="Tunga"/>
-      <a:font script="Guru" typeface="Raavi"/>
-      <a:font script="Cans" typeface="Euphemia"/>
-      <a:font script="Cher" typeface="Plantagenet Cherokee"/>
-      <a:font script="Yiii" typeface="Microsoft Yi Baiti"/>
-      <a:font script="Tibt" typeface="Microsoft Himalaya"/>
-      <a:font script="Thaa" typeface="MV Boli"/>
-      <a:font script="Deva" typeface="Mangal"/>
-      <a:font script="Telu" typeface="Gautami"/>
-      <a:font script="Taml" typeface="Latha"/>
-      <a:font script="Syrc" typeface="Estrangelo Edessa"/>
-      <a:font script="Orya" typeface="Kalinga"/>
-      <a:font script="Mlym" typeface="Kartika"/>
-      <a:font script="Laoo" typeface="DokChampa"/>
-      <a:font script="Sinh" typeface="Iskoola Pota"/>
-      <a:font script="Mong" typeface="Mongolian Baiti"/>
-      <a:font script="Viet" typeface="Arial"/>
-      <a:font script="Uigh" typeface="Microsoft Uighur"/>
-      <a:font script="Geor" typeface="Sylfaen"/>
-    </a:majorFont>
-    <a:minorFont>
-      <a:latin typeface="Arial"/>
-      <a:ea typeface=""/>
-      <a:cs typeface=""/>
-      <a:font script="Jpan" typeface="ＭＳ Ｐゴシック"/>
-      <a:font script="Hang" typeface="굴림"/>
-      <a:font script="Hans" typeface="黑体"/>
-      <a:font script="Hant" typeface="微軟正黑體"/>
-      <a:font script="Arab" typeface="Arial"/>
-      <a:font script="Hebr" typeface="Arial"/>
-      <a:font script="Thai" typeface="Cordia New"/>
-      <a:font script="Ethi" typeface="Nyala"/>
-      <a:font script="Beng" typeface="Vrinda"/>
-      <a:font script="Gujr" typeface="Shruti"/>
-      <a:font script="Khmr" typeface="DaunPenh"/>
-      <a:font script="Knda" typeface="Tunga"/>
-      <a:font script="Guru" typeface="Raavi"/>
-      <a:font script="Cans" typeface="Euphemia"/>
-      <a:font script="Cher" typeface="Plantagenet Cherokee"/>
-      <a:font script="Yiii" typeface="Microsoft Yi Baiti"/>
-      <a:font script="Tibt" typeface="Microsoft Himalaya"/>
-      <a:font script="Thaa" typeface="MV Boli"/>
-      <a:font script="Deva" typeface="Mangal"/>
-      <a:font script="Telu" typeface="Gautami"/>
-      <a:font script="Taml" typeface="Latha"/>
-      <a:font script="Syrc" typeface="Estrangelo Edessa"/>
-      <a:font script="Orya" typeface="Kalinga"/>
-      <a:font script="Mlym" typeface="Kartika"/>
-      <a:font script="Laoo" typeface="DokChampa"/>
-      <a:font script="Sinh" typeface="Iskoola Pota"/>
-      <a:font script="Mong" typeface="Mongolian Baiti"/>
-      <a:font script="Viet" typeface="Arial"/>
-      <a:font script="Uigh" typeface="Microsoft Uighur"/>
-      <a:font script="Geor" typeface="Sylfaen"/>
-    </a:minorFont>
-  </a:fontScheme>
-  <a:fmtScheme name="Larissa">
-    <a:fillStyleLst>
-      <a:solidFill>
-        <a:schemeClr val="phClr"/>
-      </a:solidFill>
-      <a:gradFill rotWithShape="1">
-        <a:gsLst>
-          <a:gs pos="0">
-            <a:schemeClr val="phClr">
-              <a:tint val="50000"/>
-              <a:satMod val="300000"/>
-            </a:schemeClr>
-          </a:gs>
-          <a:gs pos="35000">
-            <a:schemeClr val="phClr">
-              <a:tint val="37000"/>
-              <a:satMod val="300000"/>
-            </a:schemeClr>
-          </a:gs>
-          <a:gs pos="100000">
-            <a:schemeClr val="phClr">
-              <a:tint val="15000"/>
-              <a:satMod val="350000"/>
-            </a:schemeClr>
-          </a:gs>
-        </a:gsLst>
-        <a:lin ang="16200000" scaled="1"/>
-      </a:gradFill>
-      <a:gradFill rotWithShape="1">
-        <a:gsLst>
-          <a:gs pos="0">
-            <a:schemeClr val="phClr">
-              <a:shade val="51000"/>
-              <a:satMod val="130000"/>
-            </a:schemeClr>
-          </a:gs>
-          <a:gs pos="80000">
-            <a:schemeClr val="phClr">
-              <a:shade val="93000"/>
-              <a:satMod val="130000"/>
-            </a:schemeClr>
-          </a:gs>
-          <a:gs pos="100000">
-            <a:schemeClr val="phClr">
-              <a:shade val="94000"/>
-              <a:satMod val="135000"/>
-            </a:schemeClr>
-          </a:gs>
-        </a:gsLst>
-        <a:lin ang="16200000" scaled="0"/>
-      </a:gradFill>
-    </a:fillStyleLst>
-    <a:lnStyleLst>
-      <a:ln w="9525" cap="flat" cmpd="sng" algn="ctr">
-        <a:solidFill>
-          <a:schemeClr val="phClr">
-            <a:shade val="95000"/>
-            <a:satMod val="105000"/>
-          </a:schemeClr>
-        </a:solidFill>
-        <a:prstDash val="solid"/>
-      </a:ln>
-      <a:ln w="25400" cap="flat" cmpd="sng" algn="ctr">
-        <a:solidFill>
-          <a:schemeClr val="phClr"/>
-        </a:solidFill>
-        <a:prstDash val="solid"/>
-      </a:ln>
-      <a:ln w="38100" cap="flat" cmpd="sng" algn="ctr">
-        <a:solidFill>
-          <a:schemeClr val="phClr"/>
-        </a:solidFill>
-        <a:prstDash val="solid"/>
-      </a:ln>
-    </a:lnStyleLst>
-    <a:effectStyleLst>
-      <a:effectStyle>
-        <a:effectLst>
-          <a:outerShdw blurRad="40000" dist="20000" dir="5400000" rotWithShape="0">
-            <a:srgbClr val="000000">
-              <a:alpha val="38000"/>
-            </a:srgbClr>
-          </a:outerShdw>
-        </a:effectLst>
-      </a:effectStyle>
-      <a:effectStyle>
-        <a:effectLst>
-          <a:outerShdw blurRad="40000" dist="23000" dir="5400000" rotWithShape="0">
-            <a:srgbClr val="000000">
-              <a:alpha val="35000"/>
-            </a:srgbClr>
-          </a:outerShdw>
-        </a:effectLst>
-      </a:effectStyle>
-      <a:effectStyle>
-        <a:effectLst>
-          <a:outerShdw blurRad="40000" dist="23000" dir="5400000" rotWithShape="0">
-            <a:srgbClr val="000000">
-              <a:alpha val="35000"/>
-            </a:srgbClr>
-          </a:outerShdw>
-        </a:effectLst>
-        <a:scene3d>
-          <a:camera prst="orthographicFront">
-            <a:rot lat="0" lon="0" rev="0"/>
-          </a:camera>
-          <a:lightRig rig="threePt" dir="t">
-            <a:rot lat="0" lon="0" rev="1200000"/>
-          </a:lightRig>
-        </a:scene3d>
-        <a:sp3d>
-          <a:bevelT w="63500" h="25400"/>
-        </a:sp3d>
-      </a:effectStyle>
-    </a:effectStyleLst>
-    <a:bgFillStyleLst>
-      <a:solidFill>
-        <a:schemeClr val="phClr"/>
-      </a:solidFill>
-      <a:gradFill rotWithShape="1">
-        <a:gsLst>
-          <a:gs pos="0">
-            <a:schemeClr val="phClr">
-              <a:tint val="40000"/>
-              <a:satMod val="350000"/>
-            </a:schemeClr>
-          </a:gs>
-          <a:gs pos="40000">
-            <a:schemeClr val="phClr">
-              <a:tint val="45000"/>
-              <a:shade val="99000"/>
-              <a:satMod val="350000"/>
-            </a:schemeClr>
-          </a:gs>
-          <a:gs pos="100000">
-            <a:schemeClr val="phClr">
-              <a:shade val="20000"/>
-              <a:satMod val="255000"/>
-            </a:schemeClr>
-          </a:gs>
-        </a:gsLst>
-        <a:path path="circle">
-          <a:fillToRect l="50000" t="-80000" r="50000" b="180000"/>
-        </a:path>
-      </a:gradFill>
-      <a:gradFill rotWithShape="1">
-        <a:gsLst>
-          <a:gs pos="0">
-            <a:schemeClr val="phClr">
-              <a:tint val="80000"/>
-              <a:satMod val="300000"/>
-            </a:schemeClr>
-          </a:gs>
-          <a:gs pos="100000">
-            <a:schemeClr val="phClr">
-              <a:shade val="30000"/>
-              <a:satMod val="200000"/>
-            </a:schemeClr>
-          </a:gs>
-        </a:gsLst>
-        <a:path path="circle">
-          <a:fillToRect l="50000" t="50000" r="50000" b="50000"/>
-        </a:path>
-      </a:gradFill>
-    </a:bgFillStyleLst>
-  </a:fmtScheme>
-</a:themeOverride>
 </file>